--- a/Document/맵/맵.pptx
+++ b/Document/맵/맵.pptx
@@ -203,7 +203,7 @@
           <a:p>
             <a:fld id="{2A8CA0AD-A475-44B5-9A01-DE22AB9F57C0}" type="datetimeFigureOut">
               <a:rPr lang="ko-KR" altLang="en-US" smtClean="0"/>
-              <a:t>2022-03-21(Mon)</a:t>
+              <a:t>2022-03-30(Wed)</a:t>
             </a:fld>
             <a:endParaRPr lang="ko-KR" altLang="en-US"/>
           </a:p>
@@ -1121,7 +1121,7 @@
           <a:p>
             <a:fld id="{CB6516E8-9AC5-4179-AC4F-A3E331A91671}" type="datetimeFigureOut">
               <a:rPr lang="ko-KR" altLang="en-US" smtClean="0"/>
-              <a:t>2022-03-21(Mon)</a:t>
+              <a:t>2022-03-30(Wed)</a:t>
             </a:fld>
             <a:endParaRPr lang="ko-KR" altLang="en-US"/>
           </a:p>
@@ -1319,7 +1319,7 @@
           <a:p>
             <a:fld id="{CB6516E8-9AC5-4179-AC4F-A3E331A91671}" type="datetimeFigureOut">
               <a:rPr lang="ko-KR" altLang="en-US" smtClean="0"/>
-              <a:t>2022-03-21(Mon)</a:t>
+              <a:t>2022-03-30(Wed)</a:t>
             </a:fld>
             <a:endParaRPr lang="ko-KR" altLang="en-US"/>
           </a:p>
@@ -1527,7 +1527,7 @@
           <a:p>
             <a:fld id="{CB6516E8-9AC5-4179-AC4F-A3E331A91671}" type="datetimeFigureOut">
               <a:rPr lang="ko-KR" altLang="en-US" smtClean="0"/>
-              <a:t>2022-03-21(Mon)</a:t>
+              <a:t>2022-03-30(Wed)</a:t>
             </a:fld>
             <a:endParaRPr lang="ko-KR" altLang="en-US"/>
           </a:p>
@@ -1977,7 +1977,7 @@
           <a:p>
             <a:fld id="{CB6516E8-9AC5-4179-AC4F-A3E331A91671}" type="datetimeFigureOut">
               <a:rPr lang="ko-KR" altLang="en-US" smtClean="0"/>
-              <a:t>2022-03-21(Mon)</a:t>
+              <a:t>2022-03-30(Wed)</a:t>
             </a:fld>
             <a:endParaRPr lang="ko-KR" altLang="en-US"/>
           </a:p>
@@ -2252,7 +2252,7 @@
           <a:p>
             <a:fld id="{CB6516E8-9AC5-4179-AC4F-A3E331A91671}" type="datetimeFigureOut">
               <a:rPr lang="ko-KR" altLang="en-US" smtClean="0"/>
-              <a:t>2022-03-21(Mon)</a:t>
+              <a:t>2022-03-30(Wed)</a:t>
             </a:fld>
             <a:endParaRPr lang="ko-KR" altLang="en-US"/>
           </a:p>
@@ -2517,7 +2517,7 @@
           <a:p>
             <a:fld id="{CB6516E8-9AC5-4179-AC4F-A3E331A91671}" type="datetimeFigureOut">
               <a:rPr lang="ko-KR" altLang="en-US" smtClean="0"/>
-              <a:t>2022-03-21(Mon)</a:t>
+              <a:t>2022-03-30(Wed)</a:t>
             </a:fld>
             <a:endParaRPr lang="ko-KR" altLang="en-US"/>
           </a:p>
@@ -2929,7 +2929,7 @@
           <a:p>
             <a:fld id="{CB6516E8-9AC5-4179-AC4F-A3E331A91671}" type="datetimeFigureOut">
               <a:rPr lang="ko-KR" altLang="en-US" smtClean="0"/>
-              <a:t>2022-03-21(Mon)</a:t>
+              <a:t>2022-03-30(Wed)</a:t>
             </a:fld>
             <a:endParaRPr lang="ko-KR" altLang="en-US"/>
           </a:p>
@@ -3070,7 +3070,7 @@
           <a:p>
             <a:fld id="{CB6516E8-9AC5-4179-AC4F-A3E331A91671}" type="datetimeFigureOut">
               <a:rPr lang="ko-KR" altLang="en-US" smtClean="0"/>
-              <a:t>2022-03-21(Mon)</a:t>
+              <a:t>2022-03-30(Wed)</a:t>
             </a:fld>
             <a:endParaRPr lang="ko-KR" altLang="en-US"/>
           </a:p>
@@ -3183,7 +3183,7 @@
           <a:p>
             <a:fld id="{CB6516E8-9AC5-4179-AC4F-A3E331A91671}" type="datetimeFigureOut">
               <a:rPr lang="ko-KR" altLang="en-US" smtClean="0"/>
-              <a:t>2022-03-21(Mon)</a:t>
+              <a:t>2022-03-30(Wed)</a:t>
             </a:fld>
             <a:endParaRPr lang="ko-KR" altLang="en-US"/>
           </a:p>
@@ -3494,7 +3494,7 @@
           <a:p>
             <a:fld id="{CB6516E8-9AC5-4179-AC4F-A3E331A91671}" type="datetimeFigureOut">
               <a:rPr lang="ko-KR" altLang="en-US" smtClean="0"/>
-              <a:t>2022-03-21(Mon)</a:t>
+              <a:t>2022-03-30(Wed)</a:t>
             </a:fld>
             <a:endParaRPr lang="ko-KR" altLang="en-US"/>
           </a:p>
@@ -3782,7 +3782,7 @@
           <a:p>
             <a:fld id="{CB6516E8-9AC5-4179-AC4F-A3E331A91671}" type="datetimeFigureOut">
               <a:rPr lang="ko-KR" altLang="en-US" smtClean="0"/>
-              <a:t>2022-03-21(Mon)</a:t>
+              <a:t>2022-03-30(Wed)</a:t>
             </a:fld>
             <a:endParaRPr lang="ko-KR" altLang="en-US"/>
           </a:p>
@@ -4023,7 +4023,7 @@
           <a:p>
             <a:fld id="{CB6516E8-9AC5-4179-AC4F-A3E331A91671}" type="datetimeFigureOut">
               <a:rPr lang="ko-KR" altLang="en-US" smtClean="0"/>
-              <a:t>2022-03-21(Mon)</a:t>
+              <a:t>2022-03-30(Wed)</a:t>
             </a:fld>
             <a:endParaRPr lang="ko-KR" altLang="en-US"/>
           </a:p>
@@ -4701,8 +4701,8 @@
         </p:nvGrpSpPr>
         <p:grpSpPr>
           <a:xfrm>
-            <a:off x="8416609" y="2064177"/>
-            <a:ext cx="3494655" cy="3686175"/>
+            <a:off x="8169505" y="1782047"/>
+            <a:ext cx="3494655" cy="4325406"/>
             <a:chOff x="8324850" y="1790700"/>
             <a:chExt cx="3494655" cy="3686175"/>
           </a:xfrm>
@@ -4774,7 +4774,7 @@
           <p:spPr>
             <a:xfrm>
               <a:off x="8374331" y="2009121"/>
-              <a:ext cx="3445174" cy="3231654"/>
+              <a:ext cx="3445174" cy="3383564"/>
             </a:xfrm>
             <a:prstGeom prst="rect">
               <a:avLst/>
@@ -4887,6 +4887,22 @@
                 <a:t>동굴</a:t>
               </a:r>
               <a:r>
+                <a:rPr lang="en-US" altLang="ko-KR" sz="1200" b="1" dirty="0">
+                  <a:solidFill>
+                    <a:schemeClr val="accent2"/>
+                  </a:solidFill>
+                </a:rPr>
+                <a:t>, </a:t>
+              </a:r>
+              <a:r>
+                <a:rPr lang="ko-KR" altLang="en-US" sz="1200" b="1" dirty="0">
+                  <a:solidFill>
+                    <a:schemeClr val="accent2"/>
+                  </a:solidFill>
+                </a:rPr>
+                <a:t>정제소</a:t>
+              </a:r>
+              <a:r>
                 <a:rPr lang="ko-KR" altLang="en-US" sz="1200" dirty="0"/>
                 <a:t>로</a:t>
               </a:r>
@@ -4899,12 +4915,27 @@
                 <a:t> </a:t>
               </a:r>
               <a:r>
-                <a:rPr lang="en-US" altLang="ko-KR" sz="1200" dirty="0"/>
-                <a:t>6</a:t>
+                <a:rPr lang="en-US" altLang="ko-KR" sz="1200" b="1" dirty="0">
+                  <a:solidFill>
+                    <a:schemeClr val="accent2"/>
+                  </a:solidFill>
+                </a:rPr>
+                <a:t>7</a:t>
               </a:r>
               <a:r>
                 <a:rPr lang="ko-KR" altLang="en-US" sz="1200" dirty="0"/>
-                <a:t>가지의 구역으로 나뉘어 있습니다</a:t>
+                <a:t>가지의 구역으로 </a:t>
+              </a:r>
+              <a:endParaRPr lang="en-US" altLang="ko-KR" sz="1200" dirty="0"/>
+            </a:p>
+            <a:p>
+              <a:pPr marL="171450" indent="-171450">
+                <a:buFontTx/>
+                <a:buChar char="-"/>
+              </a:pPr>
+              <a:r>
+                <a:rPr lang="ko-KR" altLang="en-US" sz="1200" dirty="0"/>
+                <a:t>나뉘어 있습니다</a:t>
               </a:r>
               <a:r>
                 <a:rPr lang="en-US" altLang="ko-KR" sz="1200" dirty="0"/>
@@ -5162,6 +5193,47 @@
                 <a:rPr lang="en-US" altLang="ko-KR" sz="1200" dirty="0"/>
                 <a:t>.</a:t>
               </a:r>
+            </a:p>
+            <a:p>
+              <a:pPr marL="171450" indent="-171450">
+                <a:buFontTx/>
+                <a:buChar char="-"/>
+              </a:pPr>
+              <a:endParaRPr lang="en-US" altLang="ko-KR" sz="1200" dirty="0"/>
+            </a:p>
+            <a:p>
+              <a:pPr marL="171450" indent="-171450">
+                <a:buFontTx/>
+                <a:buChar char="-"/>
+              </a:pPr>
+              <a:r>
+                <a:rPr lang="ko-KR" altLang="en-US" sz="1200" b="1" dirty="0">
+                  <a:solidFill>
+                    <a:srgbClr val="EB7E35"/>
+                  </a:solidFill>
+                </a:rPr>
+                <a:t>정제소</a:t>
+              </a:r>
+              <a:r>
+                <a:rPr lang="ko-KR" altLang="en-US" sz="1200" dirty="0"/>
+                <a:t>는 정제되지 않은 물을 </a:t>
+              </a:r>
+              <a:r>
+                <a:rPr lang="ko-KR" altLang="en-US" sz="1200" dirty="0" err="1"/>
+                <a:t>정제시켜</a:t>
+              </a:r>
+              <a:endParaRPr lang="en-US" altLang="ko-KR" sz="1200" dirty="0"/>
+            </a:p>
+            <a:p>
+              <a:r>
+                <a:rPr lang="en-US" altLang="ko-KR" sz="1200" dirty="0"/>
+                <a:t>    </a:t>
+              </a:r>
+              <a:r>
+                <a:rPr lang="ko-KR" altLang="en-US" sz="1200" dirty="0"/>
+                <a:t>먹을 수 있는 물로 바꾸는 구역입니다</a:t>
+              </a:r>
+              <a:endParaRPr lang="en-US" altLang="ko-KR" sz="1200" dirty="0"/>
             </a:p>
           </p:txBody>
         </p:sp>
@@ -13396,7 +13468,7 @@
           <p:nvPr>
             <p:extLst>
               <p:ext uri="{D42A27DB-BD31-4B8C-83A1-F6EECF244321}">
-                <p14:modId xmlns:p14="http://schemas.microsoft.com/office/powerpoint/2010/main" val="601106"/>
+                <p14:modId xmlns:p14="http://schemas.microsoft.com/office/powerpoint/2010/main" val="1248764584"/>
               </p:ext>
             </p:extLst>
           </p:nvPr>
@@ -34105,7 +34177,7 @@
         </p:nvSpPr>
         <p:spPr>
           <a:xfrm>
-            <a:off x="9300563" y="3543435"/>
+            <a:off x="9300453" y="2984704"/>
             <a:ext cx="1937932" cy="369332"/>
           </a:xfrm>
           <a:prstGeom prst="rect">
@@ -34146,7 +34218,7 @@
         </p:nvSpPr>
         <p:spPr>
           <a:xfrm>
-            <a:off x="11184156" y="3543435"/>
+            <a:off x="11184046" y="2984704"/>
             <a:ext cx="358775" cy="330652"/>
           </a:xfrm>
           <a:prstGeom prst="rect">

--- a/Document/맵/맵.pptx
+++ b/Document/맵/맵.pptx
@@ -199,7 +199,7 @@
           <a:p>
             <a:fld id="{2A8CA0AD-A475-44B5-9A01-DE22AB9F57C0}" type="datetimeFigureOut">
               <a:rPr lang="ko-KR" altLang="en-US" smtClean="0"/>
-              <a:t>2022-04-05(Tue)</a:t>
+              <a:t>2022-04-06(Wed)</a:t>
             </a:fld>
             <a:endParaRPr lang="ko-KR" altLang="en-US"/>
           </a:p>
@@ -781,7 +781,7 @@
           <a:p>
             <a:fld id="{CB6516E8-9AC5-4179-AC4F-A3E331A91671}" type="datetimeFigureOut">
               <a:rPr lang="ko-KR" altLang="en-US" smtClean="0"/>
-              <a:t>2022-04-05(Tue)</a:t>
+              <a:t>2022-04-06(Wed)</a:t>
             </a:fld>
             <a:endParaRPr lang="ko-KR" altLang="en-US"/>
           </a:p>
@@ -979,7 +979,7 @@
           <a:p>
             <a:fld id="{CB6516E8-9AC5-4179-AC4F-A3E331A91671}" type="datetimeFigureOut">
               <a:rPr lang="ko-KR" altLang="en-US" smtClean="0"/>
-              <a:t>2022-04-05(Tue)</a:t>
+              <a:t>2022-04-06(Wed)</a:t>
             </a:fld>
             <a:endParaRPr lang="ko-KR" altLang="en-US"/>
           </a:p>
@@ -1187,7 +1187,7 @@
           <a:p>
             <a:fld id="{CB6516E8-9AC5-4179-AC4F-A3E331A91671}" type="datetimeFigureOut">
               <a:rPr lang="ko-KR" altLang="en-US" smtClean="0"/>
-              <a:t>2022-04-05(Tue)</a:t>
+              <a:t>2022-04-06(Wed)</a:t>
             </a:fld>
             <a:endParaRPr lang="ko-KR" altLang="en-US"/>
           </a:p>
@@ -1637,7 +1637,7 @@
           <a:p>
             <a:fld id="{CB6516E8-9AC5-4179-AC4F-A3E331A91671}" type="datetimeFigureOut">
               <a:rPr lang="ko-KR" altLang="en-US" smtClean="0"/>
-              <a:t>2022-04-05(Tue)</a:t>
+              <a:t>2022-04-06(Wed)</a:t>
             </a:fld>
             <a:endParaRPr lang="ko-KR" altLang="en-US"/>
           </a:p>
@@ -1912,7 +1912,7 @@
           <a:p>
             <a:fld id="{CB6516E8-9AC5-4179-AC4F-A3E331A91671}" type="datetimeFigureOut">
               <a:rPr lang="ko-KR" altLang="en-US" smtClean="0"/>
-              <a:t>2022-04-05(Tue)</a:t>
+              <a:t>2022-04-06(Wed)</a:t>
             </a:fld>
             <a:endParaRPr lang="ko-KR" altLang="en-US"/>
           </a:p>
@@ -2177,7 +2177,7 @@
           <a:p>
             <a:fld id="{CB6516E8-9AC5-4179-AC4F-A3E331A91671}" type="datetimeFigureOut">
               <a:rPr lang="ko-KR" altLang="en-US" smtClean="0"/>
-              <a:t>2022-04-05(Tue)</a:t>
+              <a:t>2022-04-06(Wed)</a:t>
             </a:fld>
             <a:endParaRPr lang="ko-KR" altLang="en-US"/>
           </a:p>
@@ -2589,7 +2589,7 @@
           <a:p>
             <a:fld id="{CB6516E8-9AC5-4179-AC4F-A3E331A91671}" type="datetimeFigureOut">
               <a:rPr lang="ko-KR" altLang="en-US" smtClean="0"/>
-              <a:t>2022-04-05(Tue)</a:t>
+              <a:t>2022-04-06(Wed)</a:t>
             </a:fld>
             <a:endParaRPr lang="ko-KR" altLang="en-US"/>
           </a:p>
@@ -2730,7 +2730,7 @@
           <a:p>
             <a:fld id="{CB6516E8-9AC5-4179-AC4F-A3E331A91671}" type="datetimeFigureOut">
               <a:rPr lang="ko-KR" altLang="en-US" smtClean="0"/>
-              <a:t>2022-04-05(Tue)</a:t>
+              <a:t>2022-04-06(Wed)</a:t>
             </a:fld>
             <a:endParaRPr lang="ko-KR" altLang="en-US"/>
           </a:p>
@@ -2843,7 +2843,7 @@
           <a:p>
             <a:fld id="{CB6516E8-9AC5-4179-AC4F-A3E331A91671}" type="datetimeFigureOut">
               <a:rPr lang="ko-KR" altLang="en-US" smtClean="0"/>
-              <a:t>2022-04-05(Tue)</a:t>
+              <a:t>2022-04-06(Wed)</a:t>
             </a:fld>
             <a:endParaRPr lang="ko-KR" altLang="en-US"/>
           </a:p>
@@ -3154,7 +3154,7 @@
           <a:p>
             <a:fld id="{CB6516E8-9AC5-4179-AC4F-A3E331A91671}" type="datetimeFigureOut">
               <a:rPr lang="ko-KR" altLang="en-US" smtClean="0"/>
-              <a:t>2022-04-05(Tue)</a:t>
+              <a:t>2022-04-06(Wed)</a:t>
             </a:fld>
             <a:endParaRPr lang="ko-KR" altLang="en-US"/>
           </a:p>
@@ -3442,7 +3442,7 @@
           <a:p>
             <a:fld id="{CB6516E8-9AC5-4179-AC4F-A3E331A91671}" type="datetimeFigureOut">
               <a:rPr lang="ko-KR" altLang="en-US" smtClean="0"/>
-              <a:t>2022-04-05(Tue)</a:t>
+              <a:t>2022-04-06(Wed)</a:t>
             </a:fld>
             <a:endParaRPr lang="ko-KR" altLang="en-US"/>
           </a:p>
@@ -3683,7 +3683,7 @@
           <a:p>
             <a:fld id="{CB6516E8-9AC5-4179-AC4F-A3E331A91671}" type="datetimeFigureOut">
               <a:rPr lang="ko-KR" altLang="en-US" smtClean="0"/>
-              <a:t>2022-04-05(Tue)</a:t>
+              <a:t>2022-04-06(Wed)</a:t>
             </a:fld>
             <a:endParaRPr lang="ko-KR" altLang="en-US"/>
           </a:p>

--- a/Document/맵/맵.pptx
+++ b/Document/맵/맵.pptx
@@ -199,7 +199,7 @@
           <a:p>
             <a:fld id="{2A8CA0AD-A475-44B5-9A01-DE22AB9F57C0}" type="datetimeFigureOut">
               <a:rPr lang="ko-KR" altLang="en-US" smtClean="0"/>
-              <a:t>2022-04-06(Wed)</a:t>
+              <a:t>2022-04-11(Mon)</a:t>
             </a:fld>
             <a:endParaRPr lang="ko-KR" altLang="en-US"/>
           </a:p>
@@ -781,7 +781,7 @@
           <a:p>
             <a:fld id="{CB6516E8-9AC5-4179-AC4F-A3E331A91671}" type="datetimeFigureOut">
               <a:rPr lang="ko-KR" altLang="en-US" smtClean="0"/>
-              <a:t>2022-04-06(Wed)</a:t>
+              <a:t>2022-04-11(Mon)</a:t>
             </a:fld>
             <a:endParaRPr lang="ko-KR" altLang="en-US"/>
           </a:p>
@@ -979,7 +979,7 @@
           <a:p>
             <a:fld id="{CB6516E8-9AC5-4179-AC4F-A3E331A91671}" type="datetimeFigureOut">
               <a:rPr lang="ko-KR" altLang="en-US" smtClean="0"/>
-              <a:t>2022-04-06(Wed)</a:t>
+              <a:t>2022-04-11(Mon)</a:t>
             </a:fld>
             <a:endParaRPr lang="ko-KR" altLang="en-US"/>
           </a:p>
@@ -1187,7 +1187,7 @@
           <a:p>
             <a:fld id="{CB6516E8-9AC5-4179-AC4F-A3E331A91671}" type="datetimeFigureOut">
               <a:rPr lang="ko-KR" altLang="en-US" smtClean="0"/>
-              <a:t>2022-04-06(Wed)</a:t>
+              <a:t>2022-04-11(Mon)</a:t>
             </a:fld>
             <a:endParaRPr lang="ko-KR" altLang="en-US"/>
           </a:p>
@@ -1637,7 +1637,7 @@
           <a:p>
             <a:fld id="{CB6516E8-9AC5-4179-AC4F-A3E331A91671}" type="datetimeFigureOut">
               <a:rPr lang="ko-KR" altLang="en-US" smtClean="0"/>
-              <a:t>2022-04-06(Wed)</a:t>
+              <a:t>2022-04-11(Mon)</a:t>
             </a:fld>
             <a:endParaRPr lang="ko-KR" altLang="en-US"/>
           </a:p>
@@ -1912,7 +1912,7 @@
           <a:p>
             <a:fld id="{CB6516E8-9AC5-4179-AC4F-A3E331A91671}" type="datetimeFigureOut">
               <a:rPr lang="ko-KR" altLang="en-US" smtClean="0"/>
-              <a:t>2022-04-06(Wed)</a:t>
+              <a:t>2022-04-11(Mon)</a:t>
             </a:fld>
             <a:endParaRPr lang="ko-KR" altLang="en-US"/>
           </a:p>
@@ -2177,7 +2177,7 @@
           <a:p>
             <a:fld id="{CB6516E8-9AC5-4179-AC4F-A3E331A91671}" type="datetimeFigureOut">
               <a:rPr lang="ko-KR" altLang="en-US" smtClean="0"/>
-              <a:t>2022-04-06(Wed)</a:t>
+              <a:t>2022-04-11(Mon)</a:t>
             </a:fld>
             <a:endParaRPr lang="ko-KR" altLang="en-US"/>
           </a:p>
@@ -2589,7 +2589,7 @@
           <a:p>
             <a:fld id="{CB6516E8-9AC5-4179-AC4F-A3E331A91671}" type="datetimeFigureOut">
               <a:rPr lang="ko-KR" altLang="en-US" smtClean="0"/>
-              <a:t>2022-04-06(Wed)</a:t>
+              <a:t>2022-04-11(Mon)</a:t>
             </a:fld>
             <a:endParaRPr lang="ko-KR" altLang="en-US"/>
           </a:p>
@@ -2730,7 +2730,7 @@
           <a:p>
             <a:fld id="{CB6516E8-9AC5-4179-AC4F-A3E331A91671}" type="datetimeFigureOut">
               <a:rPr lang="ko-KR" altLang="en-US" smtClean="0"/>
-              <a:t>2022-04-06(Wed)</a:t>
+              <a:t>2022-04-11(Mon)</a:t>
             </a:fld>
             <a:endParaRPr lang="ko-KR" altLang="en-US"/>
           </a:p>
@@ -2843,7 +2843,7 @@
           <a:p>
             <a:fld id="{CB6516E8-9AC5-4179-AC4F-A3E331A91671}" type="datetimeFigureOut">
               <a:rPr lang="ko-KR" altLang="en-US" smtClean="0"/>
-              <a:t>2022-04-06(Wed)</a:t>
+              <a:t>2022-04-11(Mon)</a:t>
             </a:fld>
             <a:endParaRPr lang="ko-KR" altLang="en-US"/>
           </a:p>
@@ -3154,7 +3154,7 @@
           <a:p>
             <a:fld id="{CB6516E8-9AC5-4179-AC4F-A3E331A91671}" type="datetimeFigureOut">
               <a:rPr lang="ko-KR" altLang="en-US" smtClean="0"/>
-              <a:t>2022-04-06(Wed)</a:t>
+              <a:t>2022-04-11(Mon)</a:t>
             </a:fld>
             <a:endParaRPr lang="ko-KR" altLang="en-US"/>
           </a:p>
@@ -3442,7 +3442,7 @@
           <a:p>
             <a:fld id="{CB6516E8-9AC5-4179-AC4F-A3E331A91671}" type="datetimeFigureOut">
               <a:rPr lang="ko-KR" altLang="en-US" smtClean="0"/>
-              <a:t>2022-04-06(Wed)</a:t>
+              <a:t>2022-04-11(Mon)</a:t>
             </a:fld>
             <a:endParaRPr lang="ko-KR" altLang="en-US"/>
           </a:p>
@@ -3683,7 +3683,7 @@
           <a:p>
             <a:fld id="{CB6516E8-9AC5-4179-AC4F-A3E331A91671}" type="datetimeFigureOut">
               <a:rPr lang="ko-KR" altLang="en-US" smtClean="0"/>
-              <a:t>2022-04-06(Wed)</a:t>
+              <a:t>2022-04-11(Mon)</a:t>
             </a:fld>
             <a:endParaRPr lang="ko-KR" altLang="en-US"/>
           </a:p>

--- a/Document/맵/맵.pptx
+++ b/Document/맵/맵.pptx
@@ -199,7 +199,7 @@
           <a:p>
             <a:fld id="{2A8CA0AD-A475-44B5-9A01-DE22AB9F57C0}" type="datetimeFigureOut">
               <a:rPr lang="ko-KR" altLang="en-US" smtClean="0"/>
-              <a:t>2022-04-11(Mon)</a:t>
+              <a:t>2022-04-26(Tue)</a:t>
             </a:fld>
             <a:endParaRPr lang="ko-KR" altLang="en-US"/>
           </a:p>
@@ -781,7 +781,7 @@
           <a:p>
             <a:fld id="{CB6516E8-9AC5-4179-AC4F-A3E331A91671}" type="datetimeFigureOut">
               <a:rPr lang="ko-KR" altLang="en-US" smtClean="0"/>
-              <a:t>2022-04-11(Mon)</a:t>
+              <a:t>2022-04-26(Tue)</a:t>
             </a:fld>
             <a:endParaRPr lang="ko-KR" altLang="en-US"/>
           </a:p>
@@ -979,7 +979,7 @@
           <a:p>
             <a:fld id="{CB6516E8-9AC5-4179-AC4F-A3E331A91671}" type="datetimeFigureOut">
               <a:rPr lang="ko-KR" altLang="en-US" smtClean="0"/>
-              <a:t>2022-04-11(Mon)</a:t>
+              <a:t>2022-04-26(Tue)</a:t>
             </a:fld>
             <a:endParaRPr lang="ko-KR" altLang="en-US"/>
           </a:p>
@@ -1187,7 +1187,7 @@
           <a:p>
             <a:fld id="{CB6516E8-9AC5-4179-AC4F-A3E331A91671}" type="datetimeFigureOut">
               <a:rPr lang="ko-KR" altLang="en-US" smtClean="0"/>
-              <a:t>2022-04-11(Mon)</a:t>
+              <a:t>2022-04-26(Tue)</a:t>
             </a:fld>
             <a:endParaRPr lang="ko-KR" altLang="en-US"/>
           </a:p>
@@ -1637,7 +1637,7 @@
           <a:p>
             <a:fld id="{CB6516E8-9AC5-4179-AC4F-A3E331A91671}" type="datetimeFigureOut">
               <a:rPr lang="ko-KR" altLang="en-US" smtClean="0"/>
-              <a:t>2022-04-11(Mon)</a:t>
+              <a:t>2022-04-26(Tue)</a:t>
             </a:fld>
             <a:endParaRPr lang="ko-KR" altLang="en-US"/>
           </a:p>
@@ -1912,7 +1912,7 @@
           <a:p>
             <a:fld id="{CB6516E8-9AC5-4179-AC4F-A3E331A91671}" type="datetimeFigureOut">
               <a:rPr lang="ko-KR" altLang="en-US" smtClean="0"/>
-              <a:t>2022-04-11(Mon)</a:t>
+              <a:t>2022-04-26(Tue)</a:t>
             </a:fld>
             <a:endParaRPr lang="ko-KR" altLang="en-US"/>
           </a:p>
@@ -2177,7 +2177,7 @@
           <a:p>
             <a:fld id="{CB6516E8-9AC5-4179-AC4F-A3E331A91671}" type="datetimeFigureOut">
               <a:rPr lang="ko-KR" altLang="en-US" smtClean="0"/>
-              <a:t>2022-04-11(Mon)</a:t>
+              <a:t>2022-04-26(Tue)</a:t>
             </a:fld>
             <a:endParaRPr lang="ko-KR" altLang="en-US"/>
           </a:p>
@@ -2589,7 +2589,7 @@
           <a:p>
             <a:fld id="{CB6516E8-9AC5-4179-AC4F-A3E331A91671}" type="datetimeFigureOut">
               <a:rPr lang="ko-KR" altLang="en-US" smtClean="0"/>
-              <a:t>2022-04-11(Mon)</a:t>
+              <a:t>2022-04-26(Tue)</a:t>
             </a:fld>
             <a:endParaRPr lang="ko-KR" altLang="en-US"/>
           </a:p>
@@ -2730,7 +2730,7 @@
           <a:p>
             <a:fld id="{CB6516E8-9AC5-4179-AC4F-A3E331A91671}" type="datetimeFigureOut">
               <a:rPr lang="ko-KR" altLang="en-US" smtClean="0"/>
-              <a:t>2022-04-11(Mon)</a:t>
+              <a:t>2022-04-26(Tue)</a:t>
             </a:fld>
             <a:endParaRPr lang="ko-KR" altLang="en-US"/>
           </a:p>
@@ -2843,7 +2843,7 @@
           <a:p>
             <a:fld id="{CB6516E8-9AC5-4179-AC4F-A3E331A91671}" type="datetimeFigureOut">
               <a:rPr lang="ko-KR" altLang="en-US" smtClean="0"/>
-              <a:t>2022-04-11(Mon)</a:t>
+              <a:t>2022-04-26(Tue)</a:t>
             </a:fld>
             <a:endParaRPr lang="ko-KR" altLang="en-US"/>
           </a:p>
@@ -3154,7 +3154,7 @@
           <a:p>
             <a:fld id="{CB6516E8-9AC5-4179-AC4F-A3E331A91671}" type="datetimeFigureOut">
               <a:rPr lang="ko-KR" altLang="en-US" smtClean="0"/>
-              <a:t>2022-04-11(Mon)</a:t>
+              <a:t>2022-04-26(Tue)</a:t>
             </a:fld>
             <a:endParaRPr lang="ko-KR" altLang="en-US"/>
           </a:p>
@@ -3442,7 +3442,7 @@
           <a:p>
             <a:fld id="{CB6516E8-9AC5-4179-AC4F-A3E331A91671}" type="datetimeFigureOut">
               <a:rPr lang="ko-KR" altLang="en-US" smtClean="0"/>
-              <a:t>2022-04-11(Mon)</a:t>
+              <a:t>2022-04-26(Tue)</a:t>
             </a:fld>
             <a:endParaRPr lang="ko-KR" altLang="en-US"/>
           </a:p>
@@ -3683,7 +3683,7 @@
           <a:p>
             <a:fld id="{CB6516E8-9AC5-4179-AC4F-A3E331A91671}" type="datetimeFigureOut">
               <a:rPr lang="ko-KR" altLang="en-US" smtClean="0"/>
-              <a:t>2022-04-11(Mon)</a:t>
+              <a:t>2022-04-26(Tue)</a:t>
             </a:fld>
             <a:endParaRPr lang="ko-KR" altLang="en-US"/>
           </a:p>
@@ -4306,8 +4306,8 @@
         </p:nvGrpSpPr>
         <p:grpSpPr>
           <a:xfrm>
-            <a:off x="8169505" y="1782047"/>
-            <a:ext cx="3494655" cy="4325406"/>
+            <a:off x="8139811" y="1216139"/>
+            <a:ext cx="3494655" cy="5405838"/>
             <a:chOff x="8324850" y="1790700"/>
             <a:chExt cx="3494655" cy="3686175"/>
           </a:xfrm>
@@ -4378,8 +4378,8 @@
           </p:nvSpPr>
           <p:spPr>
             <a:xfrm>
-              <a:off x="8374331" y="2009121"/>
-              <a:ext cx="3445174" cy="3383564"/>
+              <a:off x="8374331" y="2009120"/>
+              <a:ext cx="3445174" cy="3462840"/>
             </a:xfrm>
             <a:prstGeom prst="rect">
               <a:avLst/>
@@ -4840,45 +4840,164 @@
               </a:r>
               <a:endParaRPr lang="en-US" altLang="ko-KR" sz="1200" dirty="0"/>
             </a:p>
+            <a:p>
+              <a:endParaRPr lang="en-US" altLang="ko-KR" sz="1200" dirty="0"/>
+            </a:p>
+            <a:p>
+              <a:pPr marL="171450" indent="-171450">
+                <a:buFontTx/>
+                <a:buChar char="-"/>
+              </a:pPr>
+              <a:r>
+                <a:rPr lang="ko-KR" altLang="en-US" sz="1200" b="1" dirty="0">
+                  <a:solidFill>
+                    <a:srgbClr val="E48445"/>
+                  </a:solidFill>
+                </a:rPr>
+                <a:t>연구소</a:t>
+              </a:r>
+              <a:r>
+                <a:rPr lang="ko-KR" altLang="en-US" sz="1200" dirty="0"/>
+                <a:t>에는 </a:t>
+              </a:r>
+              <a:r>
+                <a:rPr lang="ko-KR" altLang="en-US" sz="1200" dirty="0">
+                  <a:solidFill>
+                    <a:srgbClr val="E48445"/>
+                  </a:solidFill>
+                </a:rPr>
+                <a:t>물통 창고</a:t>
+              </a:r>
+              <a:r>
+                <a:rPr lang="en-US" altLang="ko-KR" sz="1200" dirty="0">
+                  <a:solidFill>
+                    <a:srgbClr val="E48445"/>
+                  </a:solidFill>
+                </a:rPr>
+                <a:t>, </a:t>
+              </a:r>
+              <a:r>
+                <a:rPr lang="ko-KR" altLang="en-US" sz="1200" dirty="0">
+                  <a:solidFill>
+                    <a:srgbClr val="E48445"/>
+                  </a:solidFill>
+                </a:rPr>
+                <a:t>배터리 창고</a:t>
+              </a:r>
+              <a:r>
+                <a:rPr lang="en-US" altLang="ko-KR" sz="1200" dirty="0">
+                  <a:solidFill>
+                    <a:srgbClr val="E48445"/>
+                  </a:solidFill>
+                </a:rPr>
+                <a:t>, </a:t>
+              </a:r>
+              <a:r>
+                <a:rPr lang="ko-KR" altLang="en-US" sz="1200" dirty="0">
+                  <a:solidFill>
+                    <a:srgbClr val="E48445"/>
+                  </a:solidFill>
+                </a:rPr>
+                <a:t>통신실</a:t>
+              </a:r>
+              <a:r>
+                <a:rPr lang="en-US" altLang="ko-KR" sz="1200" dirty="0">
+                  <a:solidFill>
+                    <a:srgbClr val="E48445"/>
+                  </a:solidFill>
+                </a:rPr>
+                <a:t>,</a:t>
+              </a:r>
+            </a:p>
+            <a:p>
+              <a:r>
+                <a:rPr lang="ko-KR" altLang="en-US" sz="1200" dirty="0" err="1">
+                  <a:solidFill>
+                    <a:srgbClr val="E48445"/>
+                  </a:solidFill>
+                </a:rPr>
+                <a:t>정제소</a:t>
+              </a:r>
+              <a:r>
+                <a:rPr lang="en-US" altLang="ko-KR" sz="1200" dirty="0">
+                  <a:solidFill>
+                    <a:srgbClr val="E48445"/>
+                  </a:solidFill>
+                </a:rPr>
+                <a:t>, </a:t>
+              </a:r>
+              <a:r>
+                <a:rPr lang="ko-KR" altLang="en-US" sz="1200" dirty="0" err="1">
+                  <a:solidFill>
+                    <a:srgbClr val="E48445"/>
+                  </a:solidFill>
+                </a:rPr>
+                <a:t>발전실</a:t>
+              </a:r>
+              <a:r>
+                <a:rPr lang="en-US" altLang="ko-KR" sz="1200" dirty="0">
+                  <a:solidFill>
+                    <a:srgbClr val="E48445"/>
+                  </a:solidFill>
+                </a:rPr>
+                <a:t>,</a:t>
+              </a:r>
+              <a:r>
+                <a:rPr lang="ko-KR" altLang="en-US" sz="1200" dirty="0">
+                  <a:solidFill>
+                    <a:srgbClr val="E48445"/>
+                  </a:solidFill>
+                </a:rPr>
+                <a:t> </a:t>
+              </a:r>
+              <a:r>
+                <a:rPr lang="ko-KR" altLang="en-US" sz="1200" dirty="0" err="1">
+                  <a:solidFill>
+                    <a:srgbClr val="E48445"/>
+                  </a:solidFill>
+                </a:rPr>
+                <a:t>충전실</a:t>
+              </a:r>
+              <a:r>
+                <a:rPr lang="ko-KR" altLang="en-US" sz="1200" dirty="0" err="1"/>
+                <a:t>으로</a:t>
+              </a:r>
+              <a:r>
+                <a:rPr lang="ko-KR" altLang="en-US" sz="1200" dirty="0"/>
+                <a:t> 나뉘어 있습니다</a:t>
+              </a:r>
+              <a:r>
+                <a:rPr lang="en-US" altLang="ko-KR" sz="1200" dirty="0"/>
+                <a:t>.</a:t>
+              </a:r>
+            </a:p>
+            <a:p>
+              <a:endParaRPr lang="en-US" altLang="ko-KR" sz="1200" dirty="0"/>
+            </a:p>
+            <a:p>
+              <a:pPr marL="171450" indent="-171450">
+                <a:buFontTx/>
+                <a:buChar char="-"/>
+              </a:pPr>
+              <a:r>
+                <a:rPr lang="ko-KR" altLang="en-US" sz="1200" dirty="0"/>
+                <a:t>방해 미션에 연구소 문을 모두 닫는 미션이</a:t>
+              </a:r>
+              <a:endParaRPr lang="en-US" altLang="ko-KR" sz="1200" dirty="0"/>
+            </a:p>
+            <a:p>
+              <a:r>
+                <a:rPr lang="ko-KR" altLang="en-US" sz="1200" dirty="0"/>
+                <a:t>존재함</a:t>
+              </a:r>
+              <a:r>
+                <a:rPr lang="en-US" altLang="ko-KR" sz="1200" dirty="0"/>
+                <a:t>.</a:t>
+              </a:r>
+            </a:p>
           </p:txBody>
         </p:sp>
       </p:grpSp>
-      <p:sp>
-        <p:nvSpPr>
-          <p:cNvPr id="11" name="TextBox 10">
-            <a:extLst>
-              <a:ext uri="{FF2B5EF4-FFF2-40B4-BE49-F238E27FC236}">
-                <a16:creationId xmlns:a16="http://schemas.microsoft.com/office/drawing/2014/main" id="{4C392713-5D6A-477F-809B-12AAFB288320}"/>
-              </a:ext>
-            </a:extLst>
-          </p:cNvPr>
-          <p:cNvSpPr txBox="1"/>
-          <p:nvPr/>
-        </p:nvSpPr>
-        <p:spPr>
-          <a:xfrm>
-            <a:off x="11508508" y="6289963"/>
-            <a:ext cx="311304" cy="369332"/>
-          </a:xfrm>
-          <a:prstGeom prst="rect">
-            <a:avLst/>
-          </a:prstGeom>
-          <a:noFill/>
-        </p:spPr>
-        <p:txBody>
-          <a:bodyPr wrap="none" rtlCol="0">
-            <a:spAutoFit/>
-          </a:bodyPr>
-          <a:lstStyle/>
-          <a:p>
-            <a:r>
-              <a:rPr lang="en-US" altLang="ko-KR" dirty="0"/>
-              <a:t>1</a:t>
-            </a:r>
-            <a:endParaRPr lang="ko-KR" altLang="en-US" dirty="0"/>
-          </a:p>
-        </p:txBody>
-      </p:sp>
       <p:grpSp>
         <p:nvGrpSpPr>
           <p:cNvPr id="280" name="그룹 279">
@@ -4894,7 +5013,7 @@
         <p:grpSpPr>
           <a:xfrm>
             <a:off x="750944" y="1969727"/>
-            <a:ext cx="6357004" cy="4137725"/>
+            <a:ext cx="4737012" cy="3083285"/>
             <a:chOff x="1231641" y="263816"/>
             <a:chExt cx="9983755" cy="6498351"/>
           </a:xfrm>
@@ -19698,6 +19817,224 @@
           </p:txBody>
         </p:sp>
       </p:grpSp>
+      <p:pic>
+        <p:nvPicPr>
+          <p:cNvPr id="1026" name="Picture 2" descr="인터넷 통신실 이미지 _사진 500986618 무료 다운로드_lovepik.com">
+            <a:extLst>
+              <a:ext uri="{FF2B5EF4-FFF2-40B4-BE49-F238E27FC236}">
+                <a16:creationId xmlns:a16="http://schemas.microsoft.com/office/drawing/2014/main" id="{A43F4D80-D170-4E29-A171-5B1F8D3A3758}"/>
+              </a:ext>
+            </a:extLst>
+          </p:cNvPr>
+          <p:cNvPicPr>
+            <a:picLocks noChangeAspect="1" noChangeArrowheads="1"/>
+          </p:cNvPicPr>
+          <p:nvPr/>
+        </p:nvPicPr>
+        <p:blipFill>
+          <a:blip r:embed="rId3">
+            <a:extLst>
+              <a:ext uri="{28A0092B-C50C-407E-A947-70E740481C1C}">
+                <a14:useLocalDpi xmlns:a14="http://schemas.microsoft.com/office/drawing/2010/main" val="0"/>
+              </a:ext>
+            </a:extLst>
+          </a:blip>
+          <a:srcRect/>
+          <a:stretch>
+            <a:fillRect/>
+          </a:stretch>
+        </p:blipFill>
+        <p:spPr bwMode="auto">
+          <a:xfrm>
+            <a:off x="5173244" y="4878902"/>
+            <a:ext cx="2619375" cy="1743075"/>
+          </a:xfrm>
+          <a:prstGeom prst="rect">
+            <a:avLst/>
+          </a:prstGeom>
+          <a:noFill/>
+          <a:extLst>
+            <a:ext uri="{909E8E84-426E-40DD-AFC4-6F175D3DCCD1}">
+              <a14:hiddenFill xmlns:a14="http://schemas.microsoft.com/office/drawing/2010/main">
+                <a:solidFill>
+                  <a:srgbClr val="FFFFFF"/>
+                </a:solidFill>
+              </a14:hiddenFill>
+            </a:ext>
+          </a:extLst>
+        </p:spPr>
+      </p:pic>
+      <p:cxnSp>
+        <p:nvCxnSpPr>
+          <p:cNvPr id="10" name="직선 연결선 9">
+            <a:extLst>
+              <a:ext uri="{FF2B5EF4-FFF2-40B4-BE49-F238E27FC236}">
+                <a16:creationId xmlns:a16="http://schemas.microsoft.com/office/drawing/2014/main" id="{24DF2787-D7BE-4408-989C-1C5A7B26401B}"/>
+              </a:ext>
+            </a:extLst>
+          </p:cNvPr>
+          <p:cNvCxnSpPr>
+            <a:cxnSpLocks/>
+            <a:stCxn id="365" idx="2"/>
+          </p:cNvCxnSpPr>
+          <p:nvPr/>
+        </p:nvCxnSpPr>
+        <p:spPr>
+          <a:xfrm>
+            <a:off x="3225943" y="3795363"/>
+            <a:ext cx="2428949" cy="258738"/>
+          </a:xfrm>
+          <a:prstGeom prst="line">
+            <a:avLst/>
+          </a:prstGeom>
+          <a:ln w="12700"/>
+        </p:spPr>
+        <p:style>
+          <a:lnRef idx="1">
+            <a:schemeClr val="dk1"/>
+          </a:lnRef>
+          <a:fillRef idx="0">
+            <a:schemeClr val="dk1"/>
+          </a:fillRef>
+          <a:effectRef idx="0">
+            <a:schemeClr val="dk1"/>
+          </a:effectRef>
+          <a:fontRef idx="minor">
+            <a:schemeClr val="tx1"/>
+          </a:fontRef>
+        </p:style>
+      </p:cxnSp>
+      <p:cxnSp>
+        <p:nvCxnSpPr>
+          <p:cNvPr id="13" name="연결선: 꺾임 12">
+            <a:extLst>
+              <a:ext uri="{FF2B5EF4-FFF2-40B4-BE49-F238E27FC236}">
+                <a16:creationId xmlns:a16="http://schemas.microsoft.com/office/drawing/2014/main" id="{152A3571-47A0-431E-85C0-B925789B131C}"/>
+              </a:ext>
+            </a:extLst>
+          </p:cNvPr>
+          <p:cNvCxnSpPr>
+            <a:cxnSpLocks/>
+            <a:endCxn id="1026" idx="0"/>
+          </p:cNvCxnSpPr>
+          <p:nvPr/>
+        </p:nvCxnSpPr>
+        <p:spPr>
+          <a:xfrm>
+            <a:off x="5654044" y="4056524"/>
+            <a:ext cx="828888" cy="822378"/>
+          </a:xfrm>
+          <a:prstGeom prst="bentConnector2">
+            <a:avLst/>
+          </a:prstGeom>
+          <a:ln w="28575">
+            <a:solidFill>
+              <a:schemeClr val="tx1"/>
+            </a:solidFill>
+          </a:ln>
+        </p:spPr>
+        <p:style>
+          <a:lnRef idx="1">
+            <a:schemeClr val="accent1"/>
+          </a:lnRef>
+          <a:fillRef idx="0">
+            <a:schemeClr val="accent1"/>
+          </a:fillRef>
+          <a:effectRef idx="0">
+            <a:schemeClr val="accent1"/>
+          </a:effectRef>
+          <a:fontRef idx="minor">
+            <a:schemeClr val="tx1"/>
+          </a:fontRef>
+        </p:style>
+      </p:cxnSp>
+      <p:cxnSp>
+        <p:nvCxnSpPr>
+          <p:cNvPr id="153" name="직선 연결선 152">
+            <a:extLst>
+              <a:ext uri="{FF2B5EF4-FFF2-40B4-BE49-F238E27FC236}">
+                <a16:creationId xmlns:a16="http://schemas.microsoft.com/office/drawing/2014/main" id="{AD2E18A1-B874-47F6-913B-B9EF7F547F34}"/>
+              </a:ext>
+            </a:extLst>
+          </p:cNvPr>
+          <p:cNvCxnSpPr>
+            <a:cxnSpLocks/>
+            <a:stCxn id="414" idx="3"/>
+          </p:cNvCxnSpPr>
+          <p:nvPr/>
+        </p:nvCxnSpPr>
+        <p:spPr>
+          <a:xfrm>
+            <a:off x="2872608" y="3908348"/>
+            <a:ext cx="22235" cy="1411225"/>
+          </a:xfrm>
+          <a:prstGeom prst="line">
+            <a:avLst/>
+          </a:prstGeom>
+          <a:ln w="12700"/>
+        </p:spPr>
+        <p:style>
+          <a:lnRef idx="1">
+            <a:schemeClr val="dk1"/>
+          </a:lnRef>
+          <a:fillRef idx="0">
+            <a:schemeClr val="dk1"/>
+          </a:fillRef>
+          <a:effectRef idx="0">
+            <a:schemeClr val="dk1"/>
+          </a:effectRef>
+          <a:fontRef idx="minor">
+            <a:schemeClr val="tx1"/>
+          </a:fontRef>
+        </p:style>
+      </p:cxnSp>
+      <p:pic>
+        <p:nvPicPr>
+          <p:cNvPr id="1028" name="Picture 4" descr="멀티 (ㄹ) 1600 책상Set - 한샘몰">
+            <a:extLst>
+              <a:ext uri="{FF2B5EF4-FFF2-40B4-BE49-F238E27FC236}">
+                <a16:creationId xmlns:a16="http://schemas.microsoft.com/office/drawing/2014/main" id="{AA64CE4E-A9B9-48C9-9F47-A9543D776E81}"/>
+              </a:ext>
+            </a:extLst>
+          </p:cNvPr>
+          <p:cNvPicPr>
+            <a:picLocks noChangeAspect="1" noChangeArrowheads="1"/>
+          </p:cNvPicPr>
+          <p:nvPr/>
+        </p:nvPicPr>
+        <p:blipFill>
+          <a:blip r:embed="rId4">
+            <a:extLst>
+              <a:ext uri="{28A0092B-C50C-407E-A947-70E740481C1C}">
+                <a14:useLocalDpi xmlns:a14="http://schemas.microsoft.com/office/drawing/2010/main" val="0"/>
+              </a:ext>
+            </a:extLst>
+          </a:blip>
+          <a:srcRect/>
+          <a:stretch>
+            <a:fillRect/>
+          </a:stretch>
+        </p:blipFill>
+        <p:spPr bwMode="auto">
+          <a:xfrm>
+            <a:off x="2214184" y="5317239"/>
+            <a:ext cx="1251143" cy="1251143"/>
+          </a:xfrm>
+          <a:prstGeom prst="rect">
+            <a:avLst/>
+          </a:prstGeom>
+          <a:noFill/>
+          <a:extLst>
+            <a:ext uri="{909E8E84-426E-40DD-AFC4-6F175D3DCCD1}">
+              <a14:hiddenFill xmlns:a14="http://schemas.microsoft.com/office/drawing/2010/main">
+                <a:solidFill>
+                  <a:srgbClr val="FFFFFF"/>
+                </a:solidFill>
+              </a14:hiddenFill>
+            </a:ext>
+          </a:extLst>
+        </p:spPr>
+      </p:pic>
     </p:spTree>
     <p:extLst>
       <p:ext uri="{BB962C8B-B14F-4D97-AF65-F5344CB8AC3E}">

--- a/Document/맵/맵.pptx
+++ b/Document/맵/맵.pptx
@@ -5,12 +5,13 @@
     <p:sldMasterId id="2147483648" r:id="rId1"/>
   </p:sldMasterIdLst>
   <p:notesMasterIdLst>
-    <p:notesMasterId r:id="rId5"/>
+    <p:notesMasterId r:id="rId6"/>
   </p:notesMasterIdLst>
   <p:sldIdLst>
     <p:sldId id="257" r:id="rId2"/>
     <p:sldId id="268" r:id="rId3"/>
     <p:sldId id="281" r:id="rId4"/>
+    <p:sldId id="282" r:id="rId5"/>
   </p:sldIdLst>
   <p:sldSz cx="12192000" cy="6858000"/>
   <p:notesSz cx="6858000" cy="9144000"/>
@@ -199,7 +200,7 @@
           <a:p>
             <a:fld id="{2A8CA0AD-A475-44B5-9A01-DE22AB9F57C0}" type="datetimeFigureOut">
               <a:rPr lang="ko-KR" altLang="en-US" smtClean="0"/>
-              <a:t>2022-04-26(Tue)</a:t>
+              <a:t>2022-05-25(Wed)</a:t>
             </a:fld>
             <a:endParaRPr lang="ko-KR" altLang="en-US"/>
           </a:p>
@@ -634,6 +635,90 @@
 </p:notes>
 </file>
 
+<file path=ppt/notesSlides/notesSlide3.xml><?xml version="1.0" encoding="utf-8"?>
+<p:notes xmlns:a="http://schemas.openxmlformats.org/drawingml/2006/main" xmlns:r="http://schemas.openxmlformats.org/officeDocument/2006/relationships" xmlns:p="http://schemas.openxmlformats.org/presentationml/2006/main">
+  <p:cSld>
+    <p:spTree>
+      <p:nvGrpSpPr>
+        <p:cNvPr id="1" name=""/>
+        <p:cNvGrpSpPr/>
+        <p:nvPr/>
+      </p:nvGrpSpPr>
+      <p:grpSpPr>
+        <a:xfrm>
+          <a:off x="0" y="0"/>
+          <a:ext cx="0" cy="0"/>
+          <a:chOff x="0" y="0"/>
+          <a:chExt cx="0" cy="0"/>
+        </a:xfrm>
+      </p:grpSpPr>
+      <p:sp>
+        <p:nvSpPr>
+          <p:cNvPr id="2" name="슬라이드 이미지 개체 틀 1"/>
+          <p:cNvSpPr>
+            <a:spLocks noGrp="1" noRot="1" noChangeAspect="1"/>
+          </p:cNvSpPr>
+          <p:nvPr>
+            <p:ph type="sldImg"/>
+          </p:nvPr>
+        </p:nvSpPr>
+        <p:spPr/>
+      </p:sp>
+      <p:sp>
+        <p:nvSpPr>
+          <p:cNvPr id="3" name="슬라이드 노트 개체 틀 2"/>
+          <p:cNvSpPr>
+            <a:spLocks noGrp="1"/>
+          </p:cNvSpPr>
+          <p:nvPr>
+            <p:ph type="body" idx="1"/>
+          </p:nvPr>
+        </p:nvSpPr>
+        <p:spPr/>
+        <p:txBody>
+          <a:bodyPr/>
+          <a:lstStyle/>
+          <a:p>
+            <a:endParaRPr lang="ko-KR" altLang="en-US" dirty="0"/>
+          </a:p>
+        </p:txBody>
+      </p:sp>
+      <p:sp>
+        <p:nvSpPr>
+          <p:cNvPr id="4" name="슬라이드 번호 개체 틀 3"/>
+          <p:cNvSpPr>
+            <a:spLocks noGrp="1"/>
+          </p:cNvSpPr>
+          <p:nvPr>
+            <p:ph type="sldNum" sz="quarter" idx="5"/>
+          </p:nvPr>
+        </p:nvSpPr>
+        <p:spPr/>
+        <p:txBody>
+          <a:bodyPr/>
+          <a:lstStyle/>
+          <a:p>
+            <a:fld id="{73EB825B-89DC-4B21-8B3A-B3CA9CD761CE}" type="slidenum">
+              <a:rPr lang="ko-KR" altLang="en-US" smtClean="0"/>
+              <a:t>4</a:t>
+            </a:fld>
+            <a:endParaRPr lang="ko-KR" altLang="en-US"/>
+          </a:p>
+        </p:txBody>
+      </p:sp>
+    </p:spTree>
+    <p:extLst>
+      <p:ext uri="{BB962C8B-B14F-4D97-AF65-F5344CB8AC3E}">
+        <p14:creationId xmlns:p14="http://schemas.microsoft.com/office/powerpoint/2010/main" val="3625904847"/>
+      </p:ext>
+    </p:extLst>
+  </p:cSld>
+  <p:clrMapOvr>
+    <a:masterClrMapping/>
+  </p:clrMapOvr>
+</p:notes>
+</file>
+
 <file path=ppt/slideLayouts/slideLayout1.xml><?xml version="1.0" encoding="utf-8"?>
 <p:sldLayout xmlns:a="http://schemas.openxmlformats.org/drawingml/2006/main" xmlns:r="http://schemas.openxmlformats.org/officeDocument/2006/relationships" xmlns:p="http://schemas.openxmlformats.org/presentationml/2006/main" type="title" preserve="1">
   <p:cSld name="제목 슬라이드">
@@ -781,7 +866,7 @@
           <a:p>
             <a:fld id="{CB6516E8-9AC5-4179-AC4F-A3E331A91671}" type="datetimeFigureOut">
               <a:rPr lang="ko-KR" altLang="en-US" smtClean="0"/>
-              <a:t>2022-04-26(Tue)</a:t>
+              <a:t>2022-05-25(Wed)</a:t>
             </a:fld>
             <a:endParaRPr lang="ko-KR" altLang="en-US"/>
           </a:p>
@@ -979,7 +1064,7 @@
           <a:p>
             <a:fld id="{CB6516E8-9AC5-4179-AC4F-A3E331A91671}" type="datetimeFigureOut">
               <a:rPr lang="ko-KR" altLang="en-US" smtClean="0"/>
-              <a:t>2022-04-26(Tue)</a:t>
+              <a:t>2022-05-25(Wed)</a:t>
             </a:fld>
             <a:endParaRPr lang="ko-KR" altLang="en-US"/>
           </a:p>
@@ -1187,7 +1272,7 @@
           <a:p>
             <a:fld id="{CB6516E8-9AC5-4179-AC4F-A3E331A91671}" type="datetimeFigureOut">
               <a:rPr lang="ko-KR" altLang="en-US" smtClean="0"/>
-              <a:t>2022-04-26(Tue)</a:t>
+              <a:t>2022-05-25(Wed)</a:t>
             </a:fld>
             <a:endParaRPr lang="ko-KR" altLang="en-US"/>
           </a:p>
@@ -1637,7 +1722,7 @@
           <a:p>
             <a:fld id="{CB6516E8-9AC5-4179-AC4F-A3E331A91671}" type="datetimeFigureOut">
               <a:rPr lang="ko-KR" altLang="en-US" smtClean="0"/>
-              <a:t>2022-04-26(Tue)</a:t>
+              <a:t>2022-05-25(Wed)</a:t>
             </a:fld>
             <a:endParaRPr lang="ko-KR" altLang="en-US"/>
           </a:p>
@@ -1912,7 +1997,7 @@
           <a:p>
             <a:fld id="{CB6516E8-9AC5-4179-AC4F-A3E331A91671}" type="datetimeFigureOut">
               <a:rPr lang="ko-KR" altLang="en-US" smtClean="0"/>
-              <a:t>2022-04-26(Tue)</a:t>
+              <a:t>2022-05-25(Wed)</a:t>
             </a:fld>
             <a:endParaRPr lang="ko-KR" altLang="en-US"/>
           </a:p>
@@ -2177,7 +2262,7 @@
           <a:p>
             <a:fld id="{CB6516E8-9AC5-4179-AC4F-A3E331A91671}" type="datetimeFigureOut">
               <a:rPr lang="ko-KR" altLang="en-US" smtClean="0"/>
-              <a:t>2022-04-26(Tue)</a:t>
+              <a:t>2022-05-25(Wed)</a:t>
             </a:fld>
             <a:endParaRPr lang="ko-KR" altLang="en-US"/>
           </a:p>
@@ -2589,7 +2674,7 @@
           <a:p>
             <a:fld id="{CB6516E8-9AC5-4179-AC4F-A3E331A91671}" type="datetimeFigureOut">
               <a:rPr lang="ko-KR" altLang="en-US" smtClean="0"/>
-              <a:t>2022-04-26(Tue)</a:t>
+              <a:t>2022-05-25(Wed)</a:t>
             </a:fld>
             <a:endParaRPr lang="ko-KR" altLang="en-US"/>
           </a:p>
@@ -2730,7 +2815,7 @@
           <a:p>
             <a:fld id="{CB6516E8-9AC5-4179-AC4F-A3E331A91671}" type="datetimeFigureOut">
               <a:rPr lang="ko-KR" altLang="en-US" smtClean="0"/>
-              <a:t>2022-04-26(Tue)</a:t>
+              <a:t>2022-05-25(Wed)</a:t>
             </a:fld>
             <a:endParaRPr lang="ko-KR" altLang="en-US"/>
           </a:p>
@@ -2843,7 +2928,7 @@
           <a:p>
             <a:fld id="{CB6516E8-9AC5-4179-AC4F-A3E331A91671}" type="datetimeFigureOut">
               <a:rPr lang="ko-KR" altLang="en-US" smtClean="0"/>
-              <a:t>2022-04-26(Tue)</a:t>
+              <a:t>2022-05-25(Wed)</a:t>
             </a:fld>
             <a:endParaRPr lang="ko-KR" altLang="en-US"/>
           </a:p>
@@ -3154,7 +3239,7 @@
           <a:p>
             <a:fld id="{CB6516E8-9AC5-4179-AC4F-A3E331A91671}" type="datetimeFigureOut">
               <a:rPr lang="ko-KR" altLang="en-US" smtClean="0"/>
-              <a:t>2022-04-26(Tue)</a:t>
+              <a:t>2022-05-25(Wed)</a:t>
             </a:fld>
             <a:endParaRPr lang="ko-KR" altLang="en-US"/>
           </a:p>
@@ -3442,7 +3527,7 @@
           <a:p>
             <a:fld id="{CB6516E8-9AC5-4179-AC4F-A3E331A91671}" type="datetimeFigureOut">
               <a:rPr lang="ko-KR" altLang="en-US" smtClean="0"/>
-              <a:t>2022-04-26(Tue)</a:t>
+              <a:t>2022-05-25(Wed)</a:t>
             </a:fld>
             <a:endParaRPr lang="ko-KR" altLang="en-US"/>
           </a:p>
@@ -3683,7 +3768,7 @@
           <a:p>
             <a:fld id="{CB6516E8-9AC5-4179-AC4F-A3E331A91671}" type="datetimeFigureOut">
               <a:rPr lang="ko-KR" altLang="en-US" smtClean="0"/>
-              <a:t>2022-04-26(Tue)</a:t>
+              <a:t>2022-05-25(Wed)</a:t>
             </a:fld>
             <a:endParaRPr lang="ko-KR" altLang="en-US"/>
           </a:p>
@@ -20991,6 +21076,226 @@
 </p:sld>
 </file>
 
+<file path=ppt/slides/slide4.xml><?xml version="1.0" encoding="utf-8"?>
+<p:sld xmlns:a="http://schemas.openxmlformats.org/drawingml/2006/main" xmlns:r="http://schemas.openxmlformats.org/officeDocument/2006/relationships" xmlns:p="http://schemas.openxmlformats.org/presentationml/2006/main">
+  <p:cSld>
+    <p:spTree>
+      <p:nvGrpSpPr>
+        <p:cNvPr id="1" name=""/>
+        <p:cNvGrpSpPr/>
+        <p:nvPr/>
+      </p:nvGrpSpPr>
+      <p:grpSpPr>
+        <a:xfrm>
+          <a:off x="0" y="0"/>
+          <a:ext cx="0" cy="0"/>
+          <a:chOff x="0" y="0"/>
+          <a:chExt cx="0" cy="0"/>
+        </a:xfrm>
+      </p:grpSpPr>
+      <p:sp>
+        <p:nvSpPr>
+          <p:cNvPr id="4" name="직사각형 3">
+            <a:extLst>
+              <a:ext uri="{FF2B5EF4-FFF2-40B4-BE49-F238E27FC236}">
+                <a16:creationId xmlns:a16="http://schemas.microsoft.com/office/drawing/2014/main" id="{AE93FE2A-85FE-4157-951C-FC2FADBB3B34}"/>
+              </a:ext>
+            </a:extLst>
+          </p:cNvPr>
+          <p:cNvSpPr/>
+          <p:nvPr/>
+        </p:nvSpPr>
+        <p:spPr>
+          <a:xfrm>
+            <a:off x="0" y="0"/>
+            <a:ext cx="12192000" cy="1034474"/>
+          </a:xfrm>
+          <a:prstGeom prst="rect">
+            <a:avLst/>
+          </a:prstGeom>
+          <a:solidFill>
+            <a:schemeClr val="accent5">
+              <a:lumMod val="60000"/>
+              <a:lumOff val="40000"/>
+            </a:schemeClr>
+          </a:solidFill>
+        </p:spPr>
+        <p:style>
+          <a:lnRef idx="2">
+            <a:schemeClr val="accent1">
+              <a:shade val="50000"/>
+            </a:schemeClr>
+          </a:lnRef>
+          <a:fillRef idx="1">
+            <a:schemeClr val="accent1"/>
+          </a:fillRef>
+          <a:effectRef idx="0">
+            <a:schemeClr val="accent1"/>
+          </a:effectRef>
+          <a:fontRef idx="minor">
+            <a:schemeClr val="lt1"/>
+          </a:fontRef>
+        </p:style>
+        <p:txBody>
+          <a:bodyPr rtlCol="0" anchor="ctr"/>
+          <a:lstStyle/>
+          <a:p>
+            <a:pPr algn="ctr"/>
+            <a:endParaRPr lang="ko-KR" altLang="en-US" dirty="0"/>
+          </a:p>
+        </p:txBody>
+      </p:sp>
+      <p:sp>
+        <p:nvSpPr>
+          <p:cNvPr id="7" name="TextBox 6">
+            <a:extLst>
+              <a:ext uri="{FF2B5EF4-FFF2-40B4-BE49-F238E27FC236}">
+                <a16:creationId xmlns:a16="http://schemas.microsoft.com/office/drawing/2014/main" id="{982817C4-ACF4-45FB-A018-6E6F872691BC}"/>
+              </a:ext>
+            </a:extLst>
+          </p:cNvPr>
+          <p:cNvSpPr txBox="1"/>
+          <p:nvPr/>
+        </p:nvSpPr>
+        <p:spPr>
+          <a:xfrm>
+            <a:off x="646546" y="255627"/>
+            <a:ext cx="4230254" cy="523220"/>
+          </a:xfrm>
+          <a:prstGeom prst="rect">
+            <a:avLst/>
+          </a:prstGeom>
+          <a:noFill/>
+        </p:spPr>
+        <p:txBody>
+          <a:bodyPr wrap="square" rtlCol="0">
+            <a:spAutoFit/>
+          </a:bodyPr>
+          <a:lstStyle/>
+          <a:p>
+            <a:r>
+              <a:rPr lang="ko-KR" altLang="en-US" sz="2800" b="1" dirty="0"/>
+              <a:t>배</a:t>
+            </a:r>
+            <a:endParaRPr lang="en-US" altLang="ko-KR" sz="2800" b="1" dirty="0"/>
+          </a:p>
+        </p:txBody>
+      </p:sp>
+      <p:sp>
+        <p:nvSpPr>
+          <p:cNvPr id="21" name="TextBox 20">
+            <a:extLst>
+              <a:ext uri="{FF2B5EF4-FFF2-40B4-BE49-F238E27FC236}">
+                <a16:creationId xmlns:a16="http://schemas.microsoft.com/office/drawing/2014/main" id="{27B03FD3-3837-4E4E-9C34-AD1184568D7E}"/>
+              </a:ext>
+            </a:extLst>
+          </p:cNvPr>
+          <p:cNvSpPr txBox="1"/>
+          <p:nvPr/>
+        </p:nvSpPr>
+        <p:spPr>
+          <a:xfrm>
+            <a:off x="11508508" y="6289963"/>
+            <a:ext cx="311304" cy="369332"/>
+          </a:xfrm>
+          <a:prstGeom prst="rect">
+            <a:avLst/>
+          </a:prstGeom>
+          <a:noFill/>
+        </p:spPr>
+        <p:txBody>
+          <a:bodyPr wrap="none" rtlCol="0">
+            <a:spAutoFit/>
+          </a:bodyPr>
+          <a:lstStyle/>
+          <a:p>
+            <a:r>
+              <a:rPr lang="en-US" altLang="ko-KR" dirty="0"/>
+              <a:t>2</a:t>
+            </a:r>
+            <a:endParaRPr lang="ko-KR" altLang="en-US" dirty="0"/>
+          </a:p>
+        </p:txBody>
+      </p:sp>
+      <p:pic>
+        <p:nvPicPr>
+          <p:cNvPr id="3" name="그림 2">
+            <a:extLst>
+              <a:ext uri="{FF2B5EF4-FFF2-40B4-BE49-F238E27FC236}">
+                <a16:creationId xmlns:a16="http://schemas.microsoft.com/office/drawing/2014/main" id="{062FF285-EA76-0276-5A06-5E27444ECBE1}"/>
+              </a:ext>
+            </a:extLst>
+          </p:cNvPr>
+          <p:cNvPicPr>
+            <a:picLocks noChangeAspect="1"/>
+          </p:cNvPicPr>
+          <p:nvPr/>
+        </p:nvPicPr>
+        <p:blipFill>
+          <a:blip r:embed="rId3"/>
+          <a:stretch>
+            <a:fillRect/>
+          </a:stretch>
+        </p:blipFill>
+        <p:spPr>
+          <a:xfrm>
+            <a:off x="882041" y="1922106"/>
+            <a:ext cx="7304845" cy="4097269"/>
+          </a:xfrm>
+          <a:prstGeom prst="rect">
+            <a:avLst/>
+          </a:prstGeom>
+        </p:spPr>
+      </p:pic>
+      <p:pic>
+        <p:nvPicPr>
+          <p:cNvPr id="20" name="그림 19">
+            <a:extLst>
+              <a:ext uri="{FF2B5EF4-FFF2-40B4-BE49-F238E27FC236}">
+                <a16:creationId xmlns:a16="http://schemas.microsoft.com/office/drawing/2014/main" id="{B95ABC37-78F2-5E0F-84D5-D2BF3B47647F}"/>
+              </a:ext>
+            </a:extLst>
+          </p:cNvPr>
+          <p:cNvPicPr>
+            <a:picLocks noChangeAspect="1"/>
+          </p:cNvPicPr>
+          <p:nvPr/>
+        </p:nvPicPr>
+        <p:blipFill>
+          <a:blip r:embed="rId4">
+            <a:extLst>
+              <a:ext uri="{28A0092B-C50C-407E-A947-70E740481C1C}">
+                <a14:useLocalDpi xmlns:a14="http://schemas.microsoft.com/office/drawing/2010/main" val="0"/>
+              </a:ext>
+            </a:extLst>
+          </a:blip>
+          <a:stretch>
+            <a:fillRect/>
+          </a:stretch>
+        </p:blipFill>
+        <p:spPr>
+          <a:xfrm>
+            <a:off x="8398833" y="1165197"/>
+            <a:ext cx="3793167" cy="2590375"/>
+          </a:xfrm>
+          <a:prstGeom prst="rect">
+            <a:avLst/>
+          </a:prstGeom>
+        </p:spPr>
+      </p:pic>
+    </p:spTree>
+    <p:extLst>
+      <p:ext uri="{BB962C8B-B14F-4D97-AF65-F5344CB8AC3E}">
+        <p14:creationId xmlns:p14="http://schemas.microsoft.com/office/powerpoint/2010/main" val="3825994078"/>
+      </p:ext>
+    </p:extLst>
+  </p:cSld>
+  <p:clrMapOvr>
+    <a:masterClrMapping/>
+  </p:clrMapOvr>
+</p:sld>
+</file>
+
 <file path=ppt/theme/theme1.xml><?xml version="1.0" encoding="utf-8"?>
 <a:theme xmlns:a="http://schemas.openxmlformats.org/drawingml/2006/main" name="Office 테마">
   <a:themeElements>

--- a/Document/맵/맵.pptx
+++ b/Document/맵/맵.pptx
@@ -5,13 +5,14 @@
     <p:sldMasterId id="2147483648" r:id="rId1"/>
   </p:sldMasterIdLst>
   <p:notesMasterIdLst>
-    <p:notesMasterId r:id="rId6"/>
+    <p:notesMasterId r:id="rId7"/>
   </p:notesMasterIdLst>
   <p:sldIdLst>
     <p:sldId id="257" r:id="rId2"/>
     <p:sldId id="268" r:id="rId3"/>
     <p:sldId id="281" r:id="rId4"/>
     <p:sldId id="282" r:id="rId5"/>
+    <p:sldId id="283" r:id="rId6"/>
   </p:sldIdLst>
   <p:sldSz cx="12192000" cy="6858000"/>
   <p:notesSz cx="6858000" cy="9144000"/>
@@ -200,7 +201,7 @@
           <a:p>
             <a:fld id="{2A8CA0AD-A475-44B5-9A01-DE22AB9F57C0}" type="datetimeFigureOut">
               <a:rPr lang="ko-KR" altLang="en-US" smtClean="0"/>
-              <a:t>2022-05-25(Wed)</a:t>
+              <a:t>2022-05-31(Tue)</a:t>
             </a:fld>
             <a:endParaRPr lang="ko-KR" altLang="en-US"/>
           </a:p>
@@ -719,6 +720,90 @@
 </p:notes>
 </file>
 
+<file path=ppt/notesSlides/notesSlide4.xml><?xml version="1.0" encoding="utf-8"?>
+<p:notes xmlns:a="http://schemas.openxmlformats.org/drawingml/2006/main" xmlns:r="http://schemas.openxmlformats.org/officeDocument/2006/relationships" xmlns:p="http://schemas.openxmlformats.org/presentationml/2006/main">
+  <p:cSld>
+    <p:spTree>
+      <p:nvGrpSpPr>
+        <p:cNvPr id="1" name=""/>
+        <p:cNvGrpSpPr/>
+        <p:nvPr/>
+      </p:nvGrpSpPr>
+      <p:grpSpPr>
+        <a:xfrm>
+          <a:off x="0" y="0"/>
+          <a:ext cx="0" cy="0"/>
+          <a:chOff x="0" y="0"/>
+          <a:chExt cx="0" cy="0"/>
+        </a:xfrm>
+      </p:grpSpPr>
+      <p:sp>
+        <p:nvSpPr>
+          <p:cNvPr id="2" name="슬라이드 이미지 개체 틀 1"/>
+          <p:cNvSpPr>
+            <a:spLocks noGrp="1" noRot="1" noChangeAspect="1"/>
+          </p:cNvSpPr>
+          <p:nvPr>
+            <p:ph type="sldImg"/>
+          </p:nvPr>
+        </p:nvSpPr>
+        <p:spPr/>
+      </p:sp>
+      <p:sp>
+        <p:nvSpPr>
+          <p:cNvPr id="3" name="슬라이드 노트 개체 틀 2"/>
+          <p:cNvSpPr>
+            <a:spLocks noGrp="1"/>
+          </p:cNvSpPr>
+          <p:nvPr>
+            <p:ph type="body" idx="1"/>
+          </p:nvPr>
+        </p:nvSpPr>
+        <p:spPr/>
+        <p:txBody>
+          <a:bodyPr/>
+          <a:lstStyle/>
+          <a:p>
+            <a:endParaRPr lang="ko-KR" altLang="en-US" dirty="0"/>
+          </a:p>
+        </p:txBody>
+      </p:sp>
+      <p:sp>
+        <p:nvSpPr>
+          <p:cNvPr id="4" name="슬라이드 번호 개체 틀 3"/>
+          <p:cNvSpPr>
+            <a:spLocks noGrp="1"/>
+          </p:cNvSpPr>
+          <p:nvPr>
+            <p:ph type="sldNum" sz="quarter" idx="5"/>
+          </p:nvPr>
+        </p:nvSpPr>
+        <p:spPr/>
+        <p:txBody>
+          <a:bodyPr/>
+          <a:lstStyle/>
+          <a:p>
+            <a:fld id="{73EB825B-89DC-4B21-8B3A-B3CA9CD761CE}" type="slidenum">
+              <a:rPr lang="ko-KR" altLang="en-US" smtClean="0"/>
+              <a:t>5</a:t>
+            </a:fld>
+            <a:endParaRPr lang="ko-KR" altLang="en-US"/>
+          </a:p>
+        </p:txBody>
+      </p:sp>
+    </p:spTree>
+    <p:extLst>
+      <p:ext uri="{BB962C8B-B14F-4D97-AF65-F5344CB8AC3E}">
+        <p14:creationId xmlns:p14="http://schemas.microsoft.com/office/powerpoint/2010/main" val="923341418"/>
+      </p:ext>
+    </p:extLst>
+  </p:cSld>
+  <p:clrMapOvr>
+    <a:masterClrMapping/>
+  </p:clrMapOvr>
+</p:notes>
+</file>
+
 <file path=ppt/slideLayouts/slideLayout1.xml><?xml version="1.0" encoding="utf-8"?>
 <p:sldLayout xmlns:a="http://schemas.openxmlformats.org/drawingml/2006/main" xmlns:r="http://schemas.openxmlformats.org/officeDocument/2006/relationships" xmlns:p="http://schemas.openxmlformats.org/presentationml/2006/main" type="title" preserve="1">
   <p:cSld name="제목 슬라이드">
@@ -866,7 +951,7 @@
           <a:p>
             <a:fld id="{CB6516E8-9AC5-4179-AC4F-A3E331A91671}" type="datetimeFigureOut">
               <a:rPr lang="ko-KR" altLang="en-US" smtClean="0"/>
-              <a:t>2022-05-25(Wed)</a:t>
+              <a:t>2022-05-31(Tue)</a:t>
             </a:fld>
             <a:endParaRPr lang="ko-KR" altLang="en-US"/>
           </a:p>
@@ -1064,7 +1149,7 @@
           <a:p>
             <a:fld id="{CB6516E8-9AC5-4179-AC4F-A3E331A91671}" type="datetimeFigureOut">
               <a:rPr lang="ko-KR" altLang="en-US" smtClean="0"/>
-              <a:t>2022-05-25(Wed)</a:t>
+              <a:t>2022-05-31(Tue)</a:t>
             </a:fld>
             <a:endParaRPr lang="ko-KR" altLang="en-US"/>
           </a:p>
@@ -1272,7 +1357,7 @@
           <a:p>
             <a:fld id="{CB6516E8-9AC5-4179-AC4F-A3E331A91671}" type="datetimeFigureOut">
               <a:rPr lang="ko-KR" altLang="en-US" smtClean="0"/>
-              <a:t>2022-05-25(Wed)</a:t>
+              <a:t>2022-05-31(Tue)</a:t>
             </a:fld>
             <a:endParaRPr lang="ko-KR" altLang="en-US"/>
           </a:p>
@@ -1722,7 +1807,7 @@
           <a:p>
             <a:fld id="{CB6516E8-9AC5-4179-AC4F-A3E331A91671}" type="datetimeFigureOut">
               <a:rPr lang="ko-KR" altLang="en-US" smtClean="0"/>
-              <a:t>2022-05-25(Wed)</a:t>
+              <a:t>2022-05-31(Tue)</a:t>
             </a:fld>
             <a:endParaRPr lang="ko-KR" altLang="en-US"/>
           </a:p>
@@ -1997,7 +2082,7 @@
           <a:p>
             <a:fld id="{CB6516E8-9AC5-4179-AC4F-A3E331A91671}" type="datetimeFigureOut">
               <a:rPr lang="ko-KR" altLang="en-US" smtClean="0"/>
-              <a:t>2022-05-25(Wed)</a:t>
+              <a:t>2022-05-31(Tue)</a:t>
             </a:fld>
             <a:endParaRPr lang="ko-KR" altLang="en-US"/>
           </a:p>
@@ -2262,7 +2347,7 @@
           <a:p>
             <a:fld id="{CB6516E8-9AC5-4179-AC4F-A3E331A91671}" type="datetimeFigureOut">
               <a:rPr lang="ko-KR" altLang="en-US" smtClean="0"/>
-              <a:t>2022-05-25(Wed)</a:t>
+              <a:t>2022-05-31(Tue)</a:t>
             </a:fld>
             <a:endParaRPr lang="ko-KR" altLang="en-US"/>
           </a:p>
@@ -2674,7 +2759,7 @@
           <a:p>
             <a:fld id="{CB6516E8-9AC5-4179-AC4F-A3E331A91671}" type="datetimeFigureOut">
               <a:rPr lang="ko-KR" altLang="en-US" smtClean="0"/>
-              <a:t>2022-05-25(Wed)</a:t>
+              <a:t>2022-05-31(Tue)</a:t>
             </a:fld>
             <a:endParaRPr lang="ko-KR" altLang="en-US"/>
           </a:p>
@@ -2815,7 +2900,7 @@
           <a:p>
             <a:fld id="{CB6516E8-9AC5-4179-AC4F-A3E331A91671}" type="datetimeFigureOut">
               <a:rPr lang="ko-KR" altLang="en-US" smtClean="0"/>
-              <a:t>2022-05-25(Wed)</a:t>
+              <a:t>2022-05-31(Tue)</a:t>
             </a:fld>
             <a:endParaRPr lang="ko-KR" altLang="en-US"/>
           </a:p>
@@ -2928,7 +3013,7 @@
           <a:p>
             <a:fld id="{CB6516E8-9AC5-4179-AC4F-A3E331A91671}" type="datetimeFigureOut">
               <a:rPr lang="ko-KR" altLang="en-US" smtClean="0"/>
-              <a:t>2022-05-25(Wed)</a:t>
+              <a:t>2022-05-31(Tue)</a:t>
             </a:fld>
             <a:endParaRPr lang="ko-KR" altLang="en-US"/>
           </a:p>
@@ -3239,7 +3324,7 @@
           <a:p>
             <a:fld id="{CB6516E8-9AC5-4179-AC4F-A3E331A91671}" type="datetimeFigureOut">
               <a:rPr lang="ko-KR" altLang="en-US" smtClean="0"/>
-              <a:t>2022-05-25(Wed)</a:t>
+              <a:t>2022-05-31(Tue)</a:t>
             </a:fld>
             <a:endParaRPr lang="ko-KR" altLang="en-US"/>
           </a:p>
@@ -3527,7 +3612,7 @@
           <a:p>
             <a:fld id="{CB6516E8-9AC5-4179-AC4F-A3E331A91671}" type="datetimeFigureOut">
               <a:rPr lang="ko-KR" altLang="en-US" smtClean="0"/>
-              <a:t>2022-05-25(Wed)</a:t>
+              <a:t>2022-05-31(Tue)</a:t>
             </a:fld>
             <a:endParaRPr lang="ko-KR" altLang="en-US"/>
           </a:p>
@@ -3768,7 +3853,7 @@
           <a:p>
             <a:fld id="{CB6516E8-9AC5-4179-AC4F-A3E331A91671}" type="datetimeFigureOut">
               <a:rPr lang="ko-KR" altLang="en-US" smtClean="0"/>
-              <a:t>2022-05-25(Wed)</a:t>
+              <a:t>2022-05-31(Tue)</a:t>
             </a:fld>
             <a:endParaRPr lang="ko-KR" altLang="en-US"/>
           </a:p>
@@ -21296,6 +21381,215 @@
 </p:sld>
 </file>
 
+<file path=ppt/slides/slide5.xml><?xml version="1.0" encoding="utf-8"?>
+<p:sld xmlns:a="http://schemas.openxmlformats.org/drawingml/2006/main" xmlns:r="http://schemas.openxmlformats.org/officeDocument/2006/relationships" xmlns:p="http://schemas.openxmlformats.org/presentationml/2006/main">
+  <p:cSld>
+    <p:spTree>
+      <p:nvGrpSpPr>
+        <p:cNvPr id="1" name=""/>
+        <p:cNvGrpSpPr/>
+        <p:nvPr/>
+      </p:nvGrpSpPr>
+      <p:grpSpPr>
+        <a:xfrm>
+          <a:off x="0" y="0"/>
+          <a:ext cx="0" cy="0"/>
+          <a:chOff x="0" y="0"/>
+          <a:chExt cx="0" cy="0"/>
+        </a:xfrm>
+      </p:grpSpPr>
+      <p:sp>
+        <p:nvSpPr>
+          <p:cNvPr id="4" name="직사각형 3">
+            <a:extLst>
+              <a:ext uri="{FF2B5EF4-FFF2-40B4-BE49-F238E27FC236}">
+                <a16:creationId xmlns:a16="http://schemas.microsoft.com/office/drawing/2014/main" id="{AE93FE2A-85FE-4157-951C-FC2FADBB3B34}"/>
+              </a:ext>
+            </a:extLst>
+          </p:cNvPr>
+          <p:cNvSpPr/>
+          <p:nvPr/>
+        </p:nvSpPr>
+        <p:spPr>
+          <a:xfrm>
+            <a:off x="0" y="0"/>
+            <a:ext cx="12192000" cy="1034474"/>
+          </a:xfrm>
+          <a:prstGeom prst="rect">
+            <a:avLst/>
+          </a:prstGeom>
+          <a:solidFill>
+            <a:schemeClr val="accent5">
+              <a:lumMod val="60000"/>
+              <a:lumOff val="40000"/>
+            </a:schemeClr>
+          </a:solidFill>
+        </p:spPr>
+        <p:style>
+          <a:lnRef idx="2">
+            <a:schemeClr val="accent1">
+              <a:shade val="50000"/>
+            </a:schemeClr>
+          </a:lnRef>
+          <a:fillRef idx="1">
+            <a:schemeClr val="accent1"/>
+          </a:fillRef>
+          <a:effectRef idx="0">
+            <a:schemeClr val="accent1"/>
+          </a:effectRef>
+          <a:fontRef idx="minor">
+            <a:schemeClr val="lt1"/>
+          </a:fontRef>
+        </p:style>
+        <p:txBody>
+          <a:bodyPr rtlCol="0" anchor="ctr"/>
+          <a:lstStyle/>
+          <a:p>
+            <a:pPr algn="ctr"/>
+            <a:endParaRPr lang="ko-KR" altLang="en-US" dirty="0"/>
+          </a:p>
+        </p:txBody>
+      </p:sp>
+      <p:sp>
+        <p:nvSpPr>
+          <p:cNvPr id="7" name="TextBox 6">
+            <a:extLst>
+              <a:ext uri="{FF2B5EF4-FFF2-40B4-BE49-F238E27FC236}">
+                <a16:creationId xmlns:a16="http://schemas.microsoft.com/office/drawing/2014/main" id="{982817C4-ACF4-45FB-A018-6E6F872691BC}"/>
+              </a:ext>
+            </a:extLst>
+          </p:cNvPr>
+          <p:cNvSpPr txBox="1"/>
+          <p:nvPr/>
+        </p:nvSpPr>
+        <p:spPr>
+          <a:xfrm>
+            <a:off x="646546" y="255627"/>
+            <a:ext cx="4230254" cy="523220"/>
+          </a:xfrm>
+          <a:prstGeom prst="rect">
+            <a:avLst/>
+          </a:prstGeom>
+          <a:noFill/>
+        </p:spPr>
+        <p:txBody>
+          <a:bodyPr wrap="square" rtlCol="0">
+            <a:spAutoFit/>
+          </a:bodyPr>
+          <a:lstStyle/>
+          <a:p>
+            <a:r>
+              <a:rPr lang="ko-KR" altLang="en-US" sz="2800" b="1" dirty="0"/>
+              <a:t>배</a:t>
+            </a:r>
+            <a:endParaRPr lang="en-US" altLang="ko-KR" sz="2800" b="1" dirty="0"/>
+          </a:p>
+        </p:txBody>
+      </p:sp>
+      <p:pic>
+        <p:nvPicPr>
+          <p:cNvPr id="8" name="그림 7">
+            <a:extLst>
+              <a:ext uri="{FF2B5EF4-FFF2-40B4-BE49-F238E27FC236}">
+                <a16:creationId xmlns:a16="http://schemas.microsoft.com/office/drawing/2014/main" id="{2E77DE50-DF25-55D9-43D0-68396B7054C3}"/>
+              </a:ext>
+            </a:extLst>
+          </p:cNvPr>
+          <p:cNvPicPr>
+            <a:picLocks noChangeAspect="1"/>
+          </p:cNvPicPr>
+          <p:nvPr/>
+        </p:nvPicPr>
+        <p:blipFill>
+          <a:blip r:embed="rId3"/>
+          <a:stretch>
+            <a:fillRect/>
+          </a:stretch>
+        </p:blipFill>
+        <p:spPr>
+          <a:xfrm>
+            <a:off x="3469463" y="1290101"/>
+            <a:ext cx="8068164" cy="5101118"/>
+          </a:xfrm>
+          <a:prstGeom prst="rect">
+            <a:avLst/>
+          </a:prstGeom>
+        </p:spPr>
+      </p:pic>
+      <p:sp>
+        <p:nvSpPr>
+          <p:cNvPr id="9" name="직사각형 8">
+            <a:extLst>
+              <a:ext uri="{FF2B5EF4-FFF2-40B4-BE49-F238E27FC236}">
+                <a16:creationId xmlns:a16="http://schemas.microsoft.com/office/drawing/2014/main" id="{F320FCBE-2D19-04FE-C468-9E6DFB582DFF}"/>
+              </a:ext>
+            </a:extLst>
+          </p:cNvPr>
+          <p:cNvSpPr/>
+          <p:nvPr/>
+        </p:nvSpPr>
+        <p:spPr>
+          <a:xfrm>
+            <a:off x="654373" y="1672656"/>
+            <a:ext cx="1583303" cy="752080"/>
+          </a:xfrm>
+          <a:prstGeom prst="rect">
+            <a:avLst/>
+          </a:prstGeom>
+          <a:solidFill>
+            <a:schemeClr val="bg1"/>
+          </a:solidFill>
+          <a:ln w="28575">
+            <a:solidFill>
+              <a:schemeClr val="tx1"/>
+            </a:solidFill>
+          </a:ln>
+        </p:spPr>
+        <p:style>
+          <a:lnRef idx="2">
+            <a:schemeClr val="accent1">
+              <a:shade val="50000"/>
+            </a:schemeClr>
+          </a:lnRef>
+          <a:fillRef idx="1">
+            <a:schemeClr val="accent1"/>
+          </a:fillRef>
+          <a:effectRef idx="0">
+            <a:schemeClr val="accent1"/>
+          </a:effectRef>
+          <a:fontRef idx="minor">
+            <a:schemeClr val="lt1"/>
+          </a:fontRef>
+        </p:style>
+        <p:txBody>
+          <a:bodyPr rtlCol="0" anchor="ctr"/>
+          <a:lstStyle/>
+          <a:p>
+            <a:pPr algn="ctr"/>
+            <a:r>
+              <a:rPr lang="ko-KR" altLang="en-US" sz="2000" dirty="0">
+                <a:solidFill>
+                  <a:schemeClr val="tx1"/>
+                </a:solidFill>
+              </a:rPr>
+              <a:t>내부</a:t>
+            </a:r>
+          </a:p>
+        </p:txBody>
+      </p:sp>
+    </p:spTree>
+    <p:extLst>
+      <p:ext uri="{BB962C8B-B14F-4D97-AF65-F5344CB8AC3E}">
+        <p14:creationId xmlns:p14="http://schemas.microsoft.com/office/powerpoint/2010/main" val="3115461931"/>
+      </p:ext>
+    </p:extLst>
+  </p:cSld>
+  <p:clrMapOvr>
+    <a:masterClrMapping/>
+  </p:clrMapOvr>
+</p:sld>
+</file>
+
 <file path=ppt/theme/theme1.xml><?xml version="1.0" encoding="utf-8"?>
 <a:theme xmlns:a="http://schemas.openxmlformats.org/drawingml/2006/main" name="Office 테마">
   <a:themeElements>

--- a/Document/맵/맵.pptx
+++ b/Document/맵/맵.pptx
@@ -201,7 +201,7 @@
           <a:p>
             <a:fld id="{2A8CA0AD-A475-44B5-9A01-DE22AB9F57C0}" type="datetimeFigureOut">
               <a:rPr lang="ko-KR" altLang="en-US" smtClean="0"/>
-              <a:t>2022-05-31(Tue)</a:t>
+              <a:t>2022-06-02(Thu)</a:t>
             </a:fld>
             <a:endParaRPr lang="ko-KR" altLang="en-US"/>
           </a:p>
@@ -951,7 +951,7 @@
           <a:p>
             <a:fld id="{CB6516E8-9AC5-4179-AC4F-A3E331A91671}" type="datetimeFigureOut">
               <a:rPr lang="ko-KR" altLang="en-US" smtClean="0"/>
-              <a:t>2022-05-31(Tue)</a:t>
+              <a:t>2022-06-02(Thu)</a:t>
             </a:fld>
             <a:endParaRPr lang="ko-KR" altLang="en-US"/>
           </a:p>
@@ -1149,7 +1149,7 @@
           <a:p>
             <a:fld id="{CB6516E8-9AC5-4179-AC4F-A3E331A91671}" type="datetimeFigureOut">
               <a:rPr lang="ko-KR" altLang="en-US" smtClean="0"/>
-              <a:t>2022-05-31(Tue)</a:t>
+              <a:t>2022-06-02(Thu)</a:t>
             </a:fld>
             <a:endParaRPr lang="ko-KR" altLang="en-US"/>
           </a:p>
@@ -1357,7 +1357,7 @@
           <a:p>
             <a:fld id="{CB6516E8-9AC5-4179-AC4F-A3E331A91671}" type="datetimeFigureOut">
               <a:rPr lang="ko-KR" altLang="en-US" smtClean="0"/>
-              <a:t>2022-05-31(Tue)</a:t>
+              <a:t>2022-06-02(Thu)</a:t>
             </a:fld>
             <a:endParaRPr lang="ko-KR" altLang="en-US"/>
           </a:p>
@@ -1807,7 +1807,7 @@
           <a:p>
             <a:fld id="{CB6516E8-9AC5-4179-AC4F-A3E331A91671}" type="datetimeFigureOut">
               <a:rPr lang="ko-KR" altLang="en-US" smtClean="0"/>
-              <a:t>2022-05-31(Tue)</a:t>
+              <a:t>2022-06-02(Thu)</a:t>
             </a:fld>
             <a:endParaRPr lang="ko-KR" altLang="en-US"/>
           </a:p>
@@ -2082,7 +2082,7 @@
           <a:p>
             <a:fld id="{CB6516E8-9AC5-4179-AC4F-A3E331A91671}" type="datetimeFigureOut">
               <a:rPr lang="ko-KR" altLang="en-US" smtClean="0"/>
-              <a:t>2022-05-31(Tue)</a:t>
+              <a:t>2022-06-02(Thu)</a:t>
             </a:fld>
             <a:endParaRPr lang="ko-KR" altLang="en-US"/>
           </a:p>
@@ -2347,7 +2347,7 @@
           <a:p>
             <a:fld id="{CB6516E8-9AC5-4179-AC4F-A3E331A91671}" type="datetimeFigureOut">
               <a:rPr lang="ko-KR" altLang="en-US" smtClean="0"/>
-              <a:t>2022-05-31(Tue)</a:t>
+              <a:t>2022-06-02(Thu)</a:t>
             </a:fld>
             <a:endParaRPr lang="ko-KR" altLang="en-US"/>
           </a:p>
@@ -2759,7 +2759,7 @@
           <a:p>
             <a:fld id="{CB6516E8-9AC5-4179-AC4F-A3E331A91671}" type="datetimeFigureOut">
               <a:rPr lang="ko-KR" altLang="en-US" smtClean="0"/>
-              <a:t>2022-05-31(Tue)</a:t>
+              <a:t>2022-06-02(Thu)</a:t>
             </a:fld>
             <a:endParaRPr lang="ko-KR" altLang="en-US"/>
           </a:p>
@@ -2900,7 +2900,7 @@
           <a:p>
             <a:fld id="{CB6516E8-9AC5-4179-AC4F-A3E331A91671}" type="datetimeFigureOut">
               <a:rPr lang="ko-KR" altLang="en-US" smtClean="0"/>
-              <a:t>2022-05-31(Tue)</a:t>
+              <a:t>2022-06-02(Thu)</a:t>
             </a:fld>
             <a:endParaRPr lang="ko-KR" altLang="en-US"/>
           </a:p>
@@ -3013,7 +3013,7 @@
           <a:p>
             <a:fld id="{CB6516E8-9AC5-4179-AC4F-A3E331A91671}" type="datetimeFigureOut">
               <a:rPr lang="ko-KR" altLang="en-US" smtClean="0"/>
-              <a:t>2022-05-31(Tue)</a:t>
+              <a:t>2022-06-02(Thu)</a:t>
             </a:fld>
             <a:endParaRPr lang="ko-KR" altLang="en-US"/>
           </a:p>
@@ -3324,7 +3324,7 @@
           <a:p>
             <a:fld id="{CB6516E8-9AC5-4179-AC4F-A3E331A91671}" type="datetimeFigureOut">
               <a:rPr lang="ko-KR" altLang="en-US" smtClean="0"/>
-              <a:t>2022-05-31(Tue)</a:t>
+              <a:t>2022-06-02(Thu)</a:t>
             </a:fld>
             <a:endParaRPr lang="ko-KR" altLang="en-US"/>
           </a:p>
@@ -3612,7 +3612,7 @@
           <a:p>
             <a:fld id="{CB6516E8-9AC5-4179-AC4F-A3E331A91671}" type="datetimeFigureOut">
               <a:rPr lang="ko-KR" altLang="en-US" smtClean="0"/>
-              <a:t>2022-05-31(Tue)</a:t>
+              <a:t>2022-06-02(Thu)</a:t>
             </a:fld>
             <a:endParaRPr lang="ko-KR" altLang="en-US"/>
           </a:p>
@@ -3853,7 +3853,7 @@
           <a:p>
             <a:fld id="{CB6516E8-9AC5-4179-AC4F-A3E331A91671}" type="datetimeFigureOut">
               <a:rPr lang="ko-KR" altLang="en-US" smtClean="0"/>
-              <a:t>2022-05-31(Tue)</a:t>
+              <a:t>2022-06-02(Thu)</a:t>
             </a:fld>
             <a:endParaRPr lang="ko-KR" altLang="en-US"/>
           </a:p>
@@ -20205,6 +20205,286 @@
           </a:extLst>
         </p:spPr>
       </p:pic>
+      <p:pic>
+        <p:nvPicPr>
+          <p:cNvPr id="2" name="Picture 2" descr="휴지통 이미지 _사진 401181754 무료 다운로드_lovepik.com">
+            <a:extLst>
+              <a:ext uri="{FF2B5EF4-FFF2-40B4-BE49-F238E27FC236}">
+                <a16:creationId xmlns:a16="http://schemas.microsoft.com/office/drawing/2014/main" id="{88B9349B-9142-A0C6-5770-35E56C10AC54}"/>
+              </a:ext>
+            </a:extLst>
+          </p:cNvPr>
+          <p:cNvPicPr>
+            <a:picLocks noChangeAspect="1" noChangeArrowheads="1"/>
+          </p:cNvPicPr>
+          <p:nvPr/>
+        </p:nvPicPr>
+        <p:blipFill>
+          <a:blip r:embed="rId5">
+            <a:extLst>
+              <a:ext uri="{BEBA8EAE-BF5A-486C-A8C5-ECC9F3942E4B}">
+                <a14:imgProps xmlns:a14="http://schemas.microsoft.com/office/drawing/2010/main">
+                  <a14:imgLayer r:embed="rId6">
+                    <a14:imgEffect>
+                      <a14:backgroundRemoval t="10000" b="90000" l="10000" r="90000"/>
+                    </a14:imgEffect>
+                  </a14:imgLayer>
+                </a14:imgProps>
+              </a:ext>
+              <a:ext uri="{28A0092B-C50C-407E-A947-70E740481C1C}">
+                <a14:useLocalDpi xmlns:a14="http://schemas.microsoft.com/office/drawing/2010/main" val="0"/>
+              </a:ext>
+            </a:extLst>
+          </a:blip>
+          <a:srcRect/>
+          <a:stretch>
+            <a:fillRect/>
+          </a:stretch>
+        </p:blipFill>
+        <p:spPr bwMode="auto">
+          <a:xfrm flipH="1">
+            <a:off x="3424160" y="2455672"/>
+            <a:ext cx="163294" cy="163294"/>
+          </a:xfrm>
+          <a:prstGeom prst="rect">
+            <a:avLst/>
+          </a:prstGeom>
+          <a:noFill/>
+          <a:extLst>
+            <a:ext uri="{909E8E84-426E-40DD-AFC4-6F175D3DCCD1}">
+              <a14:hiddenFill xmlns:a14="http://schemas.microsoft.com/office/drawing/2010/main">
+                <a:solidFill>
+                  <a:srgbClr val="FFFFFF"/>
+                </a:solidFill>
+              </a14:hiddenFill>
+            </a:ext>
+          </a:extLst>
+        </p:spPr>
+      </p:pic>
+      <p:pic>
+        <p:nvPicPr>
+          <p:cNvPr id="148" name="Picture 2" descr="휴지통 이미지 _사진 401181754 무료 다운로드_lovepik.com">
+            <a:extLst>
+              <a:ext uri="{FF2B5EF4-FFF2-40B4-BE49-F238E27FC236}">
+                <a16:creationId xmlns:a16="http://schemas.microsoft.com/office/drawing/2014/main" id="{1CF1C5EC-6DBB-B754-BE06-1911B694CDCF}"/>
+              </a:ext>
+            </a:extLst>
+          </p:cNvPr>
+          <p:cNvPicPr>
+            <a:picLocks noChangeAspect="1" noChangeArrowheads="1"/>
+          </p:cNvPicPr>
+          <p:nvPr/>
+        </p:nvPicPr>
+        <p:blipFill>
+          <a:blip r:embed="rId5">
+            <a:extLst>
+              <a:ext uri="{BEBA8EAE-BF5A-486C-A8C5-ECC9F3942E4B}">
+                <a14:imgProps xmlns:a14="http://schemas.microsoft.com/office/drawing/2010/main">
+                  <a14:imgLayer r:embed="rId6">
+                    <a14:imgEffect>
+                      <a14:backgroundRemoval t="10000" b="90000" l="10000" r="90000"/>
+                    </a14:imgEffect>
+                  </a14:imgLayer>
+                </a14:imgProps>
+              </a:ext>
+              <a:ext uri="{28A0092B-C50C-407E-A947-70E740481C1C}">
+                <a14:useLocalDpi xmlns:a14="http://schemas.microsoft.com/office/drawing/2010/main" val="0"/>
+              </a:ext>
+            </a:extLst>
+          </a:blip>
+          <a:srcRect/>
+          <a:stretch>
+            <a:fillRect/>
+          </a:stretch>
+        </p:blipFill>
+        <p:spPr bwMode="auto">
+          <a:xfrm flipH="1">
+            <a:off x="2167029" y="3692271"/>
+            <a:ext cx="163294" cy="163294"/>
+          </a:xfrm>
+          <a:prstGeom prst="rect">
+            <a:avLst/>
+          </a:prstGeom>
+          <a:noFill/>
+          <a:extLst>
+            <a:ext uri="{909E8E84-426E-40DD-AFC4-6F175D3DCCD1}">
+              <a14:hiddenFill xmlns:a14="http://schemas.microsoft.com/office/drawing/2010/main">
+                <a:solidFill>
+                  <a:srgbClr val="FFFFFF"/>
+                </a:solidFill>
+              </a14:hiddenFill>
+            </a:ext>
+          </a:extLst>
+        </p:spPr>
+      </p:pic>
+      <p:pic>
+        <p:nvPicPr>
+          <p:cNvPr id="149" name="Picture 2" descr="휴지통 이미지 _사진 401181754 무료 다운로드_lovepik.com">
+            <a:extLst>
+              <a:ext uri="{FF2B5EF4-FFF2-40B4-BE49-F238E27FC236}">
+                <a16:creationId xmlns:a16="http://schemas.microsoft.com/office/drawing/2014/main" id="{778C5E8B-390F-11BD-DB5B-FAB1B8504BDA}"/>
+              </a:ext>
+            </a:extLst>
+          </p:cNvPr>
+          <p:cNvPicPr>
+            <a:picLocks noChangeAspect="1" noChangeArrowheads="1"/>
+          </p:cNvPicPr>
+          <p:nvPr/>
+        </p:nvPicPr>
+        <p:blipFill>
+          <a:blip r:embed="rId5">
+            <a:extLst>
+              <a:ext uri="{BEBA8EAE-BF5A-486C-A8C5-ECC9F3942E4B}">
+                <a14:imgProps xmlns:a14="http://schemas.microsoft.com/office/drawing/2010/main">
+                  <a14:imgLayer r:embed="rId6">
+                    <a14:imgEffect>
+                      <a14:backgroundRemoval t="10000" b="90000" l="10000" r="90000"/>
+                    </a14:imgEffect>
+                  </a14:imgLayer>
+                </a14:imgProps>
+              </a:ext>
+              <a:ext uri="{28A0092B-C50C-407E-A947-70E740481C1C}">
+                <a14:useLocalDpi xmlns:a14="http://schemas.microsoft.com/office/drawing/2010/main" val="0"/>
+              </a:ext>
+            </a:extLst>
+          </a:blip>
+          <a:srcRect/>
+          <a:stretch>
+            <a:fillRect/>
+          </a:stretch>
+        </p:blipFill>
+        <p:spPr bwMode="auto">
+          <a:xfrm flipH="1">
+            <a:off x="3285734" y="3858830"/>
+            <a:ext cx="163294" cy="163294"/>
+          </a:xfrm>
+          <a:prstGeom prst="rect">
+            <a:avLst/>
+          </a:prstGeom>
+          <a:noFill/>
+          <a:extLst>
+            <a:ext uri="{909E8E84-426E-40DD-AFC4-6F175D3DCCD1}">
+              <a14:hiddenFill xmlns:a14="http://schemas.microsoft.com/office/drawing/2010/main">
+                <a:solidFill>
+                  <a:srgbClr val="FFFFFF"/>
+                </a:solidFill>
+              </a14:hiddenFill>
+            </a:ext>
+          </a:extLst>
+        </p:spPr>
+      </p:pic>
+      <p:pic>
+        <p:nvPicPr>
+          <p:cNvPr id="150" name="Picture 2" descr="휴지통 이미지 _사진 401181754 무료 다운로드_lovepik.com">
+            <a:extLst>
+              <a:ext uri="{FF2B5EF4-FFF2-40B4-BE49-F238E27FC236}">
+                <a16:creationId xmlns:a16="http://schemas.microsoft.com/office/drawing/2014/main" id="{659B53DB-6F8A-EF9D-E7CF-6D8D613CB9CA}"/>
+              </a:ext>
+            </a:extLst>
+          </p:cNvPr>
+          <p:cNvPicPr>
+            <a:picLocks noChangeAspect="1" noChangeArrowheads="1"/>
+          </p:cNvPicPr>
+          <p:nvPr/>
+        </p:nvPicPr>
+        <p:blipFill>
+          <a:blip r:embed="rId5">
+            <a:extLst>
+              <a:ext uri="{BEBA8EAE-BF5A-486C-A8C5-ECC9F3942E4B}">
+                <a14:imgProps xmlns:a14="http://schemas.microsoft.com/office/drawing/2010/main">
+                  <a14:imgLayer r:embed="rId6">
+                    <a14:imgEffect>
+                      <a14:backgroundRemoval t="10000" b="90000" l="10000" r="90000"/>
+                    </a14:imgEffect>
+                  </a14:imgLayer>
+                </a14:imgProps>
+              </a:ext>
+              <a:ext uri="{28A0092B-C50C-407E-A947-70E740481C1C}">
+                <a14:useLocalDpi xmlns:a14="http://schemas.microsoft.com/office/drawing/2010/main" val="0"/>
+              </a:ext>
+            </a:extLst>
+          </a:blip>
+          <a:srcRect/>
+          <a:stretch>
+            <a:fillRect/>
+          </a:stretch>
+        </p:blipFill>
+        <p:spPr bwMode="auto">
+          <a:xfrm flipH="1">
+            <a:off x="4700362" y="3335735"/>
+            <a:ext cx="163294" cy="163294"/>
+          </a:xfrm>
+          <a:prstGeom prst="rect">
+            <a:avLst/>
+          </a:prstGeom>
+          <a:noFill/>
+          <a:extLst>
+            <a:ext uri="{909E8E84-426E-40DD-AFC4-6F175D3DCCD1}">
+              <a14:hiddenFill xmlns:a14="http://schemas.microsoft.com/office/drawing/2010/main">
+                <a:solidFill>
+                  <a:srgbClr val="FFFFFF"/>
+                </a:solidFill>
+              </a14:hiddenFill>
+            </a:ext>
+          </a:extLst>
+        </p:spPr>
+      </p:pic>
+      <p:pic>
+        <p:nvPicPr>
+          <p:cNvPr id="151" name="Picture 2" descr="휴지통 이미지 _사진 401181754 무료 다운로드_lovepik.com">
+            <a:extLst>
+              <a:ext uri="{FF2B5EF4-FFF2-40B4-BE49-F238E27FC236}">
+                <a16:creationId xmlns:a16="http://schemas.microsoft.com/office/drawing/2014/main" id="{74998704-F8EF-FAE9-3E75-9DE0465821F9}"/>
+              </a:ext>
+            </a:extLst>
+          </p:cNvPr>
+          <p:cNvPicPr>
+            <a:picLocks noChangeAspect="1" noChangeArrowheads="1"/>
+          </p:cNvPicPr>
+          <p:nvPr/>
+        </p:nvPicPr>
+        <p:blipFill>
+          <a:blip r:embed="rId5">
+            <a:extLst>
+              <a:ext uri="{BEBA8EAE-BF5A-486C-A8C5-ECC9F3942E4B}">
+                <a14:imgProps xmlns:a14="http://schemas.microsoft.com/office/drawing/2010/main">
+                  <a14:imgLayer r:embed="rId6">
+                    <a14:imgEffect>
+                      <a14:backgroundRemoval t="10000" b="90000" l="10000" r="90000"/>
+                    </a14:imgEffect>
+                  </a14:imgLayer>
+                </a14:imgProps>
+              </a:ext>
+              <a:ext uri="{28A0092B-C50C-407E-A947-70E740481C1C}">
+                <a14:useLocalDpi xmlns:a14="http://schemas.microsoft.com/office/drawing/2010/main" val="0"/>
+              </a:ext>
+            </a:extLst>
+          </a:blip>
+          <a:srcRect/>
+          <a:stretch>
+            <a:fillRect/>
+          </a:stretch>
+        </p:blipFill>
+        <p:spPr bwMode="auto">
+          <a:xfrm flipH="1">
+            <a:off x="813999" y="3331691"/>
+            <a:ext cx="163294" cy="163294"/>
+          </a:xfrm>
+          <a:prstGeom prst="rect">
+            <a:avLst/>
+          </a:prstGeom>
+          <a:noFill/>
+          <a:extLst>
+            <a:ext uri="{909E8E84-426E-40DD-AFC4-6F175D3DCCD1}">
+              <a14:hiddenFill xmlns:a14="http://schemas.microsoft.com/office/drawing/2010/main">
+                <a:solidFill>
+                  <a:srgbClr val="FFFFFF"/>
+                </a:solidFill>
+              </a14:hiddenFill>
+            </a:ext>
+          </a:extLst>
+        </p:spPr>
+      </p:pic>
     </p:spTree>
     <p:extLst>
       <p:ext uri="{BB962C8B-B14F-4D97-AF65-F5344CB8AC3E}">
@@ -21368,6 +21648,42 @@
           </a:prstGeom>
         </p:spPr>
       </p:pic>
+      <p:pic>
+        <p:nvPicPr>
+          <p:cNvPr id="8" name="그림 7" descr="텍스트, 인형이(가) 표시된 사진&#10;&#10;자동 생성된 설명">
+            <a:extLst>
+              <a:ext uri="{FF2B5EF4-FFF2-40B4-BE49-F238E27FC236}">
+                <a16:creationId xmlns:a16="http://schemas.microsoft.com/office/drawing/2014/main" id="{CCAB9BDD-1A59-EFE9-BD0B-B1D128A37155}"/>
+              </a:ext>
+            </a:extLst>
+          </p:cNvPr>
+          <p:cNvPicPr>
+            <a:picLocks noChangeAspect="1"/>
+          </p:cNvPicPr>
+          <p:nvPr/>
+        </p:nvPicPr>
+        <p:blipFill>
+          <a:blip r:embed="rId5">
+            <a:extLst>
+              <a:ext uri="{28A0092B-C50C-407E-A947-70E740481C1C}">
+                <a14:useLocalDpi xmlns:a14="http://schemas.microsoft.com/office/drawing/2010/main" val="0"/>
+              </a:ext>
+            </a:extLst>
+          </a:blip>
+          <a:stretch>
+            <a:fillRect/>
+          </a:stretch>
+        </p:blipFill>
+        <p:spPr>
+          <a:xfrm>
+            <a:off x="6239435" y="4692998"/>
+            <a:ext cx="419449" cy="419449"/>
+          </a:xfrm>
+          <a:prstGeom prst="rect">
+            <a:avLst/>
+          </a:prstGeom>
+        </p:spPr>
+      </p:pic>
     </p:spTree>
     <p:extLst>
       <p:ext uri="{BB962C8B-B14F-4D97-AF65-F5344CB8AC3E}">

--- a/Document/맵/맵.pptx
+++ b/Document/맵/맵.pptx
@@ -5,7 +5,7 @@
     <p:sldMasterId id="2147483648" r:id="rId1"/>
   </p:sldMasterIdLst>
   <p:notesMasterIdLst>
-    <p:notesMasterId r:id="rId7"/>
+    <p:notesMasterId r:id="rId8"/>
   </p:notesMasterIdLst>
   <p:sldIdLst>
     <p:sldId id="257" r:id="rId2"/>
@@ -13,6 +13,7 @@
     <p:sldId id="281" r:id="rId4"/>
     <p:sldId id="282" r:id="rId5"/>
     <p:sldId id="283" r:id="rId6"/>
+    <p:sldId id="284" r:id="rId7"/>
   </p:sldIdLst>
   <p:sldSz cx="12192000" cy="6858000"/>
   <p:notesSz cx="6858000" cy="9144000"/>
@@ -201,7 +202,7 @@
           <a:p>
             <a:fld id="{2A8CA0AD-A475-44B5-9A01-DE22AB9F57C0}" type="datetimeFigureOut">
               <a:rPr lang="ko-KR" altLang="en-US" smtClean="0"/>
-              <a:t>2022-06-02(Thu)</a:t>
+              <a:t>2022-06-07(Tue)</a:t>
             </a:fld>
             <a:endParaRPr lang="ko-KR" altLang="en-US"/>
           </a:p>
@@ -804,6 +805,90 @@
 </p:notes>
 </file>
 
+<file path=ppt/notesSlides/notesSlide5.xml><?xml version="1.0" encoding="utf-8"?>
+<p:notes xmlns:a="http://schemas.openxmlformats.org/drawingml/2006/main" xmlns:r="http://schemas.openxmlformats.org/officeDocument/2006/relationships" xmlns:p="http://schemas.openxmlformats.org/presentationml/2006/main">
+  <p:cSld>
+    <p:spTree>
+      <p:nvGrpSpPr>
+        <p:cNvPr id="1" name=""/>
+        <p:cNvGrpSpPr/>
+        <p:nvPr/>
+      </p:nvGrpSpPr>
+      <p:grpSpPr>
+        <a:xfrm>
+          <a:off x="0" y="0"/>
+          <a:ext cx="0" cy="0"/>
+          <a:chOff x="0" y="0"/>
+          <a:chExt cx="0" cy="0"/>
+        </a:xfrm>
+      </p:grpSpPr>
+      <p:sp>
+        <p:nvSpPr>
+          <p:cNvPr id="2" name="슬라이드 이미지 개체 틀 1"/>
+          <p:cNvSpPr>
+            <a:spLocks noGrp="1" noRot="1" noChangeAspect="1"/>
+          </p:cNvSpPr>
+          <p:nvPr>
+            <p:ph type="sldImg"/>
+          </p:nvPr>
+        </p:nvSpPr>
+        <p:spPr/>
+      </p:sp>
+      <p:sp>
+        <p:nvSpPr>
+          <p:cNvPr id="3" name="슬라이드 노트 개체 틀 2"/>
+          <p:cNvSpPr>
+            <a:spLocks noGrp="1"/>
+          </p:cNvSpPr>
+          <p:nvPr>
+            <p:ph type="body" idx="1"/>
+          </p:nvPr>
+        </p:nvSpPr>
+        <p:spPr/>
+        <p:txBody>
+          <a:bodyPr/>
+          <a:lstStyle/>
+          <a:p>
+            <a:endParaRPr lang="ko-KR" altLang="en-US" dirty="0"/>
+          </a:p>
+        </p:txBody>
+      </p:sp>
+      <p:sp>
+        <p:nvSpPr>
+          <p:cNvPr id="4" name="슬라이드 번호 개체 틀 3"/>
+          <p:cNvSpPr>
+            <a:spLocks noGrp="1"/>
+          </p:cNvSpPr>
+          <p:nvPr>
+            <p:ph type="sldNum" sz="quarter" idx="5"/>
+          </p:nvPr>
+        </p:nvSpPr>
+        <p:spPr/>
+        <p:txBody>
+          <a:bodyPr/>
+          <a:lstStyle/>
+          <a:p>
+            <a:fld id="{73EB825B-89DC-4B21-8B3A-B3CA9CD761CE}" type="slidenum">
+              <a:rPr lang="ko-KR" altLang="en-US" smtClean="0"/>
+              <a:t>6</a:t>
+            </a:fld>
+            <a:endParaRPr lang="ko-KR" altLang="en-US"/>
+          </a:p>
+        </p:txBody>
+      </p:sp>
+    </p:spTree>
+    <p:extLst>
+      <p:ext uri="{BB962C8B-B14F-4D97-AF65-F5344CB8AC3E}">
+        <p14:creationId xmlns:p14="http://schemas.microsoft.com/office/powerpoint/2010/main" val="1902399546"/>
+      </p:ext>
+    </p:extLst>
+  </p:cSld>
+  <p:clrMapOvr>
+    <a:masterClrMapping/>
+  </p:clrMapOvr>
+</p:notes>
+</file>
+
 <file path=ppt/slideLayouts/slideLayout1.xml><?xml version="1.0" encoding="utf-8"?>
 <p:sldLayout xmlns:a="http://schemas.openxmlformats.org/drawingml/2006/main" xmlns:r="http://schemas.openxmlformats.org/officeDocument/2006/relationships" xmlns:p="http://schemas.openxmlformats.org/presentationml/2006/main" type="title" preserve="1">
   <p:cSld name="제목 슬라이드">
@@ -951,7 +1036,7 @@
           <a:p>
             <a:fld id="{CB6516E8-9AC5-4179-AC4F-A3E331A91671}" type="datetimeFigureOut">
               <a:rPr lang="ko-KR" altLang="en-US" smtClean="0"/>
-              <a:t>2022-06-02(Thu)</a:t>
+              <a:t>2022-06-07(Tue)</a:t>
             </a:fld>
             <a:endParaRPr lang="ko-KR" altLang="en-US"/>
           </a:p>
@@ -1149,7 +1234,7 @@
           <a:p>
             <a:fld id="{CB6516E8-9AC5-4179-AC4F-A3E331A91671}" type="datetimeFigureOut">
               <a:rPr lang="ko-KR" altLang="en-US" smtClean="0"/>
-              <a:t>2022-06-02(Thu)</a:t>
+              <a:t>2022-06-07(Tue)</a:t>
             </a:fld>
             <a:endParaRPr lang="ko-KR" altLang="en-US"/>
           </a:p>
@@ -1357,7 +1442,7 @@
           <a:p>
             <a:fld id="{CB6516E8-9AC5-4179-AC4F-A3E331A91671}" type="datetimeFigureOut">
               <a:rPr lang="ko-KR" altLang="en-US" smtClean="0"/>
-              <a:t>2022-06-02(Thu)</a:t>
+              <a:t>2022-06-07(Tue)</a:t>
             </a:fld>
             <a:endParaRPr lang="ko-KR" altLang="en-US"/>
           </a:p>
@@ -1807,7 +1892,7 @@
           <a:p>
             <a:fld id="{CB6516E8-9AC5-4179-AC4F-A3E331A91671}" type="datetimeFigureOut">
               <a:rPr lang="ko-KR" altLang="en-US" smtClean="0"/>
-              <a:t>2022-06-02(Thu)</a:t>
+              <a:t>2022-06-07(Tue)</a:t>
             </a:fld>
             <a:endParaRPr lang="ko-KR" altLang="en-US"/>
           </a:p>
@@ -2082,7 +2167,7 @@
           <a:p>
             <a:fld id="{CB6516E8-9AC5-4179-AC4F-A3E331A91671}" type="datetimeFigureOut">
               <a:rPr lang="ko-KR" altLang="en-US" smtClean="0"/>
-              <a:t>2022-06-02(Thu)</a:t>
+              <a:t>2022-06-07(Tue)</a:t>
             </a:fld>
             <a:endParaRPr lang="ko-KR" altLang="en-US"/>
           </a:p>
@@ -2347,7 +2432,7 @@
           <a:p>
             <a:fld id="{CB6516E8-9AC5-4179-AC4F-A3E331A91671}" type="datetimeFigureOut">
               <a:rPr lang="ko-KR" altLang="en-US" smtClean="0"/>
-              <a:t>2022-06-02(Thu)</a:t>
+              <a:t>2022-06-07(Tue)</a:t>
             </a:fld>
             <a:endParaRPr lang="ko-KR" altLang="en-US"/>
           </a:p>
@@ -2759,7 +2844,7 @@
           <a:p>
             <a:fld id="{CB6516E8-9AC5-4179-AC4F-A3E331A91671}" type="datetimeFigureOut">
               <a:rPr lang="ko-KR" altLang="en-US" smtClean="0"/>
-              <a:t>2022-06-02(Thu)</a:t>
+              <a:t>2022-06-07(Tue)</a:t>
             </a:fld>
             <a:endParaRPr lang="ko-KR" altLang="en-US"/>
           </a:p>
@@ -2900,7 +2985,7 @@
           <a:p>
             <a:fld id="{CB6516E8-9AC5-4179-AC4F-A3E331A91671}" type="datetimeFigureOut">
               <a:rPr lang="ko-KR" altLang="en-US" smtClean="0"/>
-              <a:t>2022-06-02(Thu)</a:t>
+              <a:t>2022-06-07(Tue)</a:t>
             </a:fld>
             <a:endParaRPr lang="ko-KR" altLang="en-US"/>
           </a:p>
@@ -3013,7 +3098,7 @@
           <a:p>
             <a:fld id="{CB6516E8-9AC5-4179-AC4F-A3E331A91671}" type="datetimeFigureOut">
               <a:rPr lang="ko-KR" altLang="en-US" smtClean="0"/>
-              <a:t>2022-06-02(Thu)</a:t>
+              <a:t>2022-06-07(Tue)</a:t>
             </a:fld>
             <a:endParaRPr lang="ko-KR" altLang="en-US"/>
           </a:p>
@@ -3324,7 +3409,7 @@
           <a:p>
             <a:fld id="{CB6516E8-9AC5-4179-AC4F-A3E331A91671}" type="datetimeFigureOut">
               <a:rPr lang="ko-KR" altLang="en-US" smtClean="0"/>
-              <a:t>2022-06-02(Thu)</a:t>
+              <a:t>2022-06-07(Tue)</a:t>
             </a:fld>
             <a:endParaRPr lang="ko-KR" altLang="en-US"/>
           </a:p>
@@ -3612,7 +3697,7 @@
           <a:p>
             <a:fld id="{CB6516E8-9AC5-4179-AC4F-A3E331A91671}" type="datetimeFigureOut">
               <a:rPr lang="ko-KR" altLang="en-US" smtClean="0"/>
-              <a:t>2022-06-02(Thu)</a:t>
+              <a:t>2022-06-07(Tue)</a:t>
             </a:fld>
             <a:endParaRPr lang="ko-KR" altLang="en-US"/>
           </a:p>
@@ -3853,7 +3938,7 @@
           <a:p>
             <a:fld id="{CB6516E8-9AC5-4179-AC4F-A3E331A91671}" type="datetimeFigureOut">
               <a:rPr lang="ko-KR" altLang="en-US" smtClean="0"/>
-              <a:t>2022-06-02(Thu)</a:t>
+              <a:t>2022-06-07(Tue)</a:t>
             </a:fld>
             <a:endParaRPr lang="ko-KR" altLang="en-US"/>
           </a:p>
@@ -21846,7 +21931,7 @@
         </p:nvSpPr>
         <p:spPr>
           <a:xfrm>
-            <a:off x="654373" y="1672656"/>
+            <a:off x="367502" y="1215456"/>
             <a:ext cx="1583303" cy="752080"/>
           </a:xfrm>
           <a:prstGeom prst="rect">
@@ -21893,10 +21978,2164 @@
           </a:p>
         </p:txBody>
       </p:sp>
+      <p:grpSp>
+        <p:nvGrpSpPr>
+          <p:cNvPr id="43" name="그룹 42">
+            <a:extLst>
+              <a:ext uri="{FF2B5EF4-FFF2-40B4-BE49-F238E27FC236}">
+                <a16:creationId xmlns:a16="http://schemas.microsoft.com/office/drawing/2014/main" id="{5BD6F63E-2E6D-9BE6-DAED-D5D5DA2D2F71}"/>
+              </a:ext>
+            </a:extLst>
+          </p:cNvPr>
+          <p:cNvGrpSpPr/>
+          <p:nvPr/>
+        </p:nvGrpSpPr>
+        <p:grpSpPr>
+          <a:xfrm>
+            <a:off x="2634925" y="2828022"/>
+            <a:ext cx="1440638" cy="795189"/>
+            <a:chOff x="1228165" y="2608729"/>
+            <a:chExt cx="2241298" cy="1237130"/>
+          </a:xfrm>
+        </p:grpSpPr>
+        <p:sp>
+          <p:nvSpPr>
+            <p:cNvPr id="5" name="직사각형 4">
+              <a:extLst>
+                <a:ext uri="{FF2B5EF4-FFF2-40B4-BE49-F238E27FC236}">
+                  <a16:creationId xmlns:a16="http://schemas.microsoft.com/office/drawing/2014/main" id="{481004D5-B166-7FF5-83B5-77E003ACC5E9}"/>
+                </a:ext>
+              </a:extLst>
+            </p:cNvPr>
+            <p:cNvSpPr/>
+            <p:nvPr/>
+          </p:nvSpPr>
+          <p:spPr>
+            <a:xfrm>
+              <a:off x="1228165" y="2608729"/>
+              <a:ext cx="2241298" cy="1237130"/>
+            </a:xfrm>
+            <a:prstGeom prst="rect">
+              <a:avLst/>
+            </a:prstGeom>
+            <a:solidFill>
+              <a:schemeClr val="accent2">
+                <a:lumMod val="60000"/>
+                <a:lumOff val="40000"/>
+              </a:schemeClr>
+            </a:solidFill>
+          </p:spPr>
+          <p:style>
+            <a:lnRef idx="2">
+              <a:schemeClr val="accent1">
+                <a:shade val="50000"/>
+              </a:schemeClr>
+            </a:lnRef>
+            <a:fillRef idx="1">
+              <a:schemeClr val="accent1"/>
+            </a:fillRef>
+            <a:effectRef idx="0">
+              <a:schemeClr val="accent1"/>
+            </a:effectRef>
+            <a:fontRef idx="minor">
+              <a:schemeClr val="lt1"/>
+            </a:fontRef>
+          </p:style>
+          <p:txBody>
+            <a:bodyPr rtlCol="0" anchor="ctr"/>
+            <a:lstStyle/>
+            <a:p>
+              <a:pPr algn="ctr"/>
+              <a:endParaRPr lang="ko-KR" altLang="en-US"/>
+            </a:p>
+          </p:txBody>
+        </p:sp>
+        <p:sp>
+          <p:nvSpPr>
+            <p:cNvPr id="10" name="직사각형 9">
+              <a:extLst>
+                <a:ext uri="{FF2B5EF4-FFF2-40B4-BE49-F238E27FC236}">
+                  <a16:creationId xmlns:a16="http://schemas.microsoft.com/office/drawing/2014/main" id="{2BFB8175-86BD-F8CD-116A-AD4AC40F5EA1}"/>
+                </a:ext>
+              </a:extLst>
+            </p:cNvPr>
+            <p:cNvSpPr/>
+            <p:nvPr/>
+          </p:nvSpPr>
+          <p:spPr>
+            <a:xfrm>
+              <a:off x="1380565" y="3030069"/>
+              <a:ext cx="1192306" cy="72709"/>
+            </a:xfrm>
+            <a:prstGeom prst="rect">
+              <a:avLst/>
+            </a:prstGeom>
+            <a:solidFill>
+              <a:schemeClr val="accent2">
+                <a:lumMod val="75000"/>
+              </a:schemeClr>
+            </a:solidFill>
+            <a:ln>
+              <a:solidFill>
+                <a:schemeClr val="accent2">
+                  <a:lumMod val="50000"/>
+                </a:schemeClr>
+              </a:solidFill>
+            </a:ln>
+          </p:spPr>
+          <p:style>
+            <a:lnRef idx="2">
+              <a:schemeClr val="accent1">
+                <a:shade val="50000"/>
+              </a:schemeClr>
+            </a:lnRef>
+            <a:fillRef idx="1">
+              <a:schemeClr val="accent1"/>
+            </a:fillRef>
+            <a:effectRef idx="0">
+              <a:schemeClr val="accent1"/>
+            </a:effectRef>
+            <a:fontRef idx="minor">
+              <a:schemeClr val="lt1"/>
+            </a:fontRef>
+          </p:style>
+          <p:txBody>
+            <a:bodyPr rtlCol="0" anchor="ctr"/>
+            <a:lstStyle/>
+            <a:p>
+              <a:pPr algn="ctr"/>
+              <a:endParaRPr lang="ko-KR" altLang="en-US"/>
+            </a:p>
+          </p:txBody>
+        </p:sp>
+        <p:pic>
+          <p:nvPicPr>
+            <p:cNvPr id="13" name="그림 12">
+              <a:extLst>
+                <a:ext uri="{FF2B5EF4-FFF2-40B4-BE49-F238E27FC236}">
+                  <a16:creationId xmlns:a16="http://schemas.microsoft.com/office/drawing/2014/main" id="{86115AF2-8640-2C1F-045D-181E75149E48}"/>
+                </a:ext>
+              </a:extLst>
+            </p:cNvPr>
+            <p:cNvPicPr>
+              <a:picLocks noChangeAspect="1"/>
+            </p:cNvPicPr>
+            <p:nvPr/>
+          </p:nvPicPr>
+          <p:blipFill>
+            <a:blip r:embed="rId4">
+              <a:extLst>
+                <a:ext uri="{28A0092B-C50C-407E-A947-70E740481C1C}">
+                  <a14:useLocalDpi xmlns:a14="http://schemas.microsoft.com/office/drawing/2010/main" val="0"/>
+                </a:ext>
+              </a:extLst>
+            </a:blip>
+            <a:stretch>
+              <a:fillRect/>
+            </a:stretch>
+          </p:blipFill>
+          <p:spPr>
+            <a:xfrm>
+              <a:off x="1380565" y="2653154"/>
+              <a:ext cx="420595" cy="420595"/>
+            </a:xfrm>
+            <a:prstGeom prst="rect">
+              <a:avLst/>
+            </a:prstGeom>
+          </p:spPr>
+        </p:pic>
+        <p:pic>
+          <p:nvPicPr>
+            <p:cNvPr id="14" name="그림 13">
+              <a:extLst>
+                <a:ext uri="{FF2B5EF4-FFF2-40B4-BE49-F238E27FC236}">
+                  <a16:creationId xmlns:a16="http://schemas.microsoft.com/office/drawing/2014/main" id="{E55BFBC0-2DE5-25DA-426B-E0E99CCB0FA2}"/>
+                </a:ext>
+              </a:extLst>
+            </p:cNvPr>
+            <p:cNvPicPr>
+              <a:picLocks noChangeAspect="1"/>
+            </p:cNvPicPr>
+            <p:nvPr/>
+          </p:nvPicPr>
+          <p:blipFill>
+            <a:blip r:embed="rId4">
+              <a:extLst>
+                <a:ext uri="{28A0092B-C50C-407E-A947-70E740481C1C}">
+                  <a14:useLocalDpi xmlns:a14="http://schemas.microsoft.com/office/drawing/2010/main" val="0"/>
+                </a:ext>
+              </a:extLst>
+            </a:blip>
+            <a:stretch>
+              <a:fillRect/>
+            </a:stretch>
+          </p:blipFill>
+          <p:spPr>
+            <a:xfrm>
+              <a:off x="1753035" y="2653154"/>
+              <a:ext cx="420595" cy="420595"/>
+            </a:xfrm>
+            <a:prstGeom prst="rect">
+              <a:avLst/>
+            </a:prstGeom>
+          </p:spPr>
+        </p:pic>
+        <p:pic>
+          <p:nvPicPr>
+            <p:cNvPr id="15" name="그림 14">
+              <a:extLst>
+                <a:ext uri="{FF2B5EF4-FFF2-40B4-BE49-F238E27FC236}">
+                  <a16:creationId xmlns:a16="http://schemas.microsoft.com/office/drawing/2014/main" id="{93F83EBD-47A7-F183-7A7A-0159855EC611}"/>
+                </a:ext>
+              </a:extLst>
+            </p:cNvPr>
+            <p:cNvPicPr>
+              <a:picLocks noChangeAspect="1"/>
+            </p:cNvPicPr>
+            <p:nvPr/>
+          </p:nvPicPr>
+          <p:blipFill>
+            <a:blip r:embed="rId4">
+              <a:extLst>
+                <a:ext uri="{28A0092B-C50C-407E-A947-70E740481C1C}">
+                  <a14:useLocalDpi xmlns:a14="http://schemas.microsoft.com/office/drawing/2010/main" val="0"/>
+                </a:ext>
+              </a:extLst>
+            </a:blip>
+            <a:stretch>
+              <a:fillRect/>
+            </a:stretch>
+          </p:blipFill>
+          <p:spPr>
+            <a:xfrm>
+              <a:off x="2130595" y="2662850"/>
+              <a:ext cx="420595" cy="420595"/>
+            </a:xfrm>
+            <a:prstGeom prst="rect">
+              <a:avLst/>
+            </a:prstGeom>
+          </p:spPr>
+        </p:pic>
+        <p:sp>
+          <p:nvSpPr>
+            <p:cNvPr id="20" name="직사각형 19">
+              <a:extLst>
+                <a:ext uri="{FF2B5EF4-FFF2-40B4-BE49-F238E27FC236}">
+                  <a16:creationId xmlns:a16="http://schemas.microsoft.com/office/drawing/2014/main" id="{93780599-AADA-73DD-5EE4-6D8968878CE7}"/>
+                </a:ext>
+              </a:extLst>
+            </p:cNvPr>
+            <p:cNvSpPr/>
+            <p:nvPr/>
+          </p:nvSpPr>
+          <p:spPr>
+            <a:xfrm>
+              <a:off x="2156865" y="3688283"/>
+              <a:ext cx="1192306" cy="72709"/>
+            </a:xfrm>
+            <a:prstGeom prst="rect">
+              <a:avLst/>
+            </a:prstGeom>
+            <a:solidFill>
+              <a:schemeClr val="accent2">
+                <a:lumMod val="75000"/>
+              </a:schemeClr>
+            </a:solidFill>
+            <a:ln>
+              <a:solidFill>
+                <a:schemeClr val="accent2">
+                  <a:lumMod val="50000"/>
+                </a:schemeClr>
+              </a:solidFill>
+            </a:ln>
+          </p:spPr>
+          <p:style>
+            <a:lnRef idx="2">
+              <a:schemeClr val="accent1">
+                <a:shade val="50000"/>
+              </a:schemeClr>
+            </a:lnRef>
+            <a:fillRef idx="1">
+              <a:schemeClr val="accent1"/>
+            </a:fillRef>
+            <a:effectRef idx="0">
+              <a:schemeClr val="accent1"/>
+            </a:effectRef>
+            <a:fontRef idx="minor">
+              <a:schemeClr val="lt1"/>
+            </a:fontRef>
+          </p:style>
+          <p:txBody>
+            <a:bodyPr rtlCol="0" anchor="ctr"/>
+            <a:lstStyle/>
+            <a:p>
+              <a:pPr algn="ctr"/>
+              <a:endParaRPr lang="ko-KR" altLang="en-US"/>
+            </a:p>
+          </p:txBody>
+        </p:sp>
+        <p:pic>
+          <p:nvPicPr>
+            <p:cNvPr id="21" name="그림 20">
+              <a:extLst>
+                <a:ext uri="{FF2B5EF4-FFF2-40B4-BE49-F238E27FC236}">
+                  <a16:creationId xmlns:a16="http://schemas.microsoft.com/office/drawing/2014/main" id="{0A5A6E81-FB68-8384-8B73-EEFFD05B43E4}"/>
+                </a:ext>
+              </a:extLst>
+            </p:cNvPr>
+            <p:cNvPicPr>
+              <a:picLocks noChangeAspect="1"/>
+            </p:cNvPicPr>
+            <p:nvPr/>
+          </p:nvPicPr>
+          <p:blipFill>
+            <a:blip r:embed="rId4">
+              <a:extLst>
+                <a:ext uri="{28A0092B-C50C-407E-A947-70E740481C1C}">
+                  <a14:useLocalDpi xmlns:a14="http://schemas.microsoft.com/office/drawing/2010/main" val="0"/>
+                </a:ext>
+              </a:extLst>
+            </a:blip>
+            <a:stretch>
+              <a:fillRect/>
+            </a:stretch>
+          </p:blipFill>
+          <p:spPr>
+            <a:xfrm>
+              <a:off x="2156865" y="3311368"/>
+              <a:ext cx="420595" cy="420595"/>
+            </a:xfrm>
+            <a:prstGeom prst="rect">
+              <a:avLst/>
+            </a:prstGeom>
+          </p:spPr>
+        </p:pic>
+        <p:pic>
+          <p:nvPicPr>
+            <p:cNvPr id="22" name="그림 21">
+              <a:extLst>
+                <a:ext uri="{FF2B5EF4-FFF2-40B4-BE49-F238E27FC236}">
+                  <a16:creationId xmlns:a16="http://schemas.microsoft.com/office/drawing/2014/main" id="{E724C030-163D-627B-BC04-D7C06B1B80AF}"/>
+                </a:ext>
+              </a:extLst>
+            </p:cNvPr>
+            <p:cNvPicPr>
+              <a:picLocks noChangeAspect="1"/>
+            </p:cNvPicPr>
+            <p:nvPr/>
+          </p:nvPicPr>
+          <p:blipFill>
+            <a:blip r:embed="rId4">
+              <a:extLst>
+                <a:ext uri="{28A0092B-C50C-407E-A947-70E740481C1C}">
+                  <a14:useLocalDpi xmlns:a14="http://schemas.microsoft.com/office/drawing/2010/main" val="0"/>
+                </a:ext>
+              </a:extLst>
+            </a:blip>
+            <a:stretch>
+              <a:fillRect/>
+            </a:stretch>
+          </p:blipFill>
+          <p:spPr>
+            <a:xfrm>
+              <a:off x="2529335" y="3311368"/>
+              <a:ext cx="420595" cy="420595"/>
+            </a:xfrm>
+            <a:prstGeom prst="rect">
+              <a:avLst/>
+            </a:prstGeom>
+          </p:spPr>
+        </p:pic>
+        <p:pic>
+          <p:nvPicPr>
+            <p:cNvPr id="23" name="그림 22">
+              <a:extLst>
+                <a:ext uri="{FF2B5EF4-FFF2-40B4-BE49-F238E27FC236}">
+                  <a16:creationId xmlns:a16="http://schemas.microsoft.com/office/drawing/2014/main" id="{BDC3158D-B07D-9073-3E9A-FAEC00EA167B}"/>
+                </a:ext>
+              </a:extLst>
+            </p:cNvPr>
+            <p:cNvPicPr>
+              <a:picLocks noChangeAspect="1"/>
+            </p:cNvPicPr>
+            <p:nvPr/>
+          </p:nvPicPr>
+          <p:blipFill>
+            <a:blip r:embed="rId4">
+              <a:extLst>
+                <a:ext uri="{28A0092B-C50C-407E-A947-70E740481C1C}">
+                  <a14:useLocalDpi xmlns:a14="http://schemas.microsoft.com/office/drawing/2010/main" val="0"/>
+                </a:ext>
+              </a:extLst>
+            </a:blip>
+            <a:stretch>
+              <a:fillRect/>
+            </a:stretch>
+          </p:blipFill>
+          <p:spPr>
+            <a:xfrm>
+              <a:off x="2906895" y="3321064"/>
+              <a:ext cx="420595" cy="420595"/>
+            </a:xfrm>
+            <a:prstGeom prst="rect">
+              <a:avLst/>
+            </a:prstGeom>
+          </p:spPr>
+        </p:pic>
+      </p:grpSp>
+      <p:cxnSp>
+        <p:nvCxnSpPr>
+          <p:cNvPr id="25" name="직선 화살표 연결선 24">
+            <a:extLst>
+              <a:ext uri="{FF2B5EF4-FFF2-40B4-BE49-F238E27FC236}">
+                <a16:creationId xmlns:a16="http://schemas.microsoft.com/office/drawing/2014/main" id="{562BB0CF-2905-C841-FA27-6CDC3A54D3DC}"/>
+              </a:ext>
+            </a:extLst>
+          </p:cNvPr>
+          <p:cNvCxnSpPr>
+            <a:cxnSpLocks/>
+            <a:endCxn id="5" idx="0"/>
+          </p:cNvCxnSpPr>
+          <p:nvPr/>
+        </p:nvCxnSpPr>
+        <p:spPr>
+          <a:xfrm flipH="1">
+            <a:off x="3355244" y="2378947"/>
+            <a:ext cx="493890" cy="449075"/>
+          </a:xfrm>
+          <a:prstGeom prst="straightConnector1">
+            <a:avLst/>
+          </a:prstGeom>
+          <a:ln>
+            <a:tailEnd type="triangle"/>
+          </a:ln>
+        </p:spPr>
+        <p:style>
+          <a:lnRef idx="1">
+            <a:schemeClr val="dk1"/>
+          </a:lnRef>
+          <a:fillRef idx="0">
+            <a:schemeClr val="dk1"/>
+          </a:fillRef>
+          <a:effectRef idx="0">
+            <a:schemeClr val="dk1"/>
+          </a:effectRef>
+          <a:fontRef idx="minor">
+            <a:schemeClr val="tx1"/>
+          </a:fontRef>
+        </p:style>
+      </p:cxnSp>
+      <p:grpSp>
+        <p:nvGrpSpPr>
+          <p:cNvPr id="44" name="그룹 43">
+            <a:extLst>
+              <a:ext uri="{FF2B5EF4-FFF2-40B4-BE49-F238E27FC236}">
+                <a16:creationId xmlns:a16="http://schemas.microsoft.com/office/drawing/2014/main" id="{DF96A245-E06B-D01C-52A9-67799CD2E70E}"/>
+              </a:ext>
+            </a:extLst>
+          </p:cNvPr>
+          <p:cNvGrpSpPr/>
+          <p:nvPr/>
+        </p:nvGrpSpPr>
+        <p:grpSpPr>
+          <a:xfrm>
+            <a:off x="2678282" y="4260033"/>
+            <a:ext cx="1632661" cy="949466"/>
+            <a:chOff x="1241611" y="4491908"/>
+            <a:chExt cx="2241298" cy="1303416"/>
+          </a:xfrm>
+        </p:grpSpPr>
+        <p:sp>
+          <p:nvSpPr>
+            <p:cNvPr id="26" name="직사각형 25">
+              <a:extLst>
+                <a:ext uri="{FF2B5EF4-FFF2-40B4-BE49-F238E27FC236}">
+                  <a16:creationId xmlns:a16="http://schemas.microsoft.com/office/drawing/2014/main" id="{801784CC-FDD1-FEC2-C6F1-23AD5AFE1965}"/>
+                </a:ext>
+              </a:extLst>
+            </p:cNvPr>
+            <p:cNvSpPr/>
+            <p:nvPr/>
+          </p:nvSpPr>
+          <p:spPr>
+            <a:xfrm>
+              <a:off x="1241611" y="4558194"/>
+              <a:ext cx="2241298" cy="1237130"/>
+            </a:xfrm>
+            <a:prstGeom prst="rect">
+              <a:avLst/>
+            </a:prstGeom>
+            <a:solidFill>
+              <a:schemeClr val="accent2">
+                <a:lumMod val="60000"/>
+                <a:lumOff val="40000"/>
+              </a:schemeClr>
+            </a:solidFill>
+          </p:spPr>
+          <p:style>
+            <a:lnRef idx="2">
+              <a:schemeClr val="accent1">
+                <a:shade val="50000"/>
+              </a:schemeClr>
+            </a:lnRef>
+            <a:fillRef idx="1">
+              <a:schemeClr val="accent1"/>
+            </a:fillRef>
+            <a:effectRef idx="0">
+              <a:schemeClr val="accent1"/>
+            </a:effectRef>
+            <a:fontRef idx="minor">
+              <a:schemeClr val="lt1"/>
+            </a:fontRef>
+          </p:style>
+          <p:txBody>
+            <a:bodyPr rtlCol="0" anchor="ctr"/>
+            <a:lstStyle/>
+            <a:p>
+              <a:pPr algn="ctr"/>
+              <a:endParaRPr lang="ko-KR" altLang="en-US"/>
+            </a:p>
+          </p:txBody>
+        </p:sp>
+        <p:sp>
+          <p:nvSpPr>
+            <p:cNvPr id="29" name="직사각형 28">
+              <a:extLst>
+                <a:ext uri="{FF2B5EF4-FFF2-40B4-BE49-F238E27FC236}">
+                  <a16:creationId xmlns:a16="http://schemas.microsoft.com/office/drawing/2014/main" id="{7D08F4EE-2962-D650-FBA6-2E59DB0F5B08}"/>
+                </a:ext>
+              </a:extLst>
+            </p:cNvPr>
+            <p:cNvSpPr/>
+            <p:nvPr/>
+          </p:nvSpPr>
+          <p:spPr>
+            <a:xfrm>
+              <a:off x="1515875" y="4558194"/>
+              <a:ext cx="1692770" cy="748675"/>
+            </a:xfrm>
+            <a:prstGeom prst="rect">
+              <a:avLst/>
+            </a:prstGeom>
+            <a:solidFill>
+              <a:schemeClr val="accent2">
+                <a:lumMod val="75000"/>
+              </a:schemeClr>
+            </a:solidFill>
+            <a:ln>
+              <a:solidFill>
+                <a:schemeClr val="accent2">
+                  <a:lumMod val="50000"/>
+                </a:schemeClr>
+              </a:solidFill>
+            </a:ln>
+          </p:spPr>
+          <p:style>
+            <a:lnRef idx="2">
+              <a:schemeClr val="accent1">
+                <a:shade val="50000"/>
+              </a:schemeClr>
+            </a:lnRef>
+            <a:fillRef idx="1">
+              <a:schemeClr val="accent1"/>
+            </a:fillRef>
+            <a:effectRef idx="0">
+              <a:schemeClr val="accent1"/>
+            </a:effectRef>
+            <a:fontRef idx="minor">
+              <a:schemeClr val="lt1"/>
+            </a:fontRef>
+          </p:style>
+          <p:txBody>
+            <a:bodyPr rtlCol="0" anchor="ctr"/>
+            <a:lstStyle/>
+            <a:p>
+              <a:pPr algn="ctr"/>
+              <a:endParaRPr lang="ko-KR" altLang="en-US"/>
+            </a:p>
+          </p:txBody>
+        </p:sp>
+        <p:pic>
+          <p:nvPicPr>
+            <p:cNvPr id="31" name="그림 30" descr="상자이(가) 표시된 사진&#10;&#10;자동 생성된 설명">
+              <a:extLst>
+                <a:ext uri="{FF2B5EF4-FFF2-40B4-BE49-F238E27FC236}">
+                  <a16:creationId xmlns:a16="http://schemas.microsoft.com/office/drawing/2014/main" id="{E8191227-689E-06E4-7A6B-880037E3D195}"/>
+                </a:ext>
+              </a:extLst>
+            </p:cNvPr>
+            <p:cNvPicPr>
+              <a:picLocks noChangeAspect="1"/>
+            </p:cNvPicPr>
+            <p:nvPr/>
+          </p:nvPicPr>
+          <p:blipFill>
+            <a:blip r:embed="rId5">
+              <a:extLst>
+                <a:ext uri="{28A0092B-C50C-407E-A947-70E740481C1C}">
+                  <a14:useLocalDpi xmlns:a14="http://schemas.microsoft.com/office/drawing/2010/main" val="0"/>
+                </a:ext>
+              </a:extLst>
+            </a:blip>
+            <a:stretch>
+              <a:fillRect/>
+            </a:stretch>
+          </p:blipFill>
+          <p:spPr>
+            <a:xfrm>
+              <a:off x="1574710" y="4491908"/>
+              <a:ext cx="715300" cy="742187"/>
+            </a:xfrm>
+            <a:prstGeom prst="rect">
+              <a:avLst/>
+            </a:prstGeom>
+          </p:spPr>
+        </p:pic>
+        <p:pic>
+          <p:nvPicPr>
+            <p:cNvPr id="32" name="그림 31" descr="상자이(가) 표시된 사진&#10;&#10;자동 생성된 설명">
+              <a:extLst>
+                <a:ext uri="{FF2B5EF4-FFF2-40B4-BE49-F238E27FC236}">
+                  <a16:creationId xmlns:a16="http://schemas.microsoft.com/office/drawing/2014/main" id="{F4CC5380-C764-F303-C5DA-710B6866AD66}"/>
+                </a:ext>
+              </a:extLst>
+            </p:cNvPr>
+            <p:cNvPicPr>
+              <a:picLocks noChangeAspect="1"/>
+            </p:cNvPicPr>
+            <p:nvPr/>
+          </p:nvPicPr>
+          <p:blipFill>
+            <a:blip r:embed="rId5">
+              <a:extLst>
+                <a:ext uri="{28A0092B-C50C-407E-A947-70E740481C1C}">
+                  <a14:useLocalDpi xmlns:a14="http://schemas.microsoft.com/office/drawing/2010/main" val="0"/>
+                </a:ext>
+              </a:extLst>
+            </a:blip>
+            <a:stretch>
+              <a:fillRect/>
+            </a:stretch>
+          </p:blipFill>
+          <p:spPr>
+            <a:xfrm>
+              <a:off x="2014136" y="4543276"/>
+              <a:ext cx="742187" cy="742187"/>
+            </a:xfrm>
+            <a:prstGeom prst="rect">
+              <a:avLst/>
+            </a:prstGeom>
+          </p:spPr>
+        </p:pic>
+        <p:pic>
+          <p:nvPicPr>
+            <p:cNvPr id="33" name="그림 32" descr="상자이(가) 표시된 사진&#10;&#10;자동 생성된 설명">
+              <a:extLst>
+                <a:ext uri="{FF2B5EF4-FFF2-40B4-BE49-F238E27FC236}">
+                  <a16:creationId xmlns:a16="http://schemas.microsoft.com/office/drawing/2014/main" id="{2BD9A7B8-90C4-337E-FEEC-CA312596B94A}"/>
+                </a:ext>
+              </a:extLst>
+            </p:cNvPr>
+            <p:cNvPicPr>
+              <a:picLocks noChangeAspect="1"/>
+            </p:cNvPicPr>
+            <p:nvPr/>
+          </p:nvPicPr>
+          <p:blipFill>
+            <a:blip r:embed="rId5">
+              <a:extLst>
+                <a:ext uri="{28A0092B-C50C-407E-A947-70E740481C1C}">
+                  <a14:useLocalDpi xmlns:a14="http://schemas.microsoft.com/office/drawing/2010/main" val="0"/>
+                </a:ext>
+              </a:extLst>
+            </a:blip>
+            <a:stretch>
+              <a:fillRect/>
+            </a:stretch>
+          </p:blipFill>
+          <p:spPr>
+            <a:xfrm>
+              <a:off x="2478638" y="4543277"/>
+              <a:ext cx="742187" cy="742187"/>
+            </a:xfrm>
+            <a:prstGeom prst="rect">
+              <a:avLst/>
+            </a:prstGeom>
+          </p:spPr>
+        </p:pic>
+      </p:grpSp>
+      <p:sp>
+        <p:nvSpPr>
+          <p:cNvPr id="34" name="직사각형 33">
+            <a:extLst>
+              <a:ext uri="{FF2B5EF4-FFF2-40B4-BE49-F238E27FC236}">
+                <a16:creationId xmlns:a16="http://schemas.microsoft.com/office/drawing/2014/main" id="{A4E6C78F-25DB-0FFD-4BAF-0C4CE9B8F395}"/>
+              </a:ext>
+            </a:extLst>
+          </p:cNvPr>
+          <p:cNvSpPr/>
+          <p:nvPr/>
+        </p:nvSpPr>
+        <p:spPr>
+          <a:xfrm rot="457135" flipH="1">
+            <a:off x="6438900" y="4762500"/>
+            <a:ext cx="199812" cy="199812"/>
+          </a:xfrm>
+          <a:prstGeom prst="rect">
+            <a:avLst/>
+          </a:prstGeom>
+          <a:solidFill>
+            <a:schemeClr val="accent2">
+              <a:lumMod val="75000"/>
+            </a:schemeClr>
+          </a:solidFill>
+        </p:spPr>
+        <p:style>
+          <a:lnRef idx="2">
+            <a:schemeClr val="accent1">
+              <a:shade val="50000"/>
+            </a:schemeClr>
+          </a:lnRef>
+          <a:fillRef idx="1">
+            <a:schemeClr val="accent1"/>
+          </a:fillRef>
+          <a:effectRef idx="0">
+            <a:schemeClr val="accent1"/>
+          </a:effectRef>
+          <a:fontRef idx="minor">
+            <a:schemeClr val="lt1"/>
+          </a:fontRef>
+        </p:style>
+        <p:txBody>
+          <a:bodyPr rtlCol="0" anchor="ctr"/>
+          <a:lstStyle/>
+          <a:p>
+            <a:pPr algn="ctr"/>
+            <a:endParaRPr lang="ko-KR" altLang="en-US"/>
+          </a:p>
+        </p:txBody>
+      </p:sp>
+      <p:sp>
+        <p:nvSpPr>
+          <p:cNvPr id="36" name="직사각형 35">
+            <a:extLst>
+              <a:ext uri="{FF2B5EF4-FFF2-40B4-BE49-F238E27FC236}">
+                <a16:creationId xmlns:a16="http://schemas.microsoft.com/office/drawing/2014/main" id="{985A58DB-14E1-49F0-DE99-CFF2BE1E163D}"/>
+              </a:ext>
+            </a:extLst>
+          </p:cNvPr>
+          <p:cNvSpPr/>
+          <p:nvPr/>
+        </p:nvSpPr>
+        <p:spPr>
+          <a:xfrm rot="20813773" flipH="1">
+            <a:off x="9217324" y="4754815"/>
+            <a:ext cx="199812" cy="199812"/>
+          </a:xfrm>
+          <a:prstGeom prst="rect">
+            <a:avLst/>
+          </a:prstGeom>
+          <a:solidFill>
+            <a:schemeClr val="accent2">
+              <a:lumMod val="75000"/>
+            </a:schemeClr>
+          </a:solidFill>
+        </p:spPr>
+        <p:style>
+          <a:lnRef idx="2">
+            <a:schemeClr val="accent1">
+              <a:shade val="50000"/>
+            </a:schemeClr>
+          </a:lnRef>
+          <a:fillRef idx="1">
+            <a:schemeClr val="accent1"/>
+          </a:fillRef>
+          <a:effectRef idx="0">
+            <a:schemeClr val="accent1"/>
+          </a:effectRef>
+          <a:fontRef idx="minor">
+            <a:schemeClr val="lt1"/>
+          </a:fontRef>
+        </p:style>
+        <p:txBody>
+          <a:bodyPr rtlCol="0" anchor="ctr"/>
+          <a:lstStyle/>
+          <a:p>
+            <a:pPr algn="ctr"/>
+            <a:endParaRPr lang="ko-KR" altLang="en-US"/>
+          </a:p>
+        </p:txBody>
+      </p:sp>
+      <p:sp>
+        <p:nvSpPr>
+          <p:cNvPr id="38" name="직사각형 37">
+            <a:extLst>
+              <a:ext uri="{FF2B5EF4-FFF2-40B4-BE49-F238E27FC236}">
+                <a16:creationId xmlns:a16="http://schemas.microsoft.com/office/drawing/2014/main" id="{C0154765-1D17-8BA3-8017-42DA6C9DCA4A}"/>
+              </a:ext>
+            </a:extLst>
+          </p:cNvPr>
+          <p:cNvSpPr/>
+          <p:nvPr/>
+        </p:nvSpPr>
+        <p:spPr>
+          <a:xfrm rot="457135" flipH="1">
+            <a:off x="5380209" y="4609496"/>
+            <a:ext cx="199812" cy="199812"/>
+          </a:xfrm>
+          <a:prstGeom prst="rect">
+            <a:avLst/>
+          </a:prstGeom>
+          <a:solidFill>
+            <a:schemeClr val="accent2">
+              <a:lumMod val="75000"/>
+            </a:schemeClr>
+          </a:solidFill>
+        </p:spPr>
+        <p:style>
+          <a:lnRef idx="2">
+            <a:schemeClr val="accent1">
+              <a:shade val="50000"/>
+            </a:schemeClr>
+          </a:lnRef>
+          <a:fillRef idx="1">
+            <a:schemeClr val="accent1"/>
+          </a:fillRef>
+          <a:effectRef idx="0">
+            <a:schemeClr val="accent1"/>
+          </a:effectRef>
+          <a:fontRef idx="minor">
+            <a:schemeClr val="lt1"/>
+          </a:fontRef>
+        </p:style>
+        <p:txBody>
+          <a:bodyPr rtlCol="0" anchor="ctr"/>
+          <a:lstStyle/>
+          <a:p>
+            <a:pPr algn="ctr"/>
+            <a:endParaRPr lang="ko-KR" altLang="en-US"/>
+          </a:p>
+        </p:txBody>
+      </p:sp>
+      <p:sp>
+        <p:nvSpPr>
+          <p:cNvPr id="39" name="직사각형 38">
+            <a:extLst>
+              <a:ext uri="{FF2B5EF4-FFF2-40B4-BE49-F238E27FC236}">
+                <a16:creationId xmlns:a16="http://schemas.microsoft.com/office/drawing/2014/main" id="{B7471FD4-12CD-B2D1-E290-F376E1F05AB9}"/>
+              </a:ext>
+            </a:extLst>
+          </p:cNvPr>
+          <p:cNvSpPr/>
+          <p:nvPr/>
+        </p:nvSpPr>
+        <p:spPr>
+          <a:xfrm rot="21235174" flipH="1">
+            <a:off x="8273823" y="4840034"/>
+            <a:ext cx="199812" cy="199812"/>
+          </a:xfrm>
+          <a:prstGeom prst="rect">
+            <a:avLst/>
+          </a:prstGeom>
+          <a:solidFill>
+            <a:schemeClr val="accent2">
+              <a:lumMod val="75000"/>
+            </a:schemeClr>
+          </a:solidFill>
+        </p:spPr>
+        <p:style>
+          <a:lnRef idx="2">
+            <a:schemeClr val="accent1">
+              <a:shade val="50000"/>
+            </a:schemeClr>
+          </a:lnRef>
+          <a:fillRef idx="1">
+            <a:schemeClr val="accent1"/>
+          </a:fillRef>
+          <a:effectRef idx="0">
+            <a:schemeClr val="accent1"/>
+          </a:effectRef>
+          <a:fontRef idx="minor">
+            <a:schemeClr val="lt1"/>
+          </a:fontRef>
+        </p:style>
+        <p:txBody>
+          <a:bodyPr rtlCol="0" anchor="ctr"/>
+          <a:lstStyle/>
+          <a:p>
+            <a:pPr algn="ctr"/>
+            <a:endParaRPr lang="ko-KR" altLang="en-US"/>
+          </a:p>
+        </p:txBody>
+      </p:sp>
+      <p:cxnSp>
+        <p:nvCxnSpPr>
+          <p:cNvPr id="41" name="직선 화살표 연결선 40">
+            <a:extLst>
+              <a:ext uri="{FF2B5EF4-FFF2-40B4-BE49-F238E27FC236}">
+                <a16:creationId xmlns:a16="http://schemas.microsoft.com/office/drawing/2014/main" id="{B8DA6CD8-B816-07DD-C6AC-FB990231027F}"/>
+              </a:ext>
+            </a:extLst>
+          </p:cNvPr>
+          <p:cNvCxnSpPr>
+            <a:cxnSpLocks/>
+            <a:endCxn id="26" idx="3"/>
+          </p:cNvCxnSpPr>
+          <p:nvPr/>
+        </p:nvCxnSpPr>
+        <p:spPr>
+          <a:xfrm flipH="1" flipV="1">
+            <a:off x="4310943" y="4758909"/>
+            <a:ext cx="400481" cy="808990"/>
+          </a:xfrm>
+          <a:prstGeom prst="straightConnector1">
+            <a:avLst/>
+          </a:prstGeom>
+          <a:ln>
+            <a:tailEnd type="triangle"/>
+          </a:ln>
+        </p:spPr>
+        <p:style>
+          <a:lnRef idx="1">
+            <a:schemeClr val="dk1"/>
+          </a:lnRef>
+          <a:fillRef idx="0">
+            <a:schemeClr val="dk1"/>
+          </a:fillRef>
+          <a:effectRef idx="0">
+            <a:schemeClr val="dk1"/>
+          </a:effectRef>
+          <a:fontRef idx="minor">
+            <a:schemeClr val="tx1"/>
+          </a:fontRef>
+        </p:style>
+      </p:cxnSp>
+      <p:sp>
+        <p:nvSpPr>
+          <p:cNvPr id="42" name="직사각형 41">
+            <a:extLst>
+              <a:ext uri="{FF2B5EF4-FFF2-40B4-BE49-F238E27FC236}">
+                <a16:creationId xmlns:a16="http://schemas.microsoft.com/office/drawing/2014/main" id="{79D3414B-3DB6-8446-AAE5-9B979104E392}"/>
+              </a:ext>
+            </a:extLst>
+          </p:cNvPr>
+          <p:cNvSpPr/>
+          <p:nvPr/>
+        </p:nvSpPr>
+        <p:spPr>
+          <a:xfrm>
+            <a:off x="430922" y="2567283"/>
+            <a:ext cx="2027564" cy="3385499"/>
+          </a:xfrm>
+          <a:prstGeom prst="rect">
+            <a:avLst/>
+          </a:prstGeom>
+          <a:solidFill>
+            <a:schemeClr val="bg1"/>
+          </a:solidFill>
+          <a:ln>
+            <a:solidFill>
+              <a:schemeClr val="tx1"/>
+            </a:solidFill>
+          </a:ln>
+        </p:spPr>
+        <p:style>
+          <a:lnRef idx="2">
+            <a:schemeClr val="accent1">
+              <a:shade val="50000"/>
+            </a:schemeClr>
+          </a:lnRef>
+          <a:fillRef idx="1">
+            <a:schemeClr val="accent1"/>
+          </a:fillRef>
+          <a:effectRef idx="0">
+            <a:schemeClr val="accent1"/>
+          </a:effectRef>
+          <a:fontRef idx="minor">
+            <a:schemeClr val="lt1"/>
+          </a:fontRef>
+        </p:style>
+        <p:txBody>
+          <a:bodyPr rtlCol="0" anchor="ctr"/>
+          <a:lstStyle/>
+          <a:p>
+            <a:pPr algn="ctr"/>
+            <a:r>
+              <a:rPr lang="ko-KR" altLang="en-US" sz="1200" dirty="0">
+                <a:ln w="0"/>
+                <a:solidFill>
+                  <a:schemeClr val="tx1"/>
+                </a:solidFill>
+                <a:effectLst>
+                  <a:outerShdw blurRad="38100" dist="19050" dir="2700000" algn="tl" rotWithShape="0">
+                    <a:schemeClr val="dk1">
+                      <a:alpha val="40000"/>
+                    </a:schemeClr>
+                  </a:outerShdw>
+                </a:effectLst>
+              </a:rPr>
+              <a:t>유리</a:t>
+            </a:r>
+            <a:r>
+              <a:rPr lang="en-US" altLang="ko-KR" sz="1200" dirty="0">
+                <a:ln w="0"/>
+                <a:solidFill>
+                  <a:schemeClr val="tx1"/>
+                </a:solidFill>
+                <a:effectLst>
+                  <a:outerShdw blurRad="38100" dist="19050" dir="2700000" algn="tl" rotWithShape="0">
+                    <a:schemeClr val="dk1">
+                      <a:alpha val="40000"/>
+                    </a:schemeClr>
+                  </a:outerShdw>
+                </a:effectLst>
+              </a:rPr>
+              <a:t>, </a:t>
+            </a:r>
+            <a:r>
+              <a:rPr lang="ko-KR" altLang="en-US" sz="1200" dirty="0">
+                <a:ln w="0"/>
+                <a:solidFill>
+                  <a:schemeClr val="tx1"/>
+                </a:solidFill>
+                <a:effectLst>
+                  <a:outerShdw blurRad="38100" dist="19050" dir="2700000" algn="tl" rotWithShape="0">
+                    <a:schemeClr val="dk1">
+                      <a:alpha val="40000"/>
+                    </a:schemeClr>
+                  </a:outerShdw>
+                </a:effectLst>
+              </a:rPr>
+              <a:t>철 </a:t>
+            </a:r>
+            <a:r>
+              <a:rPr lang="en-US" altLang="ko-KR" sz="1200" dirty="0">
+                <a:ln w="0"/>
+                <a:solidFill>
+                  <a:schemeClr val="tx1"/>
+                </a:solidFill>
+                <a:effectLst>
+                  <a:outerShdw blurRad="38100" dist="19050" dir="2700000" algn="tl" rotWithShape="0">
+                    <a:schemeClr val="dk1">
+                      <a:alpha val="40000"/>
+                    </a:schemeClr>
+                  </a:outerShdw>
+                </a:effectLst>
+              </a:rPr>
+              <a:t>, </a:t>
+            </a:r>
+            <a:r>
+              <a:rPr lang="ko-KR" altLang="en-US" sz="1200" dirty="0">
+                <a:ln w="0"/>
+                <a:solidFill>
+                  <a:schemeClr val="tx1"/>
+                </a:solidFill>
+                <a:effectLst>
+                  <a:outerShdw blurRad="38100" dist="19050" dir="2700000" algn="tl" rotWithShape="0">
+                    <a:schemeClr val="dk1">
+                      <a:alpha val="40000"/>
+                    </a:schemeClr>
+                  </a:outerShdw>
+                </a:effectLst>
+              </a:rPr>
+              <a:t>구리는</a:t>
+            </a:r>
+            <a:endParaRPr lang="en-US" altLang="ko-KR" sz="1200" dirty="0">
+              <a:ln w="0"/>
+              <a:solidFill>
+                <a:schemeClr val="tx1"/>
+              </a:solidFill>
+              <a:effectLst>
+                <a:outerShdw blurRad="38100" dist="19050" dir="2700000" algn="tl" rotWithShape="0">
+                  <a:schemeClr val="dk1">
+                    <a:alpha val="40000"/>
+                  </a:schemeClr>
+                </a:outerShdw>
+              </a:effectLst>
+            </a:endParaRPr>
+          </a:p>
+          <a:p>
+            <a:pPr algn="ctr"/>
+            <a:r>
+              <a:rPr lang="ko-KR" altLang="en-US" sz="1200" dirty="0">
+                <a:ln w="0"/>
+                <a:solidFill>
+                  <a:schemeClr val="tx1"/>
+                </a:solidFill>
+                <a:effectLst>
+                  <a:outerShdw blurRad="38100" dist="19050" dir="2700000" algn="tl" rotWithShape="0">
+                    <a:schemeClr val="dk1">
+                      <a:alpha val="40000"/>
+                    </a:schemeClr>
+                  </a:outerShdw>
+                </a:effectLst>
+              </a:rPr>
+              <a:t>한 패널 양을 </a:t>
+            </a:r>
+            <a:endParaRPr lang="en-US" altLang="ko-KR" sz="1200" dirty="0">
+              <a:ln w="0"/>
+              <a:solidFill>
+                <a:schemeClr val="tx1"/>
+              </a:solidFill>
+              <a:effectLst>
+                <a:outerShdw blurRad="38100" dist="19050" dir="2700000" algn="tl" rotWithShape="0">
+                  <a:schemeClr val="dk1">
+                    <a:alpha val="40000"/>
+                  </a:schemeClr>
+                </a:outerShdw>
+              </a:effectLst>
+            </a:endParaRPr>
+          </a:p>
+          <a:p>
+            <a:pPr algn="ctr"/>
+            <a:r>
+              <a:rPr lang="ko-KR" altLang="en-US" sz="1200" dirty="0">
+                <a:ln w="0"/>
+                <a:solidFill>
+                  <a:schemeClr val="tx1"/>
+                </a:solidFill>
+                <a:effectLst>
+                  <a:outerShdw blurRad="38100" dist="19050" dir="2700000" algn="tl" rotWithShape="0">
+                    <a:schemeClr val="dk1">
+                      <a:alpha val="40000"/>
+                    </a:schemeClr>
+                  </a:outerShdw>
+                </a:effectLst>
+              </a:rPr>
+              <a:t>다 모았을 경우에는</a:t>
+            </a:r>
+            <a:endParaRPr lang="en-US" altLang="ko-KR" sz="1200" dirty="0">
+              <a:ln w="0"/>
+              <a:solidFill>
+                <a:schemeClr val="tx1"/>
+              </a:solidFill>
+              <a:effectLst>
+                <a:outerShdw blurRad="38100" dist="19050" dir="2700000" algn="tl" rotWithShape="0">
+                  <a:schemeClr val="dk1">
+                    <a:alpha val="40000"/>
+                  </a:schemeClr>
+                </a:outerShdw>
+              </a:effectLst>
+            </a:endParaRPr>
+          </a:p>
+          <a:p>
+            <a:pPr algn="ctr"/>
+            <a:endParaRPr lang="en-US" altLang="ko-KR" sz="1200" dirty="0">
+              <a:ln w="0"/>
+              <a:solidFill>
+                <a:schemeClr val="tx1"/>
+              </a:solidFill>
+              <a:effectLst>
+                <a:outerShdw blurRad="38100" dist="19050" dir="2700000" algn="tl" rotWithShape="0">
+                  <a:schemeClr val="dk1">
+                    <a:alpha val="40000"/>
+                  </a:schemeClr>
+                </a:outerShdw>
+              </a:effectLst>
+            </a:endParaRPr>
+          </a:p>
+          <a:p>
+            <a:pPr algn="ctr"/>
+            <a:r>
+              <a:rPr lang="ko-KR" altLang="en-US" sz="1200" dirty="0">
+                <a:ln w="0"/>
+                <a:solidFill>
+                  <a:schemeClr val="tx1"/>
+                </a:solidFill>
+                <a:effectLst>
+                  <a:outerShdw blurRad="38100" dist="19050" dir="2700000" algn="tl" rotWithShape="0">
+                    <a:schemeClr val="dk1">
+                      <a:alpha val="40000"/>
+                    </a:schemeClr>
+                  </a:outerShdw>
+                </a:effectLst>
+              </a:rPr>
+              <a:t>주변에 상자를 생성한다</a:t>
+            </a:r>
+            <a:r>
+              <a:rPr lang="en-US" altLang="ko-KR" sz="1200" dirty="0">
+                <a:ln w="0"/>
+                <a:solidFill>
+                  <a:schemeClr val="tx1"/>
+                </a:solidFill>
+                <a:effectLst>
+                  <a:outerShdw blurRad="38100" dist="19050" dir="2700000" algn="tl" rotWithShape="0">
+                    <a:schemeClr val="dk1">
+                      <a:alpha val="40000"/>
+                    </a:schemeClr>
+                  </a:outerShdw>
+                </a:effectLst>
+              </a:rPr>
+              <a:t>.</a:t>
+            </a:r>
+          </a:p>
+        </p:txBody>
+      </p:sp>
     </p:spTree>
     <p:extLst>
       <p:ext uri="{BB962C8B-B14F-4D97-AF65-F5344CB8AC3E}">
         <p14:creationId xmlns:p14="http://schemas.microsoft.com/office/powerpoint/2010/main" val="3115461931"/>
+      </p:ext>
+    </p:extLst>
+  </p:cSld>
+  <p:clrMapOvr>
+    <a:masterClrMapping/>
+  </p:clrMapOvr>
+</p:sld>
+</file>
+
+<file path=ppt/slides/slide6.xml><?xml version="1.0" encoding="utf-8"?>
+<p:sld xmlns:a="http://schemas.openxmlformats.org/drawingml/2006/main" xmlns:r="http://schemas.openxmlformats.org/officeDocument/2006/relationships" xmlns:p="http://schemas.openxmlformats.org/presentationml/2006/main">
+  <p:cSld>
+    <p:spTree>
+      <p:nvGrpSpPr>
+        <p:cNvPr id="1" name=""/>
+        <p:cNvGrpSpPr/>
+        <p:nvPr/>
+      </p:nvGrpSpPr>
+      <p:grpSpPr>
+        <a:xfrm>
+          <a:off x="0" y="0"/>
+          <a:ext cx="0" cy="0"/>
+          <a:chOff x="0" y="0"/>
+          <a:chExt cx="0" cy="0"/>
+        </a:xfrm>
+      </p:grpSpPr>
+      <p:sp>
+        <p:nvSpPr>
+          <p:cNvPr id="4" name="직사각형 3">
+            <a:extLst>
+              <a:ext uri="{FF2B5EF4-FFF2-40B4-BE49-F238E27FC236}">
+                <a16:creationId xmlns:a16="http://schemas.microsoft.com/office/drawing/2014/main" id="{AE93FE2A-85FE-4157-951C-FC2FADBB3B34}"/>
+              </a:ext>
+            </a:extLst>
+          </p:cNvPr>
+          <p:cNvSpPr/>
+          <p:nvPr/>
+        </p:nvSpPr>
+        <p:spPr>
+          <a:xfrm>
+            <a:off x="0" y="0"/>
+            <a:ext cx="12192000" cy="1034474"/>
+          </a:xfrm>
+          <a:prstGeom prst="rect">
+            <a:avLst/>
+          </a:prstGeom>
+          <a:solidFill>
+            <a:schemeClr val="accent5">
+              <a:lumMod val="60000"/>
+              <a:lumOff val="40000"/>
+            </a:schemeClr>
+          </a:solidFill>
+        </p:spPr>
+        <p:style>
+          <a:lnRef idx="2">
+            <a:schemeClr val="accent1">
+              <a:shade val="50000"/>
+            </a:schemeClr>
+          </a:lnRef>
+          <a:fillRef idx="1">
+            <a:schemeClr val="accent1"/>
+          </a:fillRef>
+          <a:effectRef idx="0">
+            <a:schemeClr val="accent1"/>
+          </a:effectRef>
+          <a:fontRef idx="minor">
+            <a:schemeClr val="lt1"/>
+          </a:fontRef>
+        </p:style>
+        <p:txBody>
+          <a:bodyPr rtlCol="0" anchor="ctr"/>
+          <a:lstStyle/>
+          <a:p>
+            <a:pPr algn="ctr"/>
+            <a:endParaRPr lang="ko-KR" altLang="en-US" dirty="0"/>
+          </a:p>
+        </p:txBody>
+      </p:sp>
+      <p:sp>
+        <p:nvSpPr>
+          <p:cNvPr id="7" name="TextBox 6">
+            <a:extLst>
+              <a:ext uri="{FF2B5EF4-FFF2-40B4-BE49-F238E27FC236}">
+                <a16:creationId xmlns:a16="http://schemas.microsoft.com/office/drawing/2014/main" id="{982817C4-ACF4-45FB-A018-6E6F872691BC}"/>
+              </a:ext>
+            </a:extLst>
+          </p:cNvPr>
+          <p:cNvSpPr txBox="1"/>
+          <p:nvPr/>
+        </p:nvSpPr>
+        <p:spPr>
+          <a:xfrm>
+            <a:off x="646546" y="255627"/>
+            <a:ext cx="4230254" cy="523220"/>
+          </a:xfrm>
+          <a:prstGeom prst="rect">
+            <a:avLst/>
+          </a:prstGeom>
+          <a:noFill/>
+        </p:spPr>
+        <p:txBody>
+          <a:bodyPr wrap="square" rtlCol="0">
+            <a:spAutoFit/>
+          </a:bodyPr>
+          <a:lstStyle/>
+          <a:p>
+            <a:r>
+              <a:rPr lang="ko-KR" altLang="en-US" sz="2800" b="1" dirty="0"/>
+              <a:t>배</a:t>
+            </a:r>
+            <a:endParaRPr lang="en-US" altLang="ko-KR" sz="2800" b="1" dirty="0"/>
+          </a:p>
+        </p:txBody>
+      </p:sp>
+      <p:sp>
+        <p:nvSpPr>
+          <p:cNvPr id="35" name="직사각형 34">
+            <a:extLst>
+              <a:ext uri="{FF2B5EF4-FFF2-40B4-BE49-F238E27FC236}">
+                <a16:creationId xmlns:a16="http://schemas.microsoft.com/office/drawing/2014/main" id="{CDC16DF7-27F1-B614-B6BA-78F97D6F89AE}"/>
+              </a:ext>
+            </a:extLst>
+          </p:cNvPr>
+          <p:cNvSpPr/>
+          <p:nvPr/>
+        </p:nvSpPr>
+        <p:spPr>
+          <a:xfrm>
+            <a:off x="2677232" y="1929824"/>
+            <a:ext cx="7630470" cy="4211791"/>
+          </a:xfrm>
+          <a:prstGeom prst="rect">
+            <a:avLst/>
+          </a:prstGeom>
+          <a:solidFill>
+            <a:schemeClr val="accent2">
+              <a:lumMod val="60000"/>
+              <a:lumOff val="40000"/>
+            </a:schemeClr>
+          </a:solidFill>
+          <a:ln>
+            <a:noFill/>
+          </a:ln>
+        </p:spPr>
+        <p:style>
+          <a:lnRef idx="2">
+            <a:schemeClr val="accent1">
+              <a:shade val="50000"/>
+            </a:schemeClr>
+          </a:lnRef>
+          <a:fillRef idx="1">
+            <a:schemeClr val="accent1"/>
+          </a:fillRef>
+          <a:effectRef idx="0">
+            <a:schemeClr val="accent1"/>
+          </a:effectRef>
+          <a:fontRef idx="minor">
+            <a:schemeClr val="lt1"/>
+          </a:fontRef>
+        </p:style>
+        <p:txBody>
+          <a:bodyPr rtlCol="0" anchor="ctr"/>
+          <a:lstStyle/>
+          <a:p>
+            <a:pPr algn="ctr"/>
+            <a:endParaRPr lang="ko-KR" altLang="en-US"/>
+          </a:p>
+        </p:txBody>
+      </p:sp>
+      <p:sp>
+        <p:nvSpPr>
+          <p:cNvPr id="37" name="직사각형 36">
+            <a:extLst>
+              <a:ext uri="{FF2B5EF4-FFF2-40B4-BE49-F238E27FC236}">
+                <a16:creationId xmlns:a16="http://schemas.microsoft.com/office/drawing/2014/main" id="{87561C07-5CC8-B396-C75B-913787B54262}"/>
+              </a:ext>
+            </a:extLst>
+          </p:cNvPr>
+          <p:cNvSpPr/>
+          <p:nvPr/>
+        </p:nvSpPr>
+        <p:spPr>
+          <a:xfrm>
+            <a:off x="3169211" y="4145623"/>
+            <a:ext cx="4059190" cy="98829"/>
+          </a:xfrm>
+          <a:prstGeom prst="rect">
+            <a:avLst/>
+          </a:prstGeom>
+          <a:solidFill>
+            <a:schemeClr val="accent2">
+              <a:lumMod val="75000"/>
+            </a:schemeClr>
+          </a:solidFill>
+          <a:ln>
+            <a:noFill/>
+          </a:ln>
+        </p:spPr>
+        <p:style>
+          <a:lnRef idx="2">
+            <a:schemeClr val="accent1">
+              <a:shade val="50000"/>
+            </a:schemeClr>
+          </a:lnRef>
+          <a:fillRef idx="1">
+            <a:schemeClr val="accent1"/>
+          </a:fillRef>
+          <a:effectRef idx="0">
+            <a:schemeClr val="accent1"/>
+          </a:effectRef>
+          <a:fontRef idx="minor">
+            <a:schemeClr val="lt1"/>
+          </a:fontRef>
+        </p:style>
+        <p:txBody>
+          <a:bodyPr rtlCol="0" anchor="ctr"/>
+          <a:lstStyle/>
+          <a:p>
+            <a:pPr algn="ctr"/>
+            <a:endParaRPr lang="ko-KR" altLang="en-US"/>
+          </a:p>
+        </p:txBody>
+      </p:sp>
+      <p:pic>
+        <p:nvPicPr>
+          <p:cNvPr id="40" name="그림 39">
+            <a:extLst>
+              <a:ext uri="{FF2B5EF4-FFF2-40B4-BE49-F238E27FC236}">
+                <a16:creationId xmlns:a16="http://schemas.microsoft.com/office/drawing/2014/main" id="{7827B76E-62FB-12BF-89F9-10DB4018E61F}"/>
+              </a:ext>
+            </a:extLst>
+          </p:cNvPr>
+          <p:cNvPicPr>
+            <a:picLocks noChangeAspect="1"/>
+          </p:cNvPicPr>
+          <p:nvPr/>
+        </p:nvPicPr>
+        <p:blipFill>
+          <a:blip r:embed="rId3">
+            <a:extLst>
+              <a:ext uri="{28A0092B-C50C-407E-A947-70E740481C1C}">
+                <a14:useLocalDpi xmlns:a14="http://schemas.microsoft.com/office/drawing/2010/main" val="0"/>
+              </a:ext>
+            </a:extLst>
+          </a:blip>
+          <a:stretch>
+            <a:fillRect/>
+          </a:stretch>
+        </p:blipFill>
+        <p:spPr>
+          <a:xfrm>
+            <a:off x="3169211" y="2885163"/>
+            <a:ext cx="1431910" cy="1431910"/>
+          </a:xfrm>
+          <a:prstGeom prst="rect">
+            <a:avLst/>
+          </a:prstGeom>
+          <a:ln>
+            <a:noFill/>
+          </a:ln>
+        </p:spPr>
+      </p:pic>
+      <p:pic>
+        <p:nvPicPr>
+          <p:cNvPr id="45" name="그림 44">
+            <a:extLst>
+              <a:ext uri="{FF2B5EF4-FFF2-40B4-BE49-F238E27FC236}">
+                <a16:creationId xmlns:a16="http://schemas.microsoft.com/office/drawing/2014/main" id="{3EA152B9-5E44-687C-BD6D-3E869E3BC3C3}"/>
+              </a:ext>
+            </a:extLst>
+          </p:cNvPr>
+          <p:cNvPicPr>
+            <a:picLocks noChangeAspect="1"/>
+          </p:cNvPicPr>
+          <p:nvPr/>
+        </p:nvPicPr>
+        <p:blipFill>
+          <a:blip r:embed="rId3">
+            <a:extLst>
+              <a:ext uri="{28A0092B-C50C-407E-A947-70E740481C1C}">
+                <a14:useLocalDpi xmlns:a14="http://schemas.microsoft.com/office/drawing/2010/main" val="0"/>
+              </a:ext>
+            </a:extLst>
+          </a:blip>
+          <a:stretch>
+            <a:fillRect/>
+          </a:stretch>
+        </p:blipFill>
+        <p:spPr>
+          <a:xfrm>
+            <a:off x="4437280" y="2885163"/>
+            <a:ext cx="1431910" cy="1431910"/>
+          </a:xfrm>
+          <a:prstGeom prst="rect">
+            <a:avLst/>
+          </a:prstGeom>
+          <a:ln>
+            <a:noFill/>
+          </a:ln>
+        </p:spPr>
+      </p:pic>
+      <p:pic>
+        <p:nvPicPr>
+          <p:cNvPr id="46" name="그림 45">
+            <a:extLst>
+              <a:ext uri="{FF2B5EF4-FFF2-40B4-BE49-F238E27FC236}">
+                <a16:creationId xmlns:a16="http://schemas.microsoft.com/office/drawing/2014/main" id="{1C563DE0-9A48-C810-EAD7-3EEC3C168AFA}"/>
+              </a:ext>
+            </a:extLst>
+          </p:cNvPr>
+          <p:cNvPicPr>
+            <a:picLocks noChangeAspect="1"/>
+          </p:cNvPicPr>
+          <p:nvPr/>
+        </p:nvPicPr>
+        <p:blipFill>
+          <a:blip r:embed="rId3">
+            <a:extLst>
+              <a:ext uri="{28A0092B-C50C-407E-A947-70E740481C1C}">
+                <a14:useLocalDpi xmlns:a14="http://schemas.microsoft.com/office/drawing/2010/main" val="0"/>
+              </a:ext>
+            </a:extLst>
+          </a:blip>
+          <a:stretch>
+            <a:fillRect/>
+          </a:stretch>
+        </p:blipFill>
+        <p:spPr>
+          <a:xfrm>
+            <a:off x="5776512" y="2919006"/>
+            <a:ext cx="1431910" cy="1431910"/>
+          </a:xfrm>
+          <a:prstGeom prst="rect">
+            <a:avLst/>
+          </a:prstGeom>
+          <a:ln>
+            <a:noFill/>
+          </a:ln>
+        </p:spPr>
+      </p:pic>
+      <p:sp>
+        <p:nvSpPr>
+          <p:cNvPr id="47" name="직사각형 46">
+            <a:extLst>
+              <a:ext uri="{FF2B5EF4-FFF2-40B4-BE49-F238E27FC236}">
+                <a16:creationId xmlns:a16="http://schemas.microsoft.com/office/drawing/2014/main" id="{2445C83A-BD8D-1C10-16DD-52C2B6A4649E}"/>
+              </a:ext>
+            </a:extLst>
+          </p:cNvPr>
+          <p:cNvSpPr/>
+          <p:nvPr/>
+        </p:nvSpPr>
+        <p:spPr>
+          <a:xfrm>
+            <a:off x="5838979" y="5753858"/>
+            <a:ext cx="4059190" cy="98829"/>
+          </a:xfrm>
+          <a:prstGeom prst="rect">
+            <a:avLst/>
+          </a:prstGeom>
+          <a:solidFill>
+            <a:schemeClr val="accent2">
+              <a:lumMod val="75000"/>
+            </a:schemeClr>
+          </a:solidFill>
+          <a:ln>
+            <a:noFill/>
+          </a:ln>
+        </p:spPr>
+        <p:style>
+          <a:lnRef idx="2">
+            <a:schemeClr val="accent1">
+              <a:shade val="50000"/>
+            </a:schemeClr>
+          </a:lnRef>
+          <a:fillRef idx="1">
+            <a:schemeClr val="accent1"/>
+          </a:fillRef>
+          <a:effectRef idx="0">
+            <a:schemeClr val="accent1"/>
+          </a:effectRef>
+          <a:fontRef idx="minor">
+            <a:schemeClr val="lt1"/>
+          </a:fontRef>
+        </p:style>
+        <p:txBody>
+          <a:bodyPr rtlCol="0" anchor="ctr"/>
+          <a:lstStyle/>
+          <a:p>
+            <a:pPr algn="ctr"/>
+            <a:endParaRPr lang="ko-KR" altLang="en-US"/>
+          </a:p>
+        </p:txBody>
+      </p:sp>
+      <p:pic>
+        <p:nvPicPr>
+          <p:cNvPr id="48" name="그림 47">
+            <a:extLst>
+              <a:ext uri="{FF2B5EF4-FFF2-40B4-BE49-F238E27FC236}">
+                <a16:creationId xmlns:a16="http://schemas.microsoft.com/office/drawing/2014/main" id="{D578E922-3B9C-A44E-05EA-036144F9E4A3}"/>
+              </a:ext>
+            </a:extLst>
+          </p:cNvPr>
+          <p:cNvPicPr>
+            <a:picLocks noChangeAspect="1"/>
+          </p:cNvPicPr>
+          <p:nvPr/>
+        </p:nvPicPr>
+        <p:blipFill>
+          <a:blip r:embed="rId3">
+            <a:extLst>
+              <a:ext uri="{28A0092B-C50C-407E-A947-70E740481C1C}">
+                <a14:useLocalDpi xmlns:a14="http://schemas.microsoft.com/office/drawing/2010/main" val="0"/>
+              </a:ext>
+            </a:extLst>
+          </a:blip>
+          <a:stretch>
+            <a:fillRect/>
+          </a:stretch>
+        </p:blipFill>
+        <p:spPr>
+          <a:xfrm>
+            <a:off x="5838979" y="4483872"/>
+            <a:ext cx="1431910" cy="1431910"/>
+          </a:xfrm>
+          <a:prstGeom prst="rect">
+            <a:avLst/>
+          </a:prstGeom>
+          <a:ln>
+            <a:noFill/>
+          </a:ln>
+        </p:spPr>
+      </p:pic>
+      <p:pic>
+        <p:nvPicPr>
+          <p:cNvPr id="49" name="그림 48">
+            <a:extLst>
+              <a:ext uri="{FF2B5EF4-FFF2-40B4-BE49-F238E27FC236}">
+                <a16:creationId xmlns:a16="http://schemas.microsoft.com/office/drawing/2014/main" id="{25C18442-0747-80E5-3495-047BB51B173E}"/>
+              </a:ext>
+            </a:extLst>
+          </p:cNvPr>
+          <p:cNvPicPr>
+            <a:picLocks noChangeAspect="1"/>
+          </p:cNvPicPr>
+          <p:nvPr/>
+        </p:nvPicPr>
+        <p:blipFill>
+          <a:blip r:embed="rId3">
+            <a:extLst>
+              <a:ext uri="{28A0092B-C50C-407E-A947-70E740481C1C}">
+                <a14:useLocalDpi xmlns:a14="http://schemas.microsoft.com/office/drawing/2010/main" val="0"/>
+              </a:ext>
+            </a:extLst>
+          </a:blip>
+          <a:stretch>
+            <a:fillRect/>
+          </a:stretch>
+        </p:blipFill>
+        <p:spPr>
+          <a:xfrm>
+            <a:off x="7107048" y="4483872"/>
+            <a:ext cx="1431910" cy="1431910"/>
+          </a:xfrm>
+          <a:prstGeom prst="rect">
+            <a:avLst/>
+          </a:prstGeom>
+          <a:ln>
+            <a:noFill/>
+          </a:ln>
+        </p:spPr>
+      </p:pic>
+      <p:pic>
+        <p:nvPicPr>
+          <p:cNvPr id="50" name="그림 49">
+            <a:extLst>
+              <a:ext uri="{FF2B5EF4-FFF2-40B4-BE49-F238E27FC236}">
+                <a16:creationId xmlns:a16="http://schemas.microsoft.com/office/drawing/2014/main" id="{7DE9A7BE-5D68-209F-56CB-328D12AD1B6A}"/>
+              </a:ext>
+            </a:extLst>
+          </p:cNvPr>
+          <p:cNvPicPr>
+            <a:picLocks noChangeAspect="1"/>
+          </p:cNvPicPr>
+          <p:nvPr/>
+        </p:nvPicPr>
+        <p:blipFill>
+          <a:blip r:embed="rId3">
+            <a:extLst>
+              <a:ext uri="{28A0092B-C50C-407E-A947-70E740481C1C}">
+                <a14:useLocalDpi xmlns:a14="http://schemas.microsoft.com/office/drawing/2010/main" val="0"/>
+              </a:ext>
+            </a:extLst>
+          </a:blip>
+          <a:stretch>
+            <a:fillRect/>
+          </a:stretch>
+        </p:blipFill>
+        <p:spPr>
+          <a:xfrm>
+            <a:off x="8392447" y="4516892"/>
+            <a:ext cx="1431910" cy="1431910"/>
+          </a:xfrm>
+          <a:prstGeom prst="rect">
+            <a:avLst/>
+          </a:prstGeom>
+          <a:ln>
+            <a:noFill/>
+          </a:ln>
+        </p:spPr>
+      </p:pic>
+      <p:pic>
+        <p:nvPicPr>
+          <p:cNvPr id="57" name="그림 56">
+            <a:extLst>
+              <a:ext uri="{FF2B5EF4-FFF2-40B4-BE49-F238E27FC236}">
+                <a16:creationId xmlns:a16="http://schemas.microsoft.com/office/drawing/2014/main" id="{795A198C-8A96-0055-378E-C62D0F2B9700}"/>
+              </a:ext>
+            </a:extLst>
+          </p:cNvPr>
+          <p:cNvPicPr>
+            <a:picLocks noChangeAspect="1"/>
+          </p:cNvPicPr>
+          <p:nvPr/>
+        </p:nvPicPr>
+        <p:blipFill>
+          <a:blip r:embed="rId3">
+            <a:extLst>
+              <a:ext uri="{28A0092B-C50C-407E-A947-70E740481C1C}">
+                <a14:useLocalDpi xmlns:a14="http://schemas.microsoft.com/office/drawing/2010/main" val="0"/>
+              </a:ext>
+            </a:extLst>
+          </a:blip>
+          <a:stretch>
+            <a:fillRect/>
+          </a:stretch>
+        </p:blipFill>
+        <p:spPr>
+          <a:xfrm>
+            <a:off x="2836264" y="2119725"/>
+            <a:ext cx="441649" cy="441649"/>
+          </a:xfrm>
+          <a:prstGeom prst="rect">
+            <a:avLst/>
+          </a:prstGeom>
+          <a:ln>
+            <a:noFill/>
+          </a:ln>
+        </p:spPr>
+      </p:pic>
+      <p:sp>
+        <p:nvSpPr>
+          <p:cNvPr id="2" name="TextBox 1">
+            <a:extLst>
+              <a:ext uri="{FF2B5EF4-FFF2-40B4-BE49-F238E27FC236}">
+                <a16:creationId xmlns:a16="http://schemas.microsoft.com/office/drawing/2014/main" id="{792DF50D-44B7-4BC3-AFD9-465164F9B97C}"/>
+              </a:ext>
+            </a:extLst>
+          </p:cNvPr>
+          <p:cNvSpPr txBox="1"/>
+          <p:nvPr/>
+        </p:nvSpPr>
+        <p:spPr>
+          <a:xfrm>
+            <a:off x="3277913" y="2132944"/>
+            <a:ext cx="2723823" cy="461665"/>
+          </a:xfrm>
+          <a:prstGeom prst="rect">
+            <a:avLst/>
+          </a:prstGeom>
+          <a:noFill/>
+        </p:spPr>
+        <p:txBody>
+          <a:bodyPr wrap="none" rtlCol="0">
+            <a:spAutoFit/>
+          </a:bodyPr>
+          <a:lstStyle/>
+          <a:p>
+            <a:r>
+              <a:rPr lang="ko-KR" altLang="en-US" sz="1200" b="1" dirty="0"/>
+              <a:t>현재 모은 재료 개수</a:t>
+            </a:r>
+            <a:endParaRPr lang="en-US" altLang="ko-KR" sz="1200" b="1" dirty="0"/>
+          </a:p>
+          <a:p>
+            <a:r>
+              <a:rPr lang="en-US" altLang="ko-KR" sz="1200" b="1" dirty="0"/>
+              <a:t>	/ </a:t>
+            </a:r>
+            <a:r>
+              <a:rPr lang="ko-KR" altLang="en-US" sz="1200" b="1" dirty="0"/>
+              <a:t>모아야하는 재료 개수</a:t>
+            </a:r>
+          </a:p>
+        </p:txBody>
+      </p:sp>
+      <p:sp>
+        <p:nvSpPr>
+          <p:cNvPr id="3" name="직사각형 2">
+            <a:extLst>
+              <a:ext uri="{FF2B5EF4-FFF2-40B4-BE49-F238E27FC236}">
+                <a16:creationId xmlns:a16="http://schemas.microsoft.com/office/drawing/2014/main" id="{849C1316-54B4-186C-C977-6B3A6C460BBB}"/>
+              </a:ext>
+            </a:extLst>
+          </p:cNvPr>
+          <p:cNvSpPr/>
+          <p:nvPr/>
+        </p:nvSpPr>
+        <p:spPr>
+          <a:xfrm>
+            <a:off x="2763563" y="2119725"/>
+            <a:ext cx="3333750" cy="526018"/>
+          </a:xfrm>
+          <a:prstGeom prst="rect">
+            <a:avLst/>
+          </a:prstGeom>
+          <a:noFill/>
+          <a:ln>
+            <a:solidFill>
+              <a:schemeClr val="tx1"/>
+            </a:solidFill>
+          </a:ln>
+        </p:spPr>
+        <p:style>
+          <a:lnRef idx="2">
+            <a:schemeClr val="accent1">
+              <a:shade val="50000"/>
+            </a:schemeClr>
+          </a:lnRef>
+          <a:fillRef idx="1">
+            <a:schemeClr val="accent1"/>
+          </a:fillRef>
+          <a:effectRef idx="0">
+            <a:schemeClr val="accent1"/>
+          </a:effectRef>
+          <a:fontRef idx="minor">
+            <a:schemeClr val="lt1"/>
+          </a:fontRef>
+        </p:style>
+        <p:txBody>
+          <a:bodyPr rtlCol="0" anchor="ctr"/>
+          <a:lstStyle/>
+          <a:p>
+            <a:pPr algn="ctr"/>
+            <a:endParaRPr lang="ko-KR" altLang="en-US"/>
+          </a:p>
+        </p:txBody>
+      </p:sp>
+      <p:cxnSp>
+        <p:nvCxnSpPr>
+          <p:cNvPr id="11" name="직선 화살표 연결선 10">
+            <a:extLst>
+              <a:ext uri="{FF2B5EF4-FFF2-40B4-BE49-F238E27FC236}">
+                <a16:creationId xmlns:a16="http://schemas.microsoft.com/office/drawing/2014/main" id="{5C758F50-38F1-F05C-53EB-2C75B77852D6}"/>
+              </a:ext>
+            </a:extLst>
+          </p:cNvPr>
+          <p:cNvCxnSpPr>
+            <a:stCxn id="3" idx="1"/>
+          </p:cNvCxnSpPr>
+          <p:nvPr/>
+        </p:nvCxnSpPr>
+        <p:spPr>
+          <a:xfrm flipH="1">
+            <a:off x="2381250" y="2382734"/>
+            <a:ext cx="382313" cy="6855"/>
+          </a:xfrm>
+          <a:prstGeom prst="straightConnector1">
+            <a:avLst/>
+          </a:prstGeom>
+          <a:ln>
+            <a:tailEnd type="triangle"/>
+          </a:ln>
+        </p:spPr>
+        <p:style>
+          <a:lnRef idx="1">
+            <a:schemeClr val="dk1"/>
+          </a:lnRef>
+          <a:fillRef idx="0">
+            <a:schemeClr val="dk1"/>
+          </a:fillRef>
+          <a:effectRef idx="0">
+            <a:schemeClr val="dk1"/>
+          </a:effectRef>
+          <a:fontRef idx="minor">
+            <a:schemeClr val="tx1"/>
+          </a:fontRef>
+        </p:style>
+      </p:cxnSp>
+      <p:sp>
+        <p:nvSpPr>
+          <p:cNvPr id="12" name="TextBox 11">
+            <a:extLst>
+              <a:ext uri="{FF2B5EF4-FFF2-40B4-BE49-F238E27FC236}">
+                <a16:creationId xmlns:a16="http://schemas.microsoft.com/office/drawing/2014/main" id="{E55D1369-DC6A-2D4F-3E1B-291BDBA39E53}"/>
+              </a:ext>
+            </a:extLst>
+          </p:cNvPr>
+          <p:cNvSpPr txBox="1"/>
+          <p:nvPr/>
+        </p:nvSpPr>
+        <p:spPr>
+          <a:xfrm>
+            <a:off x="1148324" y="2230245"/>
+            <a:ext cx="1358064" cy="415498"/>
+          </a:xfrm>
+          <a:prstGeom prst="rect">
+            <a:avLst/>
+          </a:prstGeom>
+          <a:noFill/>
+        </p:spPr>
+        <p:txBody>
+          <a:bodyPr wrap="none" rtlCol="0">
+            <a:spAutoFit/>
+          </a:bodyPr>
+          <a:lstStyle/>
+          <a:p>
+            <a:pPr algn="ctr"/>
+            <a:r>
+              <a:rPr lang="ko-KR" altLang="en-US" sz="1050" dirty="0"/>
+              <a:t>패널에 몇 개 더 </a:t>
+            </a:r>
+            <a:endParaRPr lang="en-US" altLang="ko-KR" sz="1050" dirty="0"/>
+          </a:p>
+          <a:p>
+            <a:pPr algn="ctr"/>
+            <a:r>
+              <a:rPr lang="ko-KR" altLang="en-US" sz="1050" dirty="0"/>
+              <a:t>모아야 하는지 표시</a:t>
+            </a:r>
+          </a:p>
+        </p:txBody>
+      </p:sp>
+      <p:sp>
+        <p:nvSpPr>
+          <p:cNvPr id="16" name="TextBox 15">
+            <a:extLst>
+              <a:ext uri="{FF2B5EF4-FFF2-40B4-BE49-F238E27FC236}">
+                <a16:creationId xmlns:a16="http://schemas.microsoft.com/office/drawing/2014/main" id="{28825B61-6448-B3D0-E4D3-8BF3DC6F070C}"/>
+              </a:ext>
+            </a:extLst>
+          </p:cNvPr>
+          <p:cNvSpPr txBox="1"/>
+          <p:nvPr/>
+        </p:nvSpPr>
+        <p:spPr>
+          <a:xfrm>
+            <a:off x="646546" y="1297483"/>
+            <a:ext cx="3536546" cy="369332"/>
+          </a:xfrm>
+          <a:prstGeom prst="rect">
+            <a:avLst/>
+          </a:prstGeom>
+          <a:noFill/>
+        </p:spPr>
+        <p:txBody>
+          <a:bodyPr wrap="none" rtlCol="0">
+            <a:spAutoFit/>
+          </a:bodyPr>
+          <a:lstStyle/>
+          <a:p>
+            <a:r>
+              <a:rPr lang="ko-KR" altLang="en-US" b="1" dirty="0"/>
+              <a:t>재료 패널 예시 </a:t>
+            </a:r>
+            <a:r>
+              <a:rPr lang="en-US" altLang="ko-KR" b="1" dirty="0"/>
+              <a:t>– </a:t>
+            </a:r>
+            <a:r>
+              <a:rPr lang="ko-KR" altLang="en-US" b="1" dirty="0"/>
+              <a:t>유리 </a:t>
+            </a:r>
+            <a:r>
+              <a:rPr lang="en-US" altLang="ko-KR" b="1" dirty="0"/>
+              <a:t>, </a:t>
+            </a:r>
+            <a:r>
+              <a:rPr lang="ko-KR" altLang="en-US" b="1" dirty="0"/>
+              <a:t>철</a:t>
+            </a:r>
+            <a:r>
+              <a:rPr lang="en-US" altLang="ko-KR" b="1" dirty="0"/>
+              <a:t>, </a:t>
+            </a:r>
+            <a:r>
+              <a:rPr lang="ko-KR" altLang="en-US" b="1" dirty="0"/>
+              <a:t>구리</a:t>
+            </a:r>
+          </a:p>
+        </p:txBody>
+      </p:sp>
+      <p:sp>
+        <p:nvSpPr>
+          <p:cNvPr id="19" name="직사각형 18">
+            <a:extLst>
+              <a:ext uri="{FF2B5EF4-FFF2-40B4-BE49-F238E27FC236}">
+                <a16:creationId xmlns:a16="http://schemas.microsoft.com/office/drawing/2014/main" id="{5B93F921-8570-3788-A0A2-CCA1B483569D}"/>
+              </a:ext>
+            </a:extLst>
+          </p:cNvPr>
+          <p:cNvSpPr/>
+          <p:nvPr/>
+        </p:nvSpPr>
+        <p:spPr>
+          <a:xfrm>
+            <a:off x="3038475" y="2781300"/>
+            <a:ext cx="7038975" cy="3167502"/>
+          </a:xfrm>
+          <a:prstGeom prst="rect">
+            <a:avLst/>
+          </a:prstGeom>
+          <a:noFill/>
+          <a:ln w="38100">
+            <a:solidFill>
+              <a:schemeClr val="tx1"/>
+            </a:solidFill>
+          </a:ln>
+        </p:spPr>
+        <p:style>
+          <a:lnRef idx="2">
+            <a:schemeClr val="accent1">
+              <a:shade val="50000"/>
+            </a:schemeClr>
+          </a:lnRef>
+          <a:fillRef idx="1">
+            <a:schemeClr val="accent1"/>
+          </a:fillRef>
+          <a:effectRef idx="0">
+            <a:schemeClr val="accent1"/>
+          </a:effectRef>
+          <a:fontRef idx="minor">
+            <a:schemeClr val="lt1"/>
+          </a:fontRef>
+        </p:style>
+        <p:txBody>
+          <a:bodyPr rtlCol="0" anchor="ctr"/>
+          <a:lstStyle/>
+          <a:p>
+            <a:pPr algn="ctr"/>
+            <a:endParaRPr lang="ko-KR" altLang="en-US"/>
+          </a:p>
+        </p:txBody>
+      </p:sp>
+      <p:cxnSp>
+        <p:nvCxnSpPr>
+          <p:cNvPr id="27" name="직선 화살표 연결선 26">
+            <a:extLst>
+              <a:ext uri="{FF2B5EF4-FFF2-40B4-BE49-F238E27FC236}">
+                <a16:creationId xmlns:a16="http://schemas.microsoft.com/office/drawing/2014/main" id="{A1BAAFC8-A9CE-64BB-1B28-06E595FFB04F}"/>
+              </a:ext>
+            </a:extLst>
+          </p:cNvPr>
+          <p:cNvCxnSpPr>
+            <a:stCxn id="19" idx="3"/>
+          </p:cNvCxnSpPr>
+          <p:nvPr/>
+        </p:nvCxnSpPr>
+        <p:spPr>
+          <a:xfrm>
+            <a:off x="10077450" y="4365051"/>
+            <a:ext cx="752475" cy="118821"/>
+          </a:xfrm>
+          <a:prstGeom prst="straightConnector1">
+            <a:avLst/>
+          </a:prstGeom>
+          <a:ln>
+            <a:tailEnd type="triangle"/>
+          </a:ln>
+        </p:spPr>
+        <p:style>
+          <a:lnRef idx="1">
+            <a:schemeClr val="dk1"/>
+          </a:lnRef>
+          <a:fillRef idx="0">
+            <a:schemeClr val="dk1"/>
+          </a:fillRef>
+          <a:effectRef idx="0">
+            <a:schemeClr val="dk1"/>
+          </a:effectRef>
+          <a:fontRef idx="minor">
+            <a:schemeClr val="tx1"/>
+          </a:fontRef>
+        </p:style>
+      </p:cxnSp>
+      <p:sp>
+        <p:nvSpPr>
+          <p:cNvPr id="59" name="TextBox 58">
+            <a:extLst>
+              <a:ext uri="{FF2B5EF4-FFF2-40B4-BE49-F238E27FC236}">
+                <a16:creationId xmlns:a16="http://schemas.microsoft.com/office/drawing/2014/main" id="{4051D2DE-14CE-38E2-D847-AB0923896ED6}"/>
+              </a:ext>
+            </a:extLst>
+          </p:cNvPr>
+          <p:cNvSpPr txBox="1"/>
+          <p:nvPr/>
+        </p:nvSpPr>
+        <p:spPr>
+          <a:xfrm>
+            <a:off x="10323846" y="4593651"/>
+            <a:ext cx="1944763" cy="1061829"/>
+          </a:xfrm>
+          <a:prstGeom prst="rect">
+            <a:avLst/>
+          </a:prstGeom>
+          <a:noFill/>
+        </p:spPr>
+        <p:txBody>
+          <a:bodyPr wrap="none" rtlCol="0">
+            <a:spAutoFit/>
+          </a:bodyPr>
+          <a:lstStyle/>
+          <a:p>
+            <a:pPr algn="ctr"/>
+            <a:r>
+              <a:rPr lang="ko-KR" altLang="en-US" sz="1050" dirty="0"/>
+              <a:t>패널에 있는 아이템이</a:t>
+            </a:r>
+            <a:endParaRPr lang="en-US" altLang="ko-KR" sz="1050" dirty="0"/>
+          </a:p>
+          <a:p>
+            <a:pPr algn="ctr"/>
+            <a:r>
+              <a:rPr lang="ko-KR" altLang="en-US" sz="1050" dirty="0"/>
+              <a:t>모두 찰 때까지는 저장</a:t>
+            </a:r>
+            <a:endParaRPr lang="en-US" altLang="ko-KR" sz="1050" dirty="0"/>
+          </a:p>
+          <a:p>
+            <a:pPr algn="ctr"/>
+            <a:endParaRPr lang="en-US" altLang="ko-KR" sz="1050" dirty="0"/>
+          </a:p>
+          <a:p>
+            <a:pPr algn="ctr"/>
+            <a:r>
+              <a:rPr lang="ko-KR" altLang="en-US" sz="1050" dirty="0"/>
+              <a:t>패널이 모두 차면 주변에</a:t>
+            </a:r>
+            <a:endParaRPr lang="en-US" altLang="ko-KR" sz="1050" dirty="0"/>
+          </a:p>
+          <a:p>
+            <a:pPr algn="ctr"/>
+            <a:r>
+              <a:rPr lang="ko-KR" altLang="en-US" sz="1050" dirty="0"/>
+              <a:t>상자 오브젝트가 생기고</a:t>
+            </a:r>
+            <a:endParaRPr lang="en-US" altLang="ko-KR" sz="1050" dirty="0"/>
+          </a:p>
+          <a:p>
+            <a:pPr algn="ctr"/>
+            <a:r>
+              <a:rPr lang="ko-KR" altLang="en-US" sz="1050" dirty="0"/>
+              <a:t>패널에 있는 아이템은 초기화</a:t>
+            </a:r>
+          </a:p>
+        </p:txBody>
+      </p:sp>
+    </p:spTree>
+    <p:extLst>
+      <p:ext uri="{BB962C8B-B14F-4D97-AF65-F5344CB8AC3E}">
+        <p14:creationId xmlns:p14="http://schemas.microsoft.com/office/powerpoint/2010/main" val="2485589920"/>
       </p:ext>
     </p:extLst>
   </p:cSld>

--- a/Document/맵/맵.pptx
+++ b/Document/맵/맵.pptx
@@ -202,7 +202,7 @@
           <a:p>
             <a:fld id="{2A8CA0AD-A475-44B5-9A01-DE22AB9F57C0}" type="datetimeFigureOut">
               <a:rPr lang="ko-KR" altLang="en-US" smtClean="0"/>
-              <a:t>2022-06-07(Tue)</a:t>
+              <a:t>2022-06-08(Wed)</a:t>
             </a:fld>
             <a:endParaRPr lang="ko-KR" altLang="en-US"/>
           </a:p>
@@ -1036,7 +1036,7 @@
           <a:p>
             <a:fld id="{CB6516E8-9AC5-4179-AC4F-A3E331A91671}" type="datetimeFigureOut">
               <a:rPr lang="ko-KR" altLang="en-US" smtClean="0"/>
-              <a:t>2022-06-07(Tue)</a:t>
+              <a:t>2022-06-08(Wed)</a:t>
             </a:fld>
             <a:endParaRPr lang="ko-KR" altLang="en-US"/>
           </a:p>
@@ -1234,7 +1234,7 @@
           <a:p>
             <a:fld id="{CB6516E8-9AC5-4179-AC4F-A3E331A91671}" type="datetimeFigureOut">
               <a:rPr lang="ko-KR" altLang="en-US" smtClean="0"/>
-              <a:t>2022-06-07(Tue)</a:t>
+              <a:t>2022-06-08(Wed)</a:t>
             </a:fld>
             <a:endParaRPr lang="ko-KR" altLang="en-US"/>
           </a:p>
@@ -1442,7 +1442,7 @@
           <a:p>
             <a:fld id="{CB6516E8-9AC5-4179-AC4F-A3E331A91671}" type="datetimeFigureOut">
               <a:rPr lang="ko-KR" altLang="en-US" smtClean="0"/>
-              <a:t>2022-06-07(Tue)</a:t>
+              <a:t>2022-06-08(Wed)</a:t>
             </a:fld>
             <a:endParaRPr lang="ko-KR" altLang="en-US"/>
           </a:p>
@@ -1892,7 +1892,7 @@
           <a:p>
             <a:fld id="{CB6516E8-9AC5-4179-AC4F-A3E331A91671}" type="datetimeFigureOut">
               <a:rPr lang="ko-KR" altLang="en-US" smtClean="0"/>
-              <a:t>2022-06-07(Tue)</a:t>
+              <a:t>2022-06-08(Wed)</a:t>
             </a:fld>
             <a:endParaRPr lang="ko-KR" altLang="en-US"/>
           </a:p>
@@ -2167,7 +2167,7 @@
           <a:p>
             <a:fld id="{CB6516E8-9AC5-4179-AC4F-A3E331A91671}" type="datetimeFigureOut">
               <a:rPr lang="ko-KR" altLang="en-US" smtClean="0"/>
-              <a:t>2022-06-07(Tue)</a:t>
+              <a:t>2022-06-08(Wed)</a:t>
             </a:fld>
             <a:endParaRPr lang="ko-KR" altLang="en-US"/>
           </a:p>
@@ -2432,7 +2432,7 @@
           <a:p>
             <a:fld id="{CB6516E8-9AC5-4179-AC4F-A3E331A91671}" type="datetimeFigureOut">
               <a:rPr lang="ko-KR" altLang="en-US" smtClean="0"/>
-              <a:t>2022-06-07(Tue)</a:t>
+              <a:t>2022-06-08(Wed)</a:t>
             </a:fld>
             <a:endParaRPr lang="ko-KR" altLang="en-US"/>
           </a:p>
@@ -2844,7 +2844,7 @@
           <a:p>
             <a:fld id="{CB6516E8-9AC5-4179-AC4F-A3E331A91671}" type="datetimeFigureOut">
               <a:rPr lang="ko-KR" altLang="en-US" smtClean="0"/>
-              <a:t>2022-06-07(Tue)</a:t>
+              <a:t>2022-06-08(Wed)</a:t>
             </a:fld>
             <a:endParaRPr lang="ko-KR" altLang="en-US"/>
           </a:p>
@@ -2985,7 +2985,7 @@
           <a:p>
             <a:fld id="{CB6516E8-9AC5-4179-AC4F-A3E331A91671}" type="datetimeFigureOut">
               <a:rPr lang="ko-KR" altLang="en-US" smtClean="0"/>
-              <a:t>2022-06-07(Tue)</a:t>
+              <a:t>2022-06-08(Wed)</a:t>
             </a:fld>
             <a:endParaRPr lang="ko-KR" altLang="en-US"/>
           </a:p>
@@ -3098,7 +3098,7 @@
           <a:p>
             <a:fld id="{CB6516E8-9AC5-4179-AC4F-A3E331A91671}" type="datetimeFigureOut">
               <a:rPr lang="ko-KR" altLang="en-US" smtClean="0"/>
-              <a:t>2022-06-07(Tue)</a:t>
+              <a:t>2022-06-08(Wed)</a:t>
             </a:fld>
             <a:endParaRPr lang="ko-KR" altLang="en-US"/>
           </a:p>
@@ -3409,7 +3409,7 @@
           <a:p>
             <a:fld id="{CB6516E8-9AC5-4179-AC4F-A3E331A91671}" type="datetimeFigureOut">
               <a:rPr lang="ko-KR" altLang="en-US" smtClean="0"/>
-              <a:t>2022-06-07(Tue)</a:t>
+              <a:t>2022-06-08(Wed)</a:t>
             </a:fld>
             <a:endParaRPr lang="ko-KR" altLang="en-US"/>
           </a:p>
@@ -3697,7 +3697,7 @@
           <a:p>
             <a:fld id="{CB6516E8-9AC5-4179-AC4F-A3E331A91671}" type="datetimeFigureOut">
               <a:rPr lang="ko-KR" altLang="en-US" smtClean="0"/>
-              <a:t>2022-06-07(Tue)</a:t>
+              <a:t>2022-06-08(Wed)</a:t>
             </a:fld>
             <a:endParaRPr lang="ko-KR" altLang="en-US"/>
           </a:p>
@@ -3938,7 +3938,7 @@
           <a:p>
             <a:fld id="{CB6516E8-9AC5-4179-AC4F-A3E331A91671}" type="datetimeFigureOut">
               <a:rPr lang="ko-KR" altLang="en-US" smtClean="0"/>
-              <a:t>2022-06-07(Tue)</a:t>
+              <a:t>2022-06-08(Wed)</a:t>
             </a:fld>
             <a:endParaRPr lang="ko-KR" altLang="en-US"/>
           </a:p>
@@ -21909,7 +21909,7 @@
         </p:blipFill>
         <p:spPr>
           <a:xfrm>
-            <a:off x="3469463" y="1290101"/>
+            <a:off x="3465669" y="1290101"/>
             <a:ext cx="8068164" cy="5101118"/>
           </a:xfrm>
           <a:prstGeom prst="rect">
@@ -22046,7 +22046,7 @@
             <a:lstStyle/>
             <a:p>
               <a:pPr algn="ctr"/>
-              <a:endParaRPr lang="ko-KR" altLang="en-US"/>
+              <a:endParaRPr lang="ko-KR" altLang="en-US" dirty="0"/>
             </a:p>
           </p:txBody>
         </p:sp>
@@ -23167,6 +23167,1207 @@
                 </a:effectLst>
               </a:rPr>
               <a:t>.</a:t>
+            </a:r>
+          </a:p>
+        </p:txBody>
+      </p:sp>
+      <p:sp>
+        <p:nvSpPr>
+          <p:cNvPr id="30" name="직사각형 29">
+            <a:extLst>
+              <a:ext uri="{FF2B5EF4-FFF2-40B4-BE49-F238E27FC236}">
+                <a16:creationId xmlns:a16="http://schemas.microsoft.com/office/drawing/2014/main" id="{7B54D1D9-FF9C-FA9D-94F0-6C9D213D48CF}"/>
+              </a:ext>
+            </a:extLst>
+          </p:cNvPr>
+          <p:cNvSpPr/>
+          <p:nvPr/>
+        </p:nvSpPr>
+        <p:spPr>
+          <a:xfrm>
+            <a:off x="10170142" y="423867"/>
+            <a:ext cx="1440638" cy="795189"/>
+          </a:xfrm>
+          <a:prstGeom prst="rect">
+            <a:avLst/>
+          </a:prstGeom>
+          <a:solidFill>
+            <a:schemeClr val="accent2">
+              <a:lumMod val="60000"/>
+              <a:lumOff val="40000"/>
+            </a:schemeClr>
+          </a:solidFill>
+        </p:spPr>
+        <p:style>
+          <a:lnRef idx="2">
+            <a:schemeClr val="accent1">
+              <a:shade val="50000"/>
+            </a:schemeClr>
+          </a:lnRef>
+          <a:fillRef idx="1">
+            <a:schemeClr val="accent1"/>
+          </a:fillRef>
+          <a:effectRef idx="0">
+            <a:schemeClr val="accent1"/>
+          </a:effectRef>
+          <a:fontRef idx="minor">
+            <a:schemeClr val="lt1"/>
+          </a:fontRef>
+        </p:style>
+        <p:txBody>
+          <a:bodyPr rtlCol="0" anchor="ctr"/>
+          <a:lstStyle/>
+          <a:p>
+            <a:pPr algn="ctr"/>
+            <a:endParaRPr lang="ko-KR" altLang="en-US" dirty="0"/>
+          </a:p>
+        </p:txBody>
+      </p:sp>
+      <p:cxnSp>
+        <p:nvCxnSpPr>
+          <p:cNvPr id="3" name="직선 화살표 연결선 2">
+            <a:extLst>
+              <a:ext uri="{FF2B5EF4-FFF2-40B4-BE49-F238E27FC236}">
+                <a16:creationId xmlns:a16="http://schemas.microsoft.com/office/drawing/2014/main" id="{C0A9C8BB-899D-0D6E-F5A8-0659A3EE4D1E}"/>
+              </a:ext>
+            </a:extLst>
+          </p:cNvPr>
+          <p:cNvCxnSpPr>
+            <a:cxnSpLocks/>
+            <a:endCxn id="30" idx="2"/>
+          </p:cNvCxnSpPr>
+          <p:nvPr/>
+        </p:nvCxnSpPr>
+        <p:spPr>
+          <a:xfrm flipV="1">
+            <a:off x="10425953" y="1219056"/>
+            <a:ext cx="464508" cy="655087"/>
+          </a:xfrm>
+          <a:prstGeom prst="straightConnector1">
+            <a:avLst/>
+          </a:prstGeom>
+          <a:ln>
+            <a:tailEnd type="triangle"/>
+          </a:ln>
+        </p:spPr>
+        <p:style>
+          <a:lnRef idx="1">
+            <a:schemeClr val="dk1"/>
+          </a:lnRef>
+          <a:fillRef idx="0">
+            <a:schemeClr val="dk1"/>
+          </a:fillRef>
+          <a:effectRef idx="0">
+            <a:schemeClr val="dk1"/>
+          </a:effectRef>
+          <a:fontRef idx="minor">
+            <a:schemeClr val="tx1"/>
+          </a:fontRef>
+        </p:style>
+      </p:cxnSp>
+      <p:pic>
+        <p:nvPicPr>
+          <p:cNvPr id="16" name="그림 15">
+            <a:extLst>
+              <a:ext uri="{FF2B5EF4-FFF2-40B4-BE49-F238E27FC236}">
+                <a16:creationId xmlns:a16="http://schemas.microsoft.com/office/drawing/2014/main" id="{4D160AA1-8D5F-FC30-AAD1-4F27CB3EFF6D}"/>
+              </a:ext>
+            </a:extLst>
+          </p:cNvPr>
+          <p:cNvPicPr>
+            <a:picLocks noChangeAspect="1"/>
+          </p:cNvPicPr>
+          <p:nvPr/>
+        </p:nvPicPr>
+        <p:blipFill>
+          <a:blip r:embed="rId6">
+            <a:extLst>
+              <a:ext uri="{BEBA8EAE-BF5A-486C-A8C5-ECC9F3942E4B}">
+                <a14:imgProps xmlns:a14="http://schemas.microsoft.com/office/drawing/2010/main">
+                  <a14:imgLayer r:embed="rId7">
+                    <a14:imgEffect>
+                      <a14:backgroundRemoval t="10000" b="90000" l="10000" r="90000">
+                        <a14:foregroundMark x1="13953" y1="23596" x2="13953" y2="23596"/>
+                        <a14:foregroundMark x1="14729" y1="24719" x2="14729" y2="24719"/>
+                        <a14:foregroundMark x1="17829" y1="24719" x2="17829" y2="24719"/>
+                        <a14:foregroundMark x1="10078" y1="24719" x2="10078" y2="24719"/>
+                        <a14:foregroundMark x1="82946" y1="24719" x2="82946" y2="24719"/>
+                        <a14:foregroundMark x1="86822" y1="23596" x2="86822" y2="23596"/>
+                      </a14:backgroundRemoval>
+                    </a14:imgEffect>
+                  </a14:imgLayer>
+                </a14:imgProps>
+              </a:ext>
+            </a:extLst>
+          </a:blip>
+          <a:stretch>
+            <a:fillRect/>
+          </a:stretch>
+        </p:blipFill>
+        <p:spPr>
+          <a:xfrm>
+            <a:off x="10229734" y="717819"/>
+            <a:ext cx="344202" cy="237473"/>
+          </a:xfrm>
+          <a:prstGeom prst="rect">
+            <a:avLst/>
+          </a:prstGeom>
+        </p:spPr>
+      </p:pic>
+      <p:pic>
+        <p:nvPicPr>
+          <p:cNvPr id="37" name="그림 36">
+            <a:extLst>
+              <a:ext uri="{FF2B5EF4-FFF2-40B4-BE49-F238E27FC236}">
+                <a16:creationId xmlns:a16="http://schemas.microsoft.com/office/drawing/2014/main" id="{4FB0E691-3262-236F-6363-EEEDA8ECE0F9}"/>
+              </a:ext>
+            </a:extLst>
+          </p:cNvPr>
+          <p:cNvPicPr>
+            <a:picLocks noChangeAspect="1"/>
+          </p:cNvPicPr>
+          <p:nvPr/>
+        </p:nvPicPr>
+        <p:blipFill>
+          <a:blip r:embed="rId6">
+            <a:extLst>
+              <a:ext uri="{BEBA8EAE-BF5A-486C-A8C5-ECC9F3942E4B}">
+                <a14:imgProps xmlns:a14="http://schemas.microsoft.com/office/drawing/2010/main">
+                  <a14:imgLayer r:embed="rId7">
+                    <a14:imgEffect>
+                      <a14:backgroundRemoval t="10000" b="90000" l="10000" r="90000">
+                        <a14:foregroundMark x1="13953" y1="23596" x2="13953" y2="23596"/>
+                        <a14:foregroundMark x1="14729" y1="24719" x2="14729" y2="24719"/>
+                        <a14:foregroundMark x1="17829" y1="24719" x2="17829" y2="24719"/>
+                        <a14:foregroundMark x1="10078" y1="24719" x2="10078" y2="24719"/>
+                        <a14:foregroundMark x1="82946" y1="24719" x2="82946" y2="24719"/>
+                        <a14:foregroundMark x1="86822" y1="23596" x2="86822" y2="23596"/>
+                      </a14:backgroundRemoval>
+                    </a14:imgEffect>
+                  </a14:imgLayer>
+                </a14:imgProps>
+              </a:ext>
+            </a:extLst>
+          </a:blip>
+          <a:stretch>
+            <a:fillRect/>
+          </a:stretch>
+        </p:blipFill>
+        <p:spPr>
+          <a:xfrm>
+            <a:off x="10392838" y="843569"/>
+            <a:ext cx="344202" cy="283622"/>
+          </a:xfrm>
+          <a:prstGeom prst="rect">
+            <a:avLst/>
+          </a:prstGeom>
+        </p:spPr>
+      </p:pic>
+      <p:pic>
+        <p:nvPicPr>
+          <p:cNvPr id="40" name="그림 39">
+            <a:extLst>
+              <a:ext uri="{FF2B5EF4-FFF2-40B4-BE49-F238E27FC236}">
+                <a16:creationId xmlns:a16="http://schemas.microsoft.com/office/drawing/2014/main" id="{F7740FBB-AEBB-447B-C478-E57BC675B814}"/>
+              </a:ext>
+            </a:extLst>
+          </p:cNvPr>
+          <p:cNvPicPr>
+            <a:picLocks noChangeAspect="1"/>
+          </p:cNvPicPr>
+          <p:nvPr/>
+        </p:nvPicPr>
+        <p:blipFill>
+          <a:blip r:embed="rId6">
+            <a:extLst>
+              <a:ext uri="{BEBA8EAE-BF5A-486C-A8C5-ECC9F3942E4B}">
+                <a14:imgProps xmlns:a14="http://schemas.microsoft.com/office/drawing/2010/main">
+                  <a14:imgLayer r:embed="rId7">
+                    <a14:imgEffect>
+                      <a14:backgroundRemoval t="10000" b="90000" l="10000" r="90000">
+                        <a14:foregroundMark x1="13953" y1="23596" x2="13953" y2="23596"/>
+                        <a14:foregroundMark x1="14729" y1="24719" x2="14729" y2="24719"/>
+                        <a14:foregroundMark x1="17829" y1="24719" x2="17829" y2="24719"/>
+                        <a14:foregroundMark x1="10078" y1="24719" x2="10078" y2="24719"/>
+                        <a14:foregroundMark x1="82946" y1="24719" x2="82946" y2="24719"/>
+                        <a14:foregroundMark x1="86822" y1="23596" x2="86822" y2="23596"/>
+                      </a14:backgroundRemoval>
+                    </a14:imgEffect>
+                  </a14:imgLayer>
+                </a14:imgProps>
+              </a:ext>
+            </a:extLst>
+          </a:blip>
+          <a:stretch>
+            <a:fillRect/>
+          </a:stretch>
+        </p:blipFill>
+        <p:spPr>
+          <a:xfrm>
+            <a:off x="10707842" y="921407"/>
+            <a:ext cx="344202" cy="283622"/>
+          </a:xfrm>
+          <a:prstGeom prst="rect">
+            <a:avLst/>
+          </a:prstGeom>
+        </p:spPr>
+      </p:pic>
+      <p:pic>
+        <p:nvPicPr>
+          <p:cNvPr id="45" name="그림 44">
+            <a:extLst>
+              <a:ext uri="{FF2B5EF4-FFF2-40B4-BE49-F238E27FC236}">
+                <a16:creationId xmlns:a16="http://schemas.microsoft.com/office/drawing/2014/main" id="{A4C0376B-C4AC-F363-27FA-97CED71EAB54}"/>
+              </a:ext>
+            </a:extLst>
+          </p:cNvPr>
+          <p:cNvPicPr>
+            <a:picLocks noChangeAspect="1"/>
+          </p:cNvPicPr>
+          <p:nvPr/>
+        </p:nvPicPr>
+        <p:blipFill>
+          <a:blip r:embed="rId6">
+            <a:extLst>
+              <a:ext uri="{BEBA8EAE-BF5A-486C-A8C5-ECC9F3942E4B}">
+                <a14:imgProps xmlns:a14="http://schemas.microsoft.com/office/drawing/2010/main">
+                  <a14:imgLayer r:embed="rId7">
+                    <a14:imgEffect>
+                      <a14:backgroundRemoval t="10000" b="90000" l="10000" r="90000">
+                        <a14:foregroundMark x1="13953" y1="23596" x2="13953" y2="23596"/>
+                        <a14:foregroundMark x1="14729" y1="24719" x2="14729" y2="24719"/>
+                        <a14:foregroundMark x1="17829" y1="24719" x2="17829" y2="24719"/>
+                        <a14:foregroundMark x1="10078" y1="24719" x2="10078" y2="24719"/>
+                        <a14:foregroundMark x1="82946" y1="24719" x2="82946" y2="24719"/>
+                        <a14:foregroundMark x1="86822" y1="23596" x2="86822" y2="23596"/>
+                      </a14:backgroundRemoval>
+                    </a14:imgEffect>
+                  </a14:imgLayer>
+                </a14:imgProps>
+              </a:ext>
+            </a:extLst>
+          </a:blip>
+          <a:stretch>
+            <a:fillRect/>
+          </a:stretch>
+        </p:blipFill>
+        <p:spPr>
+          <a:xfrm>
+            <a:off x="11010806" y="843568"/>
+            <a:ext cx="344202" cy="283622"/>
+          </a:xfrm>
+          <a:prstGeom prst="rect">
+            <a:avLst/>
+          </a:prstGeom>
+        </p:spPr>
+      </p:pic>
+      <p:pic>
+        <p:nvPicPr>
+          <p:cNvPr id="46" name="그림 45">
+            <a:extLst>
+              <a:ext uri="{FF2B5EF4-FFF2-40B4-BE49-F238E27FC236}">
+                <a16:creationId xmlns:a16="http://schemas.microsoft.com/office/drawing/2014/main" id="{053A5EE8-C00C-86AB-A673-DD1EDE37DB36}"/>
+              </a:ext>
+            </a:extLst>
+          </p:cNvPr>
+          <p:cNvPicPr>
+            <a:picLocks noChangeAspect="1"/>
+          </p:cNvPicPr>
+          <p:nvPr/>
+        </p:nvPicPr>
+        <p:blipFill>
+          <a:blip r:embed="rId6">
+            <a:extLst>
+              <a:ext uri="{BEBA8EAE-BF5A-486C-A8C5-ECC9F3942E4B}">
+                <a14:imgProps xmlns:a14="http://schemas.microsoft.com/office/drawing/2010/main">
+                  <a14:imgLayer r:embed="rId7">
+                    <a14:imgEffect>
+                      <a14:backgroundRemoval t="10000" b="90000" l="10000" r="90000">
+                        <a14:foregroundMark x1="13953" y1="23596" x2="13953" y2="23596"/>
+                        <a14:foregroundMark x1="14729" y1="24719" x2="14729" y2="24719"/>
+                        <a14:foregroundMark x1="17829" y1="24719" x2="17829" y2="24719"/>
+                        <a14:foregroundMark x1="10078" y1="24719" x2="10078" y2="24719"/>
+                        <a14:foregroundMark x1="82946" y1="24719" x2="82946" y2="24719"/>
+                        <a14:foregroundMark x1="86822" y1="23596" x2="86822" y2="23596"/>
+                      </a14:backgroundRemoval>
+                    </a14:imgEffect>
+                  </a14:imgLayer>
+                </a14:imgProps>
+              </a:ext>
+            </a:extLst>
+          </a:blip>
+          <a:stretch>
+            <a:fillRect/>
+          </a:stretch>
+        </p:blipFill>
+        <p:spPr>
+          <a:xfrm>
+            <a:off x="11266578" y="721437"/>
+            <a:ext cx="344202" cy="283622"/>
+          </a:xfrm>
+          <a:prstGeom prst="rect">
+            <a:avLst/>
+          </a:prstGeom>
+        </p:spPr>
+      </p:pic>
+      <p:sp>
+        <p:nvSpPr>
+          <p:cNvPr id="17" name="순서도: 수동 연산 16">
+            <a:extLst>
+              <a:ext uri="{FF2B5EF4-FFF2-40B4-BE49-F238E27FC236}">
+                <a16:creationId xmlns:a16="http://schemas.microsoft.com/office/drawing/2014/main" id="{CCBFB715-27E5-EF13-482C-705E0331617D}"/>
+              </a:ext>
+            </a:extLst>
+          </p:cNvPr>
+          <p:cNvSpPr/>
+          <p:nvPr/>
+        </p:nvSpPr>
+        <p:spPr>
+          <a:xfrm>
+            <a:off x="10261067" y="770856"/>
+            <a:ext cx="239509" cy="151680"/>
+          </a:xfrm>
+          <a:prstGeom prst="flowChartManualOperation">
+            <a:avLst/>
+          </a:prstGeom>
+        </p:spPr>
+        <p:style>
+          <a:lnRef idx="2">
+            <a:schemeClr val="accent1">
+              <a:shade val="50000"/>
+            </a:schemeClr>
+          </a:lnRef>
+          <a:fillRef idx="1">
+            <a:schemeClr val="accent1"/>
+          </a:fillRef>
+          <a:effectRef idx="0">
+            <a:schemeClr val="accent1"/>
+          </a:effectRef>
+          <a:fontRef idx="minor">
+            <a:schemeClr val="lt1"/>
+          </a:fontRef>
+        </p:style>
+        <p:txBody>
+          <a:bodyPr rtlCol="0" anchor="ctr"/>
+          <a:lstStyle/>
+          <a:p>
+            <a:pPr algn="ctr"/>
+            <a:endParaRPr lang="ko-KR" altLang="en-US"/>
+          </a:p>
+        </p:txBody>
+      </p:sp>
+      <p:sp>
+        <p:nvSpPr>
+          <p:cNvPr id="27" name="TextBox 26">
+            <a:extLst>
+              <a:ext uri="{FF2B5EF4-FFF2-40B4-BE49-F238E27FC236}">
+                <a16:creationId xmlns:a16="http://schemas.microsoft.com/office/drawing/2014/main" id="{F698520E-E6B0-EC19-855B-024E0BCA2909}"/>
+              </a:ext>
+            </a:extLst>
+          </p:cNvPr>
+          <p:cNvSpPr txBox="1"/>
+          <p:nvPr/>
+        </p:nvSpPr>
+        <p:spPr>
+          <a:xfrm>
+            <a:off x="10809418" y="1598855"/>
+            <a:ext cx="2560316" cy="1061829"/>
+          </a:xfrm>
+          <a:prstGeom prst="rect">
+            <a:avLst/>
+          </a:prstGeom>
+          <a:noFill/>
+        </p:spPr>
+        <p:txBody>
+          <a:bodyPr wrap="none" rtlCol="0">
+            <a:spAutoFit/>
+          </a:bodyPr>
+          <a:lstStyle/>
+          <a:p>
+            <a:r>
+              <a:rPr lang="ko-KR" altLang="en-US" sz="900" dirty="0"/>
+              <a:t>물을 총 모아야하는 양의 </a:t>
+            </a:r>
+            <a:endParaRPr lang="en-US" altLang="ko-KR" sz="900" dirty="0"/>
+          </a:p>
+          <a:p>
+            <a:r>
+              <a:rPr lang="en-US" altLang="ko-KR" sz="900" dirty="0"/>
+              <a:t>5</a:t>
+            </a:r>
+            <a:r>
+              <a:rPr lang="ko-KR" altLang="en-US" sz="900" dirty="0"/>
+              <a:t>분의 </a:t>
+            </a:r>
+            <a:r>
+              <a:rPr lang="en-US" altLang="ko-KR" sz="900" dirty="0"/>
+              <a:t>1</a:t>
+            </a:r>
+            <a:r>
+              <a:rPr lang="ko-KR" altLang="en-US" sz="900" dirty="0"/>
+              <a:t>씩 나누어 양동이에 </a:t>
+            </a:r>
+            <a:endParaRPr lang="en-US" altLang="ko-KR" sz="900" dirty="0"/>
+          </a:p>
+          <a:p>
+            <a:r>
+              <a:rPr lang="ko-KR" altLang="en-US" sz="900" dirty="0"/>
+              <a:t>나누어 담는다</a:t>
+            </a:r>
+            <a:r>
+              <a:rPr lang="en-US" altLang="ko-KR" sz="900" dirty="0"/>
+              <a:t>.</a:t>
+            </a:r>
+          </a:p>
+          <a:p>
+            <a:endParaRPr lang="en-US" altLang="ko-KR" sz="900" dirty="0"/>
+          </a:p>
+          <a:p>
+            <a:r>
+              <a:rPr lang="en-US" altLang="ko-KR" sz="900" dirty="0"/>
+              <a:t>-   </a:t>
+            </a:r>
+            <a:r>
+              <a:rPr lang="ko-KR" altLang="en-US" sz="900" dirty="0"/>
+              <a:t>패널에는 넣은 물에 따라 올라간다</a:t>
+            </a:r>
+            <a:r>
+              <a:rPr lang="en-US" altLang="ko-KR" sz="900" dirty="0"/>
+              <a:t>.</a:t>
+            </a:r>
+          </a:p>
+          <a:p>
+            <a:endParaRPr lang="en-US" altLang="ko-KR" sz="900" dirty="0"/>
+          </a:p>
+          <a:p>
+            <a:pPr marL="171450" indent="-171450">
+              <a:buFontTx/>
+              <a:buChar char="-"/>
+            </a:pPr>
+            <a:r>
+              <a:rPr lang="ko-KR" altLang="en-US" sz="900" dirty="0"/>
+              <a:t>실제 </a:t>
+            </a:r>
+            <a:r>
+              <a:rPr lang="ko-KR" altLang="en-US" sz="900" dirty="0" err="1"/>
+              <a:t>맵에는</a:t>
+            </a:r>
+            <a:r>
+              <a:rPr lang="ko-KR" altLang="en-US" sz="900" dirty="0"/>
+              <a:t> 한 양동이가 다 차면 업데이트</a:t>
+            </a:r>
+          </a:p>
+        </p:txBody>
+      </p:sp>
+      <p:sp>
+        <p:nvSpPr>
+          <p:cNvPr id="47" name="직사각형 46">
+            <a:extLst>
+              <a:ext uri="{FF2B5EF4-FFF2-40B4-BE49-F238E27FC236}">
+                <a16:creationId xmlns:a16="http://schemas.microsoft.com/office/drawing/2014/main" id="{D6ECFD69-619E-BBE7-66AD-E0AFF390E4B4}"/>
+              </a:ext>
+            </a:extLst>
+          </p:cNvPr>
+          <p:cNvSpPr/>
+          <p:nvPr/>
+        </p:nvSpPr>
+        <p:spPr>
+          <a:xfrm>
+            <a:off x="8149104" y="6064669"/>
+            <a:ext cx="1440638" cy="795189"/>
+          </a:xfrm>
+          <a:prstGeom prst="rect">
+            <a:avLst/>
+          </a:prstGeom>
+          <a:solidFill>
+            <a:schemeClr val="accent2">
+              <a:lumMod val="60000"/>
+              <a:lumOff val="40000"/>
+            </a:schemeClr>
+          </a:solidFill>
+        </p:spPr>
+        <p:style>
+          <a:lnRef idx="2">
+            <a:schemeClr val="accent1">
+              <a:shade val="50000"/>
+            </a:schemeClr>
+          </a:lnRef>
+          <a:fillRef idx="1">
+            <a:schemeClr val="accent1"/>
+          </a:fillRef>
+          <a:effectRef idx="0">
+            <a:schemeClr val="accent1"/>
+          </a:effectRef>
+          <a:fontRef idx="minor">
+            <a:schemeClr val="lt1"/>
+          </a:fontRef>
+        </p:style>
+        <p:txBody>
+          <a:bodyPr rtlCol="0" anchor="ctr"/>
+          <a:lstStyle/>
+          <a:p>
+            <a:pPr algn="ctr"/>
+            <a:endParaRPr lang="ko-KR" altLang="en-US" dirty="0"/>
+          </a:p>
+        </p:txBody>
+      </p:sp>
+      <p:sp>
+        <p:nvSpPr>
+          <p:cNvPr id="49" name="사각형: 둥근 모서리 48">
+            <a:extLst>
+              <a:ext uri="{FF2B5EF4-FFF2-40B4-BE49-F238E27FC236}">
+                <a16:creationId xmlns:a16="http://schemas.microsoft.com/office/drawing/2014/main" id="{DCAD106F-14B0-C228-E3C3-1E662A6D5473}"/>
+              </a:ext>
+            </a:extLst>
+          </p:cNvPr>
+          <p:cNvSpPr/>
+          <p:nvPr/>
+        </p:nvSpPr>
+        <p:spPr>
+          <a:xfrm>
+            <a:off x="9149926" y="6336050"/>
+            <a:ext cx="169703" cy="521950"/>
+          </a:xfrm>
+          <a:prstGeom prst="roundRect">
+            <a:avLst/>
+          </a:prstGeom>
+          <a:solidFill>
+            <a:schemeClr val="bg1">
+              <a:lumMod val="50000"/>
+            </a:schemeClr>
+          </a:solidFill>
+          <a:ln>
+            <a:solidFill>
+              <a:schemeClr val="tx1"/>
+            </a:solidFill>
+          </a:ln>
+        </p:spPr>
+        <p:style>
+          <a:lnRef idx="2">
+            <a:schemeClr val="accent1">
+              <a:shade val="50000"/>
+            </a:schemeClr>
+          </a:lnRef>
+          <a:fillRef idx="1">
+            <a:schemeClr val="accent1"/>
+          </a:fillRef>
+          <a:effectRef idx="0">
+            <a:schemeClr val="accent1"/>
+          </a:effectRef>
+          <a:fontRef idx="minor">
+            <a:schemeClr val="lt1"/>
+          </a:fontRef>
+        </p:style>
+        <p:txBody>
+          <a:bodyPr rtlCol="0" anchor="ctr"/>
+          <a:lstStyle/>
+          <a:p>
+            <a:pPr algn="ctr"/>
+            <a:endParaRPr lang="ko-KR" altLang="en-US"/>
+          </a:p>
+        </p:txBody>
+      </p:sp>
+      <p:sp>
+        <p:nvSpPr>
+          <p:cNvPr id="50" name="사각형: 둥근 모서리 49">
+            <a:extLst>
+              <a:ext uri="{FF2B5EF4-FFF2-40B4-BE49-F238E27FC236}">
+                <a16:creationId xmlns:a16="http://schemas.microsoft.com/office/drawing/2014/main" id="{0399B556-81FF-E54B-4734-A791697BA10F}"/>
+              </a:ext>
+            </a:extLst>
+          </p:cNvPr>
+          <p:cNvSpPr/>
+          <p:nvPr/>
+        </p:nvSpPr>
+        <p:spPr>
+          <a:xfrm>
+            <a:off x="8404672" y="6336050"/>
+            <a:ext cx="169703" cy="521950"/>
+          </a:xfrm>
+          <a:prstGeom prst="roundRect">
+            <a:avLst/>
+          </a:prstGeom>
+          <a:solidFill>
+            <a:schemeClr val="bg1">
+              <a:lumMod val="50000"/>
+            </a:schemeClr>
+          </a:solidFill>
+          <a:ln>
+            <a:solidFill>
+              <a:schemeClr val="tx1"/>
+            </a:solidFill>
+          </a:ln>
+        </p:spPr>
+        <p:style>
+          <a:lnRef idx="2">
+            <a:schemeClr val="accent1">
+              <a:shade val="50000"/>
+            </a:schemeClr>
+          </a:lnRef>
+          <a:fillRef idx="1">
+            <a:schemeClr val="accent1"/>
+          </a:fillRef>
+          <a:effectRef idx="0">
+            <a:schemeClr val="accent1"/>
+          </a:effectRef>
+          <a:fontRef idx="minor">
+            <a:schemeClr val="lt1"/>
+          </a:fontRef>
+        </p:style>
+        <p:txBody>
+          <a:bodyPr rtlCol="0" anchor="ctr"/>
+          <a:lstStyle/>
+          <a:p>
+            <a:pPr algn="ctr"/>
+            <a:endParaRPr lang="ko-KR" altLang="en-US"/>
+          </a:p>
+        </p:txBody>
+      </p:sp>
+      <p:sp>
+        <p:nvSpPr>
+          <p:cNvPr id="51" name="사각형: 둥근 모서리 50">
+            <a:extLst>
+              <a:ext uri="{FF2B5EF4-FFF2-40B4-BE49-F238E27FC236}">
+                <a16:creationId xmlns:a16="http://schemas.microsoft.com/office/drawing/2014/main" id="{78C492BC-5BF3-53DB-E128-B009DC4BA6E6}"/>
+              </a:ext>
+            </a:extLst>
+          </p:cNvPr>
+          <p:cNvSpPr/>
+          <p:nvPr/>
+        </p:nvSpPr>
+        <p:spPr>
+          <a:xfrm>
+            <a:off x="8784571" y="6336050"/>
+            <a:ext cx="169703" cy="521950"/>
+          </a:xfrm>
+          <a:prstGeom prst="roundRect">
+            <a:avLst/>
+          </a:prstGeom>
+          <a:solidFill>
+            <a:schemeClr val="bg1">
+              <a:lumMod val="50000"/>
+            </a:schemeClr>
+          </a:solidFill>
+          <a:ln>
+            <a:solidFill>
+              <a:schemeClr val="tx1"/>
+            </a:solidFill>
+          </a:ln>
+        </p:spPr>
+        <p:style>
+          <a:lnRef idx="2">
+            <a:schemeClr val="accent1">
+              <a:shade val="50000"/>
+            </a:schemeClr>
+          </a:lnRef>
+          <a:fillRef idx="1">
+            <a:schemeClr val="accent1"/>
+          </a:fillRef>
+          <a:effectRef idx="0">
+            <a:schemeClr val="accent1"/>
+          </a:effectRef>
+          <a:fontRef idx="minor">
+            <a:schemeClr val="lt1"/>
+          </a:fontRef>
+        </p:style>
+        <p:txBody>
+          <a:bodyPr rtlCol="0" anchor="ctr"/>
+          <a:lstStyle/>
+          <a:p>
+            <a:pPr algn="ctr"/>
+            <a:endParaRPr lang="ko-KR" altLang="en-US"/>
+          </a:p>
+        </p:txBody>
+      </p:sp>
+      <p:sp>
+        <p:nvSpPr>
+          <p:cNvPr id="52" name="직사각형 51">
+            <a:extLst>
+              <a:ext uri="{FF2B5EF4-FFF2-40B4-BE49-F238E27FC236}">
+                <a16:creationId xmlns:a16="http://schemas.microsoft.com/office/drawing/2014/main" id="{D591A03E-39C5-188D-0DA5-96761D36FC02}"/>
+              </a:ext>
+            </a:extLst>
+          </p:cNvPr>
+          <p:cNvSpPr/>
+          <p:nvPr/>
+        </p:nvSpPr>
+        <p:spPr>
+          <a:xfrm>
+            <a:off x="9204965" y="6336050"/>
+            <a:ext cx="52672" cy="55169"/>
+          </a:xfrm>
+          <a:prstGeom prst="rect">
+            <a:avLst/>
+          </a:prstGeom>
+          <a:solidFill>
+            <a:schemeClr val="bg1">
+              <a:lumMod val="75000"/>
+            </a:schemeClr>
+          </a:solidFill>
+          <a:ln>
+            <a:solidFill>
+              <a:schemeClr val="tx1"/>
+            </a:solidFill>
+          </a:ln>
+        </p:spPr>
+        <p:style>
+          <a:lnRef idx="2">
+            <a:schemeClr val="accent1">
+              <a:shade val="50000"/>
+            </a:schemeClr>
+          </a:lnRef>
+          <a:fillRef idx="1">
+            <a:schemeClr val="accent1"/>
+          </a:fillRef>
+          <a:effectRef idx="0">
+            <a:schemeClr val="accent1"/>
+          </a:effectRef>
+          <a:fontRef idx="minor">
+            <a:schemeClr val="lt1"/>
+          </a:fontRef>
+        </p:style>
+        <p:txBody>
+          <a:bodyPr rtlCol="0" anchor="ctr"/>
+          <a:lstStyle/>
+          <a:p>
+            <a:pPr algn="ctr"/>
+            <a:endParaRPr lang="ko-KR" altLang="en-US"/>
+          </a:p>
+        </p:txBody>
+      </p:sp>
+      <p:sp>
+        <p:nvSpPr>
+          <p:cNvPr id="53" name="직사각형 52">
+            <a:extLst>
+              <a:ext uri="{FF2B5EF4-FFF2-40B4-BE49-F238E27FC236}">
+                <a16:creationId xmlns:a16="http://schemas.microsoft.com/office/drawing/2014/main" id="{ECA6D6CF-BF07-D6A9-CA9D-A14E8E343DFE}"/>
+              </a:ext>
+            </a:extLst>
+          </p:cNvPr>
+          <p:cNvSpPr/>
+          <p:nvPr/>
+        </p:nvSpPr>
+        <p:spPr>
+          <a:xfrm>
+            <a:off x="9204965" y="6802831"/>
+            <a:ext cx="52672" cy="55169"/>
+          </a:xfrm>
+          <a:prstGeom prst="rect">
+            <a:avLst/>
+          </a:prstGeom>
+          <a:solidFill>
+            <a:schemeClr val="bg1">
+              <a:lumMod val="75000"/>
+            </a:schemeClr>
+          </a:solidFill>
+          <a:ln>
+            <a:solidFill>
+              <a:schemeClr val="tx1"/>
+            </a:solidFill>
+          </a:ln>
+        </p:spPr>
+        <p:style>
+          <a:lnRef idx="2">
+            <a:schemeClr val="accent1">
+              <a:shade val="50000"/>
+            </a:schemeClr>
+          </a:lnRef>
+          <a:fillRef idx="1">
+            <a:schemeClr val="accent1"/>
+          </a:fillRef>
+          <a:effectRef idx="0">
+            <a:schemeClr val="accent1"/>
+          </a:effectRef>
+          <a:fontRef idx="minor">
+            <a:schemeClr val="lt1"/>
+          </a:fontRef>
+        </p:style>
+        <p:txBody>
+          <a:bodyPr rtlCol="0" anchor="ctr"/>
+          <a:lstStyle/>
+          <a:p>
+            <a:pPr algn="ctr"/>
+            <a:endParaRPr lang="ko-KR" altLang="en-US"/>
+          </a:p>
+        </p:txBody>
+      </p:sp>
+      <p:sp>
+        <p:nvSpPr>
+          <p:cNvPr id="55" name="직사각형 54">
+            <a:extLst>
+              <a:ext uri="{FF2B5EF4-FFF2-40B4-BE49-F238E27FC236}">
+                <a16:creationId xmlns:a16="http://schemas.microsoft.com/office/drawing/2014/main" id="{850E1762-3957-885B-DAB3-C386FA4A9053}"/>
+              </a:ext>
+            </a:extLst>
+          </p:cNvPr>
+          <p:cNvSpPr/>
+          <p:nvPr/>
+        </p:nvSpPr>
+        <p:spPr>
+          <a:xfrm>
+            <a:off x="8839698" y="6334192"/>
+            <a:ext cx="52672" cy="55169"/>
+          </a:xfrm>
+          <a:prstGeom prst="rect">
+            <a:avLst/>
+          </a:prstGeom>
+          <a:solidFill>
+            <a:schemeClr val="bg1">
+              <a:lumMod val="75000"/>
+            </a:schemeClr>
+          </a:solidFill>
+          <a:ln>
+            <a:solidFill>
+              <a:schemeClr val="tx1"/>
+            </a:solidFill>
+          </a:ln>
+        </p:spPr>
+        <p:style>
+          <a:lnRef idx="2">
+            <a:schemeClr val="accent1">
+              <a:shade val="50000"/>
+            </a:schemeClr>
+          </a:lnRef>
+          <a:fillRef idx="1">
+            <a:schemeClr val="accent1"/>
+          </a:fillRef>
+          <a:effectRef idx="0">
+            <a:schemeClr val="accent1"/>
+          </a:effectRef>
+          <a:fontRef idx="minor">
+            <a:schemeClr val="lt1"/>
+          </a:fontRef>
+        </p:style>
+        <p:txBody>
+          <a:bodyPr rtlCol="0" anchor="ctr"/>
+          <a:lstStyle/>
+          <a:p>
+            <a:pPr algn="ctr"/>
+            <a:endParaRPr lang="ko-KR" altLang="en-US"/>
+          </a:p>
+        </p:txBody>
+      </p:sp>
+      <p:sp>
+        <p:nvSpPr>
+          <p:cNvPr id="56" name="직사각형 55">
+            <a:extLst>
+              <a:ext uri="{FF2B5EF4-FFF2-40B4-BE49-F238E27FC236}">
+                <a16:creationId xmlns:a16="http://schemas.microsoft.com/office/drawing/2014/main" id="{D757CED4-FB10-8335-5A41-2BED16FE3E14}"/>
+              </a:ext>
+            </a:extLst>
+          </p:cNvPr>
+          <p:cNvSpPr/>
+          <p:nvPr/>
+        </p:nvSpPr>
+        <p:spPr>
+          <a:xfrm>
+            <a:off x="8839698" y="6800973"/>
+            <a:ext cx="52672" cy="55169"/>
+          </a:xfrm>
+          <a:prstGeom prst="rect">
+            <a:avLst/>
+          </a:prstGeom>
+          <a:solidFill>
+            <a:schemeClr val="bg1">
+              <a:lumMod val="75000"/>
+            </a:schemeClr>
+          </a:solidFill>
+          <a:ln>
+            <a:solidFill>
+              <a:schemeClr val="tx1"/>
+            </a:solidFill>
+          </a:ln>
+        </p:spPr>
+        <p:style>
+          <a:lnRef idx="2">
+            <a:schemeClr val="accent1">
+              <a:shade val="50000"/>
+            </a:schemeClr>
+          </a:lnRef>
+          <a:fillRef idx="1">
+            <a:schemeClr val="accent1"/>
+          </a:fillRef>
+          <a:effectRef idx="0">
+            <a:schemeClr val="accent1"/>
+          </a:effectRef>
+          <a:fontRef idx="minor">
+            <a:schemeClr val="lt1"/>
+          </a:fontRef>
+        </p:style>
+        <p:txBody>
+          <a:bodyPr rtlCol="0" anchor="ctr"/>
+          <a:lstStyle/>
+          <a:p>
+            <a:pPr algn="ctr"/>
+            <a:endParaRPr lang="ko-KR" altLang="en-US"/>
+          </a:p>
+        </p:txBody>
+      </p:sp>
+      <p:sp>
+        <p:nvSpPr>
+          <p:cNvPr id="57" name="직사각형 56">
+            <a:extLst>
+              <a:ext uri="{FF2B5EF4-FFF2-40B4-BE49-F238E27FC236}">
+                <a16:creationId xmlns:a16="http://schemas.microsoft.com/office/drawing/2014/main" id="{540815F3-E746-6AA5-5672-A1F6D46637B2}"/>
+              </a:ext>
+            </a:extLst>
+          </p:cNvPr>
+          <p:cNvSpPr/>
+          <p:nvPr/>
+        </p:nvSpPr>
+        <p:spPr>
+          <a:xfrm>
+            <a:off x="8468243" y="6336050"/>
+            <a:ext cx="52672" cy="55169"/>
+          </a:xfrm>
+          <a:prstGeom prst="rect">
+            <a:avLst/>
+          </a:prstGeom>
+          <a:solidFill>
+            <a:schemeClr val="bg1">
+              <a:lumMod val="75000"/>
+            </a:schemeClr>
+          </a:solidFill>
+          <a:ln>
+            <a:solidFill>
+              <a:schemeClr val="tx1"/>
+            </a:solidFill>
+          </a:ln>
+        </p:spPr>
+        <p:style>
+          <a:lnRef idx="2">
+            <a:schemeClr val="accent1">
+              <a:shade val="50000"/>
+            </a:schemeClr>
+          </a:lnRef>
+          <a:fillRef idx="1">
+            <a:schemeClr val="accent1"/>
+          </a:fillRef>
+          <a:effectRef idx="0">
+            <a:schemeClr val="accent1"/>
+          </a:effectRef>
+          <a:fontRef idx="minor">
+            <a:schemeClr val="lt1"/>
+          </a:fontRef>
+        </p:style>
+        <p:txBody>
+          <a:bodyPr rtlCol="0" anchor="ctr"/>
+          <a:lstStyle/>
+          <a:p>
+            <a:pPr algn="ctr"/>
+            <a:endParaRPr lang="ko-KR" altLang="en-US"/>
+          </a:p>
+        </p:txBody>
+      </p:sp>
+      <p:sp>
+        <p:nvSpPr>
+          <p:cNvPr id="58" name="직사각형 57">
+            <a:extLst>
+              <a:ext uri="{FF2B5EF4-FFF2-40B4-BE49-F238E27FC236}">
+                <a16:creationId xmlns:a16="http://schemas.microsoft.com/office/drawing/2014/main" id="{FDF23E58-5DE7-87D6-70F7-0CB421ECFF4D}"/>
+              </a:ext>
+            </a:extLst>
+          </p:cNvPr>
+          <p:cNvSpPr/>
+          <p:nvPr/>
+        </p:nvSpPr>
+        <p:spPr>
+          <a:xfrm>
+            <a:off x="8468243" y="6802831"/>
+            <a:ext cx="52672" cy="55169"/>
+          </a:xfrm>
+          <a:prstGeom prst="rect">
+            <a:avLst/>
+          </a:prstGeom>
+          <a:solidFill>
+            <a:schemeClr val="bg1">
+              <a:lumMod val="75000"/>
+            </a:schemeClr>
+          </a:solidFill>
+          <a:ln>
+            <a:solidFill>
+              <a:schemeClr val="tx1"/>
+            </a:solidFill>
+          </a:ln>
+        </p:spPr>
+        <p:style>
+          <a:lnRef idx="2">
+            <a:schemeClr val="accent1">
+              <a:shade val="50000"/>
+            </a:schemeClr>
+          </a:lnRef>
+          <a:fillRef idx="1">
+            <a:schemeClr val="accent1"/>
+          </a:fillRef>
+          <a:effectRef idx="0">
+            <a:schemeClr val="accent1"/>
+          </a:effectRef>
+          <a:fontRef idx="minor">
+            <a:schemeClr val="lt1"/>
+          </a:fontRef>
+        </p:style>
+        <p:txBody>
+          <a:bodyPr rtlCol="0" anchor="ctr"/>
+          <a:lstStyle/>
+          <a:p>
+            <a:pPr algn="ctr"/>
+            <a:endParaRPr lang="ko-KR" altLang="en-US"/>
+          </a:p>
+        </p:txBody>
+      </p:sp>
+      <p:sp>
+        <p:nvSpPr>
+          <p:cNvPr id="59" name="사각형: 둥근 모서리 58">
+            <a:extLst>
+              <a:ext uri="{FF2B5EF4-FFF2-40B4-BE49-F238E27FC236}">
+                <a16:creationId xmlns:a16="http://schemas.microsoft.com/office/drawing/2014/main" id="{124349F0-186D-BB77-AB2E-656CE58885F8}"/>
+              </a:ext>
+            </a:extLst>
+          </p:cNvPr>
+          <p:cNvSpPr/>
+          <p:nvPr/>
+        </p:nvSpPr>
+        <p:spPr>
+          <a:xfrm>
+            <a:off x="8439595" y="6373187"/>
+            <a:ext cx="105791" cy="447675"/>
+          </a:xfrm>
+          <a:prstGeom prst="roundRect">
+            <a:avLst/>
+          </a:prstGeom>
+          <a:solidFill>
+            <a:schemeClr val="accent1">
+              <a:lumMod val="60000"/>
+              <a:lumOff val="40000"/>
+            </a:schemeClr>
+          </a:solidFill>
+        </p:spPr>
+        <p:style>
+          <a:lnRef idx="2">
+            <a:schemeClr val="accent1">
+              <a:shade val="50000"/>
+            </a:schemeClr>
+          </a:lnRef>
+          <a:fillRef idx="1">
+            <a:schemeClr val="accent1"/>
+          </a:fillRef>
+          <a:effectRef idx="0">
+            <a:schemeClr val="accent1"/>
+          </a:effectRef>
+          <a:fontRef idx="minor">
+            <a:schemeClr val="lt1"/>
+          </a:fontRef>
+        </p:style>
+        <p:txBody>
+          <a:bodyPr rtlCol="0" anchor="ctr"/>
+          <a:lstStyle/>
+          <a:p>
+            <a:pPr algn="ctr"/>
+            <a:endParaRPr lang="ko-KR" altLang="en-US"/>
+          </a:p>
+        </p:txBody>
+      </p:sp>
+      <p:sp>
+        <p:nvSpPr>
+          <p:cNvPr id="61" name="사각형: 둥근 모서리 60">
+            <a:extLst>
+              <a:ext uri="{FF2B5EF4-FFF2-40B4-BE49-F238E27FC236}">
+                <a16:creationId xmlns:a16="http://schemas.microsoft.com/office/drawing/2014/main" id="{D5840FFB-459C-16E4-9D11-B865A4237160}"/>
+              </a:ext>
+            </a:extLst>
+          </p:cNvPr>
+          <p:cNvSpPr/>
+          <p:nvPr/>
+        </p:nvSpPr>
+        <p:spPr>
+          <a:xfrm>
+            <a:off x="9178405" y="6372259"/>
+            <a:ext cx="105791" cy="447675"/>
+          </a:xfrm>
+          <a:prstGeom prst="roundRect">
+            <a:avLst/>
+          </a:prstGeom>
+          <a:solidFill>
+            <a:schemeClr val="accent1">
+              <a:lumMod val="60000"/>
+              <a:lumOff val="40000"/>
+            </a:schemeClr>
+          </a:solidFill>
+        </p:spPr>
+        <p:style>
+          <a:lnRef idx="2">
+            <a:schemeClr val="accent1">
+              <a:shade val="50000"/>
+            </a:schemeClr>
+          </a:lnRef>
+          <a:fillRef idx="1">
+            <a:schemeClr val="accent1"/>
+          </a:fillRef>
+          <a:effectRef idx="0">
+            <a:schemeClr val="accent1"/>
+          </a:effectRef>
+          <a:fontRef idx="minor">
+            <a:schemeClr val="lt1"/>
+          </a:fontRef>
+        </p:style>
+        <p:txBody>
+          <a:bodyPr rtlCol="0" anchor="ctr"/>
+          <a:lstStyle/>
+          <a:p>
+            <a:pPr algn="ctr"/>
+            <a:endParaRPr lang="ko-KR" altLang="en-US"/>
+          </a:p>
+        </p:txBody>
+      </p:sp>
+      <p:sp>
+        <p:nvSpPr>
+          <p:cNvPr id="62" name="TextBox 61">
+            <a:extLst>
+              <a:ext uri="{FF2B5EF4-FFF2-40B4-BE49-F238E27FC236}">
+                <a16:creationId xmlns:a16="http://schemas.microsoft.com/office/drawing/2014/main" id="{0C88B654-42B6-1ABF-CF99-469C5E1D1355}"/>
+              </a:ext>
+            </a:extLst>
+          </p:cNvPr>
+          <p:cNvSpPr txBox="1"/>
+          <p:nvPr/>
+        </p:nvSpPr>
+        <p:spPr>
+          <a:xfrm>
+            <a:off x="7940429" y="5453011"/>
+            <a:ext cx="1688283" cy="446276"/>
+          </a:xfrm>
+          <a:prstGeom prst="rect">
+            <a:avLst/>
+          </a:prstGeom>
+          <a:noFill/>
+        </p:spPr>
+        <p:txBody>
+          <a:bodyPr wrap="none" rtlCol="0">
+            <a:spAutoFit/>
+          </a:bodyPr>
+          <a:lstStyle/>
+          <a:p>
+            <a:r>
+              <a:rPr lang="ko-KR" altLang="en-US" sz="800" dirty="0"/>
+              <a:t>배터리를 패널에 넣기</a:t>
+            </a:r>
+            <a:endParaRPr lang="en-US" altLang="ko-KR" sz="800" dirty="0"/>
+          </a:p>
+          <a:p>
+            <a:endParaRPr lang="en-US" altLang="ko-KR" sz="900" dirty="0"/>
+          </a:p>
+          <a:p>
+            <a:r>
+              <a:rPr lang="en-US" altLang="ko-KR" sz="600" dirty="0"/>
+              <a:t>- </a:t>
+            </a:r>
+            <a:r>
+              <a:rPr lang="ko-KR" altLang="en-US" sz="600" dirty="0" err="1"/>
+              <a:t>맵에도</a:t>
+            </a:r>
+            <a:r>
+              <a:rPr lang="ko-KR" altLang="en-US" sz="600" dirty="0"/>
+              <a:t> 배터리 하나 넣을 때마다 업데이트</a:t>
             </a:r>
           </a:p>
         </p:txBody>

--- a/Document/맵/맵.pptx
+++ b/Document/맵/맵.pptx
@@ -5,15 +5,16 @@
     <p:sldMasterId id="2147483648" r:id="rId1"/>
   </p:sldMasterIdLst>
   <p:notesMasterIdLst>
-    <p:notesMasterId r:id="rId8"/>
+    <p:notesMasterId r:id="rId9"/>
   </p:notesMasterIdLst>
   <p:sldIdLst>
     <p:sldId id="257" r:id="rId2"/>
     <p:sldId id="268" r:id="rId3"/>
     <p:sldId id="281" r:id="rId4"/>
     <p:sldId id="282" r:id="rId5"/>
-    <p:sldId id="283" r:id="rId6"/>
-    <p:sldId id="284" r:id="rId7"/>
+    <p:sldId id="285" r:id="rId6"/>
+    <p:sldId id="283" r:id="rId7"/>
+    <p:sldId id="284" r:id="rId8"/>
   </p:sldIdLst>
   <p:sldSz cx="12192000" cy="6858000"/>
   <p:notesSz cx="6858000" cy="9144000"/>
@@ -795,7 +796,7 @@
     </p:spTree>
     <p:extLst>
       <p:ext uri="{BB962C8B-B14F-4D97-AF65-F5344CB8AC3E}">
-        <p14:creationId xmlns:p14="http://schemas.microsoft.com/office/powerpoint/2010/main" val="923341418"/>
+        <p14:creationId xmlns:p14="http://schemas.microsoft.com/office/powerpoint/2010/main" val="3135142004"/>
       </p:ext>
     </p:extLst>
   </p:cSld>
@@ -871,6 +872,90 @@
             <a:fld id="{73EB825B-89DC-4B21-8B3A-B3CA9CD761CE}" type="slidenum">
               <a:rPr lang="ko-KR" altLang="en-US" smtClean="0"/>
               <a:t>6</a:t>
+            </a:fld>
+            <a:endParaRPr lang="ko-KR" altLang="en-US"/>
+          </a:p>
+        </p:txBody>
+      </p:sp>
+    </p:spTree>
+    <p:extLst>
+      <p:ext uri="{BB962C8B-B14F-4D97-AF65-F5344CB8AC3E}">
+        <p14:creationId xmlns:p14="http://schemas.microsoft.com/office/powerpoint/2010/main" val="923341418"/>
+      </p:ext>
+    </p:extLst>
+  </p:cSld>
+  <p:clrMapOvr>
+    <a:masterClrMapping/>
+  </p:clrMapOvr>
+</p:notes>
+</file>
+
+<file path=ppt/notesSlides/notesSlide6.xml><?xml version="1.0" encoding="utf-8"?>
+<p:notes xmlns:a="http://schemas.openxmlformats.org/drawingml/2006/main" xmlns:r="http://schemas.openxmlformats.org/officeDocument/2006/relationships" xmlns:p="http://schemas.openxmlformats.org/presentationml/2006/main">
+  <p:cSld>
+    <p:spTree>
+      <p:nvGrpSpPr>
+        <p:cNvPr id="1" name=""/>
+        <p:cNvGrpSpPr/>
+        <p:nvPr/>
+      </p:nvGrpSpPr>
+      <p:grpSpPr>
+        <a:xfrm>
+          <a:off x="0" y="0"/>
+          <a:ext cx="0" cy="0"/>
+          <a:chOff x="0" y="0"/>
+          <a:chExt cx="0" cy="0"/>
+        </a:xfrm>
+      </p:grpSpPr>
+      <p:sp>
+        <p:nvSpPr>
+          <p:cNvPr id="2" name="슬라이드 이미지 개체 틀 1"/>
+          <p:cNvSpPr>
+            <a:spLocks noGrp="1" noRot="1" noChangeAspect="1"/>
+          </p:cNvSpPr>
+          <p:nvPr>
+            <p:ph type="sldImg"/>
+          </p:nvPr>
+        </p:nvSpPr>
+        <p:spPr/>
+      </p:sp>
+      <p:sp>
+        <p:nvSpPr>
+          <p:cNvPr id="3" name="슬라이드 노트 개체 틀 2"/>
+          <p:cNvSpPr>
+            <a:spLocks noGrp="1"/>
+          </p:cNvSpPr>
+          <p:nvPr>
+            <p:ph type="body" idx="1"/>
+          </p:nvPr>
+        </p:nvSpPr>
+        <p:spPr/>
+        <p:txBody>
+          <a:bodyPr/>
+          <a:lstStyle/>
+          <a:p>
+            <a:endParaRPr lang="ko-KR" altLang="en-US" dirty="0"/>
+          </a:p>
+        </p:txBody>
+      </p:sp>
+      <p:sp>
+        <p:nvSpPr>
+          <p:cNvPr id="4" name="슬라이드 번호 개체 틀 3"/>
+          <p:cNvSpPr>
+            <a:spLocks noGrp="1"/>
+          </p:cNvSpPr>
+          <p:nvPr>
+            <p:ph type="sldNum" sz="quarter" idx="5"/>
+          </p:nvPr>
+        </p:nvSpPr>
+        <p:spPr/>
+        <p:txBody>
+          <a:bodyPr/>
+          <a:lstStyle/>
+          <a:p>
+            <a:fld id="{73EB825B-89DC-4B21-8B3A-B3CA9CD761CE}" type="slidenum">
+              <a:rPr lang="ko-KR" altLang="en-US" smtClean="0"/>
+              <a:t>7</a:t>
             </a:fld>
             <a:endParaRPr lang="ko-KR" altLang="en-US"/>
           </a:p>
@@ -21799,6 +21884,2696 @@
           <a:chExt cx="0" cy="0"/>
         </a:xfrm>
       </p:grpSpPr>
+      <p:pic>
+        <p:nvPicPr>
+          <p:cNvPr id="5" name="그림 4">
+            <a:extLst>
+              <a:ext uri="{FF2B5EF4-FFF2-40B4-BE49-F238E27FC236}">
+                <a16:creationId xmlns:a16="http://schemas.microsoft.com/office/drawing/2014/main" id="{F29939D1-6DC4-F339-1260-A762278E4EEE}"/>
+              </a:ext>
+            </a:extLst>
+          </p:cNvPr>
+          <p:cNvPicPr>
+            <a:picLocks noChangeAspect="1"/>
+          </p:cNvPicPr>
+          <p:nvPr/>
+        </p:nvPicPr>
+        <p:blipFill>
+          <a:blip r:embed="rId3"/>
+          <a:stretch>
+            <a:fillRect/>
+          </a:stretch>
+        </p:blipFill>
+        <p:spPr>
+          <a:xfrm>
+            <a:off x="2256889" y="2228682"/>
+            <a:ext cx="7678222" cy="2400635"/>
+          </a:xfrm>
+          <a:prstGeom prst="rect">
+            <a:avLst/>
+          </a:prstGeom>
+        </p:spPr>
+      </p:pic>
+      <p:sp>
+        <p:nvSpPr>
+          <p:cNvPr id="74" name="직사각형 73">
+            <a:extLst>
+              <a:ext uri="{FF2B5EF4-FFF2-40B4-BE49-F238E27FC236}">
+                <a16:creationId xmlns:a16="http://schemas.microsoft.com/office/drawing/2014/main" id="{5F7C021B-A9AD-BA7A-3A98-5DA1DE049D60}"/>
+              </a:ext>
+            </a:extLst>
+          </p:cNvPr>
+          <p:cNvSpPr/>
+          <p:nvPr/>
+        </p:nvSpPr>
+        <p:spPr>
+          <a:xfrm>
+            <a:off x="8982891" y="4619170"/>
+            <a:ext cx="2043404" cy="1855459"/>
+          </a:xfrm>
+          <a:prstGeom prst="rect">
+            <a:avLst/>
+          </a:prstGeom>
+          <a:solidFill>
+            <a:schemeClr val="bg1"/>
+          </a:solidFill>
+          <a:ln w="38100">
+            <a:solidFill>
+              <a:schemeClr val="tx1"/>
+            </a:solidFill>
+          </a:ln>
+        </p:spPr>
+        <p:style>
+          <a:lnRef idx="2">
+            <a:schemeClr val="accent1">
+              <a:shade val="50000"/>
+            </a:schemeClr>
+          </a:lnRef>
+          <a:fillRef idx="1">
+            <a:schemeClr val="accent1"/>
+          </a:fillRef>
+          <a:effectRef idx="0">
+            <a:schemeClr val="accent1"/>
+          </a:effectRef>
+          <a:fontRef idx="minor">
+            <a:schemeClr val="lt1"/>
+          </a:fontRef>
+        </p:style>
+        <p:txBody>
+          <a:bodyPr rtlCol="0" anchor="ctr"/>
+          <a:lstStyle/>
+          <a:p>
+            <a:pPr algn="ctr"/>
+            <a:endParaRPr lang="ko-KR" altLang="en-US" dirty="0"/>
+          </a:p>
+        </p:txBody>
+      </p:sp>
+      <p:graphicFrame>
+        <p:nvGraphicFramePr>
+          <p:cNvPr id="35" name="표 35">
+            <a:extLst>
+              <a:ext uri="{FF2B5EF4-FFF2-40B4-BE49-F238E27FC236}">
+                <a16:creationId xmlns:a16="http://schemas.microsoft.com/office/drawing/2014/main" id="{16DF7613-A090-609F-4158-13E7A23F34AE}"/>
+              </a:ext>
+            </a:extLst>
+          </p:cNvPr>
+          <p:cNvGraphicFramePr>
+            <a:graphicFrameLocks noGrp="1"/>
+          </p:cNvGraphicFramePr>
+          <p:nvPr>
+            <p:extLst>
+              <p:ext uri="{D42A27DB-BD31-4B8C-83A1-F6EECF244321}">
+                <p14:modId xmlns:p14="http://schemas.microsoft.com/office/powerpoint/2010/main" val="2631319797"/>
+              </p:ext>
+            </p:extLst>
+          </p:nvPr>
+        </p:nvGraphicFramePr>
+        <p:xfrm>
+          <a:off x="646546" y="2300257"/>
+          <a:ext cx="1792294" cy="272419"/>
+        </p:xfrm>
+        <a:graphic>
+          <a:graphicData uri="http://schemas.openxmlformats.org/drawingml/2006/table">
+            <a:tbl>
+              <a:tblPr firstRow="1" bandRow="1">
+                <a:tableStyleId>{5C22544A-7EE6-4342-B048-85BDC9FD1C3A}</a:tableStyleId>
+              </a:tblPr>
+              <a:tblGrid>
+                <a:gridCol w="256042">
+                  <a:extLst>
+                    <a:ext uri="{9D8B030D-6E8A-4147-A177-3AD203B41FA5}">
+                      <a16:colId xmlns:a16="http://schemas.microsoft.com/office/drawing/2014/main" val="4259070184"/>
+                    </a:ext>
+                  </a:extLst>
+                </a:gridCol>
+                <a:gridCol w="256042">
+                  <a:extLst>
+                    <a:ext uri="{9D8B030D-6E8A-4147-A177-3AD203B41FA5}">
+                      <a16:colId xmlns:a16="http://schemas.microsoft.com/office/drawing/2014/main" val="3870245060"/>
+                    </a:ext>
+                  </a:extLst>
+                </a:gridCol>
+                <a:gridCol w="256042">
+                  <a:extLst>
+                    <a:ext uri="{9D8B030D-6E8A-4147-A177-3AD203B41FA5}">
+                      <a16:colId xmlns:a16="http://schemas.microsoft.com/office/drawing/2014/main" val="4267028519"/>
+                    </a:ext>
+                  </a:extLst>
+                </a:gridCol>
+                <a:gridCol w="256042">
+                  <a:extLst>
+                    <a:ext uri="{9D8B030D-6E8A-4147-A177-3AD203B41FA5}">
+                      <a16:colId xmlns:a16="http://schemas.microsoft.com/office/drawing/2014/main" val="1587214746"/>
+                    </a:ext>
+                  </a:extLst>
+                </a:gridCol>
+                <a:gridCol w="256042">
+                  <a:extLst>
+                    <a:ext uri="{9D8B030D-6E8A-4147-A177-3AD203B41FA5}">
+                      <a16:colId xmlns:a16="http://schemas.microsoft.com/office/drawing/2014/main" val="2766605012"/>
+                    </a:ext>
+                  </a:extLst>
+                </a:gridCol>
+                <a:gridCol w="256042">
+                  <a:extLst>
+                    <a:ext uri="{9D8B030D-6E8A-4147-A177-3AD203B41FA5}">
+                      <a16:colId xmlns:a16="http://schemas.microsoft.com/office/drawing/2014/main" val="1633053370"/>
+                    </a:ext>
+                  </a:extLst>
+                </a:gridCol>
+                <a:gridCol w="256042">
+                  <a:extLst>
+                    <a:ext uri="{9D8B030D-6E8A-4147-A177-3AD203B41FA5}">
+                      <a16:colId xmlns:a16="http://schemas.microsoft.com/office/drawing/2014/main" val="1862262683"/>
+                    </a:ext>
+                  </a:extLst>
+                </a:gridCol>
+              </a:tblGrid>
+              <a:tr h="272419">
+                <a:tc>
+                  <a:txBody>
+                    <a:bodyPr/>
+                    <a:lstStyle/>
+                    <a:p>
+                      <a:pPr latinLnBrk="1"/>
+                      <a:endParaRPr lang="ko-KR" altLang="en-US" sz="100" dirty="0"/>
+                    </a:p>
+                  </a:txBody>
+                  <a:tcPr>
+                    <a:lnL w="12700" cap="flat" cmpd="sng" algn="ctr">
+                      <a:solidFill>
+                        <a:schemeClr val="tx1"/>
+                      </a:solidFill>
+                      <a:prstDash val="solid"/>
+                      <a:round/>
+                      <a:headEnd type="none" w="med" len="med"/>
+                      <a:tailEnd type="none" w="med" len="med"/>
+                    </a:lnL>
+                    <a:lnR w="12700" cap="flat" cmpd="sng" algn="ctr">
+                      <a:solidFill>
+                        <a:schemeClr val="tx1"/>
+                      </a:solidFill>
+                      <a:prstDash val="solid"/>
+                      <a:round/>
+                      <a:headEnd type="none" w="med" len="med"/>
+                      <a:tailEnd type="none" w="med" len="med"/>
+                    </a:lnR>
+                    <a:lnT w="12700" cap="flat" cmpd="sng" algn="ctr">
+                      <a:solidFill>
+                        <a:schemeClr val="tx1"/>
+                      </a:solidFill>
+                      <a:prstDash val="solid"/>
+                      <a:round/>
+                      <a:headEnd type="none" w="med" len="med"/>
+                      <a:tailEnd type="none" w="med" len="med"/>
+                    </a:lnT>
+                    <a:lnB w="12700" cap="flat" cmpd="sng" algn="ctr">
+                      <a:solidFill>
+                        <a:schemeClr val="tx1"/>
+                      </a:solidFill>
+                      <a:prstDash val="solid"/>
+                      <a:round/>
+                      <a:headEnd type="none" w="med" len="med"/>
+                      <a:tailEnd type="none" w="med" len="med"/>
+                    </a:lnB>
+                    <a:noFill/>
+                  </a:tcPr>
+                </a:tc>
+                <a:tc>
+                  <a:txBody>
+                    <a:bodyPr/>
+                    <a:lstStyle/>
+                    <a:p>
+                      <a:pPr latinLnBrk="1"/>
+                      <a:endParaRPr lang="ko-KR" altLang="en-US" sz="100" dirty="0"/>
+                    </a:p>
+                  </a:txBody>
+                  <a:tcPr>
+                    <a:lnL w="12700" cap="flat" cmpd="sng" algn="ctr">
+                      <a:solidFill>
+                        <a:schemeClr val="tx1"/>
+                      </a:solidFill>
+                      <a:prstDash val="solid"/>
+                      <a:round/>
+                      <a:headEnd type="none" w="med" len="med"/>
+                      <a:tailEnd type="none" w="med" len="med"/>
+                    </a:lnL>
+                    <a:lnR w="12700" cap="flat" cmpd="sng" algn="ctr">
+                      <a:solidFill>
+                        <a:schemeClr val="tx1"/>
+                      </a:solidFill>
+                      <a:prstDash val="solid"/>
+                      <a:round/>
+                      <a:headEnd type="none" w="med" len="med"/>
+                      <a:tailEnd type="none" w="med" len="med"/>
+                    </a:lnR>
+                    <a:lnT w="12700" cap="flat" cmpd="sng" algn="ctr">
+                      <a:solidFill>
+                        <a:schemeClr val="tx1"/>
+                      </a:solidFill>
+                      <a:prstDash val="solid"/>
+                      <a:round/>
+                      <a:headEnd type="none" w="med" len="med"/>
+                      <a:tailEnd type="none" w="med" len="med"/>
+                    </a:lnT>
+                    <a:lnB w="12700" cap="flat" cmpd="sng" algn="ctr">
+                      <a:solidFill>
+                        <a:schemeClr val="tx1"/>
+                      </a:solidFill>
+                      <a:prstDash val="solid"/>
+                      <a:round/>
+                      <a:headEnd type="none" w="med" len="med"/>
+                      <a:tailEnd type="none" w="med" len="med"/>
+                    </a:lnB>
+                    <a:noFill/>
+                  </a:tcPr>
+                </a:tc>
+                <a:tc>
+                  <a:txBody>
+                    <a:bodyPr/>
+                    <a:lstStyle/>
+                    <a:p>
+                      <a:pPr latinLnBrk="1"/>
+                      <a:endParaRPr lang="ko-KR" altLang="en-US" sz="100"/>
+                    </a:p>
+                  </a:txBody>
+                  <a:tcPr>
+                    <a:lnL w="12700" cap="flat" cmpd="sng" algn="ctr">
+                      <a:solidFill>
+                        <a:schemeClr val="tx1"/>
+                      </a:solidFill>
+                      <a:prstDash val="solid"/>
+                      <a:round/>
+                      <a:headEnd type="none" w="med" len="med"/>
+                      <a:tailEnd type="none" w="med" len="med"/>
+                    </a:lnL>
+                    <a:lnR w="12700" cap="flat" cmpd="sng" algn="ctr">
+                      <a:solidFill>
+                        <a:schemeClr val="tx1"/>
+                      </a:solidFill>
+                      <a:prstDash val="solid"/>
+                      <a:round/>
+                      <a:headEnd type="none" w="med" len="med"/>
+                      <a:tailEnd type="none" w="med" len="med"/>
+                    </a:lnR>
+                    <a:lnT w="12700" cap="flat" cmpd="sng" algn="ctr">
+                      <a:solidFill>
+                        <a:schemeClr val="tx1"/>
+                      </a:solidFill>
+                      <a:prstDash val="solid"/>
+                      <a:round/>
+                      <a:headEnd type="none" w="med" len="med"/>
+                      <a:tailEnd type="none" w="med" len="med"/>
+                    </a:lnT>
+                    <a:lnB w="12700" cap="flat" cmpd="sng" algn="ctr">
+                      <a:solidFill>
+                        <a:schemeClr val="tx1"/>
+                      </a:solidFill>
+                      <a:prstDash val="solid"/>
+                      <a:round/>
+                      <a:headEnd type="none" w="med" len="med"/>
+                      <a:tailEnd type="none" w="med" len="med"/>
+                    </a:lnB>
+                    <a:noFill/>
+                  </a:tcPr>
+                </a:tc>
+                <a:tc>
+                  <a:txBody>
+                    <a:bodyPr/>
+                    <a:lstStyle/>
+                    <a:p>
+                      <a:pPr latinLnBrk="1"/>
+                      <a:endParaRPr lang="ko-KR" altLang="en-US" sz="100"/>
+                    </a:p>
+                  </a:txBody>
+                  <a:tcPr>
+                    <a:lnL w="12700" cap="flat" cmpd="sng" algn="ctr">
+                      <a:solidFill>
+                        <a:schemeClr val="tx1"/>
+                      </a:solidFill>
+                      <a:prstDash val="solid"/>
+                      <a:round/>
+                      <a:headEnd type="none" w="med" len="med"/>
+                      <a:tailEnd type="none" w="med" len="med"/>
+                    </a:lnL>
+                    <a:lnR w="12700" cap="flat" cmpd="sng" algn="ctr">
+                      <a:solidFill>
+                        <a:schemeClr val="tx1"/>
+                      </a:solidFill>
+                      <a:prstDash val="solid"/>
+                      <a:round/>
+                      <a:headEnd type="none" w="med" len="med"/>
+                      <a:tailEnd type="none" w="med" len="med"/>
+                    </a:lnR>
+                    <a:lnT w="12700" cap="flat" cmpd="sng" algn="ctr">
+                      <a:solidFill>
+                        <a:schemeClr val="tx1"/>
+                      </a:solidFill>
+                      <a:prstDash val="solid"/>
+                      <a:round/>
+                      <a:headEnd type="none" w="med" len="med"/>
+                      <a:tailEnd type="none" w="med" len="med"/>
+                    </a:lnT>
+                    <a:lnB w="12700" cap="flat" cmpd="sng" algn="ctr">
+                      <a:solidFill>
+                        <a:schemeClr val="tx1"/>
+                      </a:solidFill>
+                      <a:prstDash val="solid"/>
+                      <a:round/>
+                      <a:headEnd type="none" w="med" len="med"/>
+                      <a:tailEnd type="none" w="med" len="med"/>
+                    </a:lnB>
+                    <a:noFill/>
+                  </a:tcPr>
+                </a:tc>
+                <a:tc>
+                  <a:txBody>
+                    <a:bodyPr/>
+                    <a:lstStyle/>
+                    <a:p>
+                      <a:pPr latinLnBrk="1"/>
+                      <a:endParaRPr lang="ko-KR" altLang="en-US" sz="100"/>
+                    </a:p>
+                  </a:txBody>
+                  <a:tcPr>
+                    <a:lnL w="12700" cap="flat" cmpd="sng" algn="ctr">
+                      <a:solidFill>
+                        <a:schemeClr val="tx1"/>
+                      </a:solidFill>
+                      <a:prstDash val="solid"/>
+                      <a:round/>
+                      <a:headEnd type="none" w="med" len="med"/>
+                      <a:tailEnd type="none" w="med" len="med"/>
+                    </a:lnL>
+                    <a:lnR w="12700" cap="flat" cmpd="sng" algn="ctr">
+                      <a:solidFill>
+                        <a:schemeClr val="tx1"/>
+                      </a:solidFill>
+                      <a:prstDash val="solid"/>
+                      <a:round/>
+                      <a:headEnd type="none" w="med" len="med"/>
+                      <a:tailEnd type="none" w="med" len="med"/>
+                    </a:lnR>
+                    <a:lnT w="12700" cap="flat" cmpd="sng" algn="ctr">
+                      <a:solidFill>
+                        <a:schemeClr val="tx1"/>
+                      </a:solidFill>
+                      <a:prstDash val="solid"/>
+                      <a:round/>
+                      <a:headEnd type="none" w="med" len="med"/>
+                      <a:tailEnd type="none" w="med" len="med"/>
+                    </a:lnT>
+                    <a:lnB w="12700" cap="flat" cmpd="sng" algn="ctr">
+                      <a:solidFill>
+                        <a:schemeClr val="tx1"/>
+                      </a:solidFill>
+                      <a:prstDash val="solid"/>
+                      <a:round/>
+                      <a:headEnd type="none" w="med" len="med"/>
+                      <a:tailEnd type="none" w="med" len="med"/>
+                    </a:lnB>
+                    <a:noFill/>
+                  </a:tcPr>
+                </a:tc>
+                <a:tc>
+                  <a:txBody>
+                    <a:bodyPr/>
+                    <a:lstStyle/>
+                    <a:p>
+                      <a:endParaRPr lang="ko-KR" altLang="en-US" sz="100" dirty="0"/>
+                    </a:p>
+                  </a:txBody>
+                  <a:tcPr>
+                    <a:lnL w="12700" cap="flat" cmpd="sng" algn="ctr">
+                      <a:solidFill>
+                        <a:schemeClr val="tx1"/>
+                      </a:solidFill>
+                      <a:prstDash val="solid"/>
+                      <a:round/>
+                      <a:headEnd type="none" w="med" len="med"/>
+                      <a:tailEnd type="none" w="med" len="med"/>
+                    </a:lnL>
+                    <a:lnR w="12700" cap="flat" cmpd="sng" algn="ctr">
+                      <a:solidFill>
+                        <a:schemeClr val="tx1"/>
+                      </a:solidFill>
+                      <a:prstDash val="solid"/>
+                      <a:round/>
+                      <a:headEnd type="none" w="med" len="med"/>
+                      <a:tailEnd type="none" w="med" len="med"/>
+                    </a:lnR>
+                    <a:lnT w="12700" cap="flat" cmpd="sng" algn="ctr">
+                      <a:solidFill>
+                        <a:schemeClr val="tx1"/>
+                      </a:solidFill>
+                      <a:prstDash val="solid"/>
+                      <a:round/>
+                      <a:headEnd type="none" w="med" len="med"/>
+                      <a:tailEnd type="none" w="med" len="med"/>
+                    </a:lnT>
+                    <a:lnB w="12700" cap="flat" cmpd="sng" algn="ctr">
+                      <a:solidFill>
+                        <a:schemeClr val="tx1"/>
+                      </a:solidFill>
+                      <a:prstDash val="solid"/>
+                      <a:round/>
+                      <a:headEnd type="none" w="med" len="med"/>
+                      <a:tailEnd type="none" w="med" len="med"/>
+                    </a:lnB>
+                    <a:noFill/>
+                  </a:tcPr>
+                </a:tc>
+                <a:tc>
+                  <a:txBody>
+                    <a:bodyPr/>
+                    <a:lstStyle/>
+                    <a:p>
+                      <a:endParaRPr lang="ko-KR" altLang="en-US" sz="100" dirty="0"/>
+                    </a:p>
+                  </a:txBody>
+                  <a:tcPr>
+                    <a:lnL w="12700" cap="flat" cmpd="sng" algn="ctr">
+                      <a:solidFill>
+                        <a:schemeClr val="tx1"/>
+                      </a:solidFill>
+                      <a:prstDash val="solid"/>
+                      <a:round/>
+                      <a:headEnd type="none" w="med" len="med"/>
+                      <a:tailEnd type="none" w="med" len="med"/>
+                    </a:lnL>
+                    <a:lnR w="12700" cap="flat" cmpd="sng" algn="ctr">
+                      <a:solidFill>
+                        <a:schemeClr val="tx1"/>
+                      </a:solidFill>
+                      <a:prstDash val="solid"/>
+                      <a:round/>
+                      <a:headEnd type="none" w="med" len="med"/>
+                      <a:tailEnd type="none" w="med" len="med"/>
+                    </a:lnR>
+                    <a:lnT w="12700" cap="flat" cmpd="sng" algn="ctr">
+                      <a:solidFill>
+                        <a:schemeClr val="tx1"/>
+                      </a:solidFill>
+                      <a:prstDash val="solid"/>
+                      <a:round/>
+                      <a:headEnd type="none" w="med" len="med"/>
+                      <a:tailEnd type="none" w="med" len="med"/>
+                    </a:lnT>
+                    <a:lnB w="12700" cap="flat" cmpd="sng" algn="ctr">
+                      <a:solidFill>
+                        <a:schemeClr val="tx1"/>
+                      </a:solidFill>
+                      <a:prstDash val="solid"/>
+                      <a:round/>
+                      <a:headEnd type="none" w="med" len="med"/>
+                      <a:tailEnd type="none" w="med" len="med"/>
+                    </a:lnB>
+                    <a:noFill/>
+                  </a:tcPr>
+                </a:tc>
+                <a:extLst>
+                  <a:ext uri="{0D108BD9-81ED-4DB2-BD59-A6C34878D82A}">
+                    <a16:rowId xmlns:a16="http://schemas.microsoft.com/office/drawing/2014/main" val="975047287"/>
+                  </a:ext>
+                </a:extLst>
+              </a:tr>
+            </a:tbl>
+          </a:graphicData>
+        </a:graphic>
+      </p:graphicFrame>
+      <p:sp>
+        <p:nvSpPr>
+          <p:cNvPr id="4" name="직사각형 3">
+            <a:extLst>
+              <a:ext uri="{FF2B5EF4-FFF2-40B4-BE49-F238E27FC236}">
+                <a16:creationId xmlns:a16="http://schemas.microsoft.com/office/drawing/2014/main" id="{AE93FE2A-85FE-4157-951C-FC2FADBB3B34}"/>
+              </a:ext>
+            </a:extLst>
+          </p:cNvPr>
+          <p:cNvSpPr/>
+          <p:nvPr/>
+        </p:nvSpPr>
+        <p:spPr>
+          <a:xfrm>
+            <a:off x="0" y="0"/>
+            <a:ext cx="12192000" cy="1034474"/>
+          </a:xfrm>
+          <a:prstGeom prst="rect">
+            <a:avLst/>
+          </a:prstGeom>
+          <a:solidFill>
+            <a:schemeClr val="accent5">
+              <a:lumMod val="60000"/>
+              <a:lumOff val="40000"/>
+            </a:schemeClr>
+          </a:solidFill>
+        </p:spPr>
+        <p:style>
+          <a:lnRef idx="2">
+            <a:schemeClr val="accent1">
+              <a:shade val="50000"/>
+            </a:schemeClr>
+          </a:lnRef>
+          <a:fillRef idx="1">
+            <a:schemeClr val="accent1"/>
+          </a:fillRef>
+          <a:effectRef idx="0">
+            <a:schemeClr val="accent1"/>
+          </a:effectRef>
+          <a:fontRef idx="minor">
+            <a:schemeClr val="lt1"/>
+          </a:fontRef>
+        </p:style>
+        <p:txBody>
+          <a:bodyPr rtlCol="0" anchor="ctr"/>
+          <a:lstStyle/>
+          <a:p>
+            <a:pPr algn="ctr"/>
+            <a:endParaRPr lang="ko-KR" altLang="en-US" dirty="0"/>
+          </a:p>
+        </p:txBody>
+      </p:sp>
+      <p:sp>
+        <p:nvSpPr>
+          <p:cNvPr id="7" name="TextBox 6">
+            <a:extLst>
+              <a:ext uri="{FF2B5EF4-FFF2-40B4-BE49-F238E27FC236}">
+                <a16:creationId xmlns:a16="http://schemas.microsoft.com/office/drawing/2014/main" id="{982817C4-ACF4-45FB-A018-6E6F872691BC}"/>
+              </a:ext>
+            </a:extLst>
+          </p:cNvPr>
+          <p:cNvSpPr txBox="1"/>
+          <p:nvPr/>
+        </p:nvSpPr>
+        <p:spPr>
+          <a:xfrm>
+            <a:off x="646546" y="255627"/>
+            <a:ext cx="4230254" cy="523220"/>
+          </a:xfrm>
+          <a:prstGeom prst="rect">
+            <a:avLst/>
+          </a:prstGeom>
+          <a:noFill/>
+        </p:spPr>
+        <p:txBody>
+          <a:bodyPr wrap="square" rtlCol="0">
+            <a:spAutoFit/>
+          </a:bodyPr>
+          <a:lstStyle/>
+          <a:p>
+            <a:r>
+              <a:rPr lang="ko-KR" altLang="en-US" sz="2800" b="1" dirty="0"/>
+              <a:t>배</a:t>
+            </a:r>
+            <a:endParaRPr lang="en-US" altLang="ko-KR" sz="2800" b="1" dirty="0"/>
+          </a:p>
+        </p:txBody>
+      </p:sp>
+      <p:sp>
+        <p:nvSpPr>
+          <p:cNvPr id="21" name="TextBox 20">
+            <a:extLst>
+              <a:ext uri="{FF2B5EF4-FFF2-40B4-BE49-F238E27FC236}">
+                <a16:creationId xmlns:a16="http://schemas.microsoft.com/office/drawing/2014/main" id="{27B03FD3-3837-4E4E-9C34-AD1184568D7E}"/>
+              </a:ext>
+            </a:extLst>
+          </p:cNvPr>
+          <p:cNvSpPr txBox="1"/>
+          <p:nvPr/>
+        </p:nvSpPr>
+        <p:spPr>
+          <a:xfrm>
+            <a:off x="11508508" y="6289963"/>
+            <a:ext cx="311304" cy="369332"/>
+          </a:xfrm>
+          <a:prstGeom prst="rect">
+            <a:avLst/>
+          </a:prstGeom>
+          <a:noFill/>
+        </p:spPr>
+        <p:txBody>
+          <a:bodyPr wrap="none" rtlCol="0">
+            <a:spAutoFit/>
+          </a:bodyPr>
+          <a:lstStyle/>
+          <a:p>
+            <a:r>
+              <a:rPr lang="en-US" altLang="ko-KR" dirty="0"/>
+              <a:t>2</a:t>
+            </a:r>
+            <a:endParaRPr lang="ko-KR" altLang="en-US" dirty="0"/>
+          </a:p>
+        </p:txBody>
+      </p:sp>
+      <p:cxnSp>
+        <p:nvCxnSpPr>
+          <p:cNvPr id="9" name="직선 화살표 연결선 8">
+            <a:extLst>
+              <a:ext uri="{FF2B5EF4-FFF2-40B4-BE49-F238E27FC236}">
+                <a16:creationId xmlns:a16="http://schemas.microsoft.com/office/drawing/2014/main" id="{03C8DEF8-91C9-4107-9FE0-FABFCBEC8A86}"/>
+              </a:ext>
+            </a:extLst>
+          </p:cNvPr>
+          <p:cNvCxnSpPr>
+            <a:cxnSpLocks/>
+          </p:cNvCxnSpPr>
+          <p:nvPr/>
+        </p:nvCxnSpPr>
+        <p:spPr>
+          <a:xfrm flipH="1" flipV="1">
+            <a:off x="2855556" y="2368828"/>
+            <a:ext cx="1193627" cy="288647"/>
+          </a:xfrm>
+          <a:prstGeom prst="straightConnector1">
+            <a:avLst/>
+          </a:prstGeom>
+          <a:ln>
+            <a:tailEnd type="triangle"/>
+          </a:ln>
+        </p:spPr>
+        <p:style>
+          <a:lnRef idx="1">
+            <a:schemeClr val="dk1"/>
+          </a:lnRef>
+          <a:fillRef idx="0">
+            <a:schemeClr val="dk1"/>
+          </a:fillRef>
+          <a:effectRef idx="0">
+            <a:schemeClr val="dk1"/>
+          </a:effectRef>
+          <a:fontRef idx="minor">
+            <a:schemeClr val="tx1"/>
+          </a:fontRef>
+        </p:style>
+      </p:cxnSp>
+      <p:sp>
+        <p:nvSpPr>
+          <p:cNvPr id="10" name="직사각형 9">
+            <a:extLst>
+              <a:ext uri="{FF2B5EF4-FFF2-40B4-BE49-F238E27FC236}">
+                <a16:creationId xmlns:a16="http://schemas.microsoft.com/office/drawing/2014/main" id="{EA390615-512D-4B11-14C0-5AB9A115C210}"/>
+              </a:ext>
+            </a:extLst>
+          </p:cNvPr>
+          <p:cNvSpPr/>
+          <p:nvPr/>
+        </p:nvSpPr>
+        <p:spPr>
+          <a:xfrm>
+            <a:off x="382756" y="1194208"/>
+            <a:ext cx="2407298" cy="1034474"/>
+          </a:xfrm>
+          <a:prstGeom prst="rect">
+            <a:avLst/>
+          </a:prstGeom>
+          <a:solidFill>
+            <a:schemeClr val="bg1"/>
+          </a:solidFill>
+          <a:ln w="28575">
+            <a:solidFill>
+              <a:schemeClr val="tx1"/>
+            </a:solidFill>
+          </a:ln>
+        </p:spPr>
+        <p:style>
+          <a:lnRef idx="2">
+            <a:schemeClr val="accent1">
+              <a:shade val="50000"/>
+            </a:schemeClr>
+          </a:lnRef>
+          <a:fillRef idx="1">
+            <a:schemeClr val="accent1"/>
+          </a:fillRef>
+          <a:effectRef idx="0">
+            <a:schemeClr val="accent1"/>
+          </a:effectRef>
+          <a:fontRef idx="minor">
+            <a:schemeClr val="lt1"/>
+          </a:fontRef>
+        </p:style>
+        <p:txBody>
+          <a:bodyPr rtlCol="0" anchor="ctr"/>
+          <a:lstStyle/>
+          <a:p>
+            <a:pPr algn="ctr"/>
+            <a:endParaRPr lang="ko-KR" altLang="en-US" sz="1100" dirty="0"/>
+          </a:p>
+        </p:txBody>
+      </p:sp>
+      <p:sp>
+        <p:nvSpPr>
+          <p:cNvPr id="25" name="직사각형 24">
+            <a:extLst>
+              <a:ext uri="{FF2B5EF4-FFF2-40B4-BE49-F238E27FC236}">
+                <a16:creationId xmlns:a16="http://schemas.microsoft.com/office/drawing/2014/main" id="{8EA067DB-7F5D-E105-4590-54CC648E2AE8}"/>
+              </a:ext>
+            </a:extLst>
+          </p:cNvPr>
+          <p:cNvSpPr/>
+          <p:nvPr/>
+        </p:nvSpPr>
+        <p:spPr>
+          <a:xfrm>
+            <a:off x="734656" y="1382320"/>
+            <a:ext cx="658249" cy="658249"/>
+          </a:xfrm>
+          <a:prstGeom prst="rect">
+            <a:avLst/>
+          </a:prstGeom>
+          <a:solidFill>
+            <a:schemeClr val="accent2">
+              <a:lumMod val="75000"/>
+            </a:schemeClr>
+          </a:solidFill>
+          <a:ln>
+            <a:solidFill>
+              <a:schemeClr val="accent2">
+                <a:lumMod val="50000"/>
+              </a:schemeClr>
+            </a:solidFill>
+          </a:ln>
+        </p:spPr>
+        <p:style>
+          <a:lnRef idx="2">
+            <a:schemeClr val="accent1">
+              <a:shade val="50000"/>
+            </a:schemeClr>
+          </a:lnRef>
+          <a:fillRef idx="1">
+            <a:schemeClr val="accent1"/>
+          </a:fillRef>
+          <a:effectRef idx="0">
+            <a:schemeClr val="accent1"/>
+          </a:effectRef>
+          <a:fontRef idx="minor">
+            <a:schemeClr val="lt1"/>
+          </a:fontRef>
+        </p:style>
+        <p:txBody>
+          <a:bodyPr rtlCol="0" anchor="ctr"/>
+          <a:lstStyle/>
+          <a:p>
+            <a:pPr algn="ctr"/>
+            <a:endParaRPr lang="ko-KR" altLang="en-US"/>
+          </a:p>
+        </p:txBody>
+      </p:sp>
+      <p:cxnSp>
+        <p:nvCxnSpPr>
+          <p:cNvPr id="27" name="직선 연결선 26">
+            <a:extLst>
+              <a:ext uri="{FF2B5EF4-FFF2-40B4-BE49-F238E27FC236}">
+                <a16:creationId xmlns:a16="http://schemas.microsoft.com/office/drawing/2014/main" id="{40B6CE65-4502-DD69-AE9B-D14D79F5F849}"/>
+              </a:ext>
+            </a:extLst>
+          </p:cNvPr>
+          <p:cNvCxnSpPr/>
+          <p:nvPr/>
+        </p:nvCxnSpPr>
+        <p:spPr>
+          <a:xfrm>
+            <a:off x="1819275" y="1194208"/>
+            <a:ext cx="0" cy="1034474"/>
+          </a:xfrm>
+          <a:prstGeom prst="line">
+            <a:avLst/>
+          </a:prstGeom>
+        </p:spPr>
+        <p:style>
+          <a:lnRef idx="1">
+            <a:schemeClr val="accent1"/>
+          </a:lnRef>
+          <a:fillRef idx="0">
+            <a:schemeClr val="accent1"/>
+          </a:fillRef>
+          <a:effectRef idx="0">
+            <a:schemeClr val="accent1"/>
+          </a:effectRef>
+          <a:fontRef idx="minor">
+            <a:schemeClr val="tx1"/>
+          </a:fontRef>
+        </p:style>
+      </p:cxnSp>
+      <p:sp>
+        <p:nvSpPr>
+          <p:cNvPr id="28" name="직사각형 27">
+            <a:extLst>
+              <a:ext uri="{FF2B5EF4-FFF2-40B4-BE49-F238E27FC236}">
+                <a16:creationId xmlns:a16="http://schemas.microsoft.com/office/drawing/2014/main" id="{20D19D16-7DFC-D24F-723A-31E62CCE62BE}"/>
+              </a:ext>
+            </a:extLst>
+          </p:cNvPr>
+          <p:cNvSpPr/>
+          <p:nvPr/>
+        </p:nvSpPr>
+        <p:spPr>
+          <a:xfrm>
+            <a:off x="2061391" y="1479207"/>
+            <a:ext cx="513436" cy="513436"/>
+          </a:xfrm>
+          <a:prstGeom prst="rect">
+            <a:avLst/>
+          </a:prstGeom>
+          <a:solidFill>
+            <a:schemeClr val="accent2">
+              <a:lumMod val="75000"/>
+            </a:schemeClr>
+          </a:solidFill>
+          <a:ln>
+            <a:solidFill>
+              <a:schemeClr val="accent2">
+                <a:lumMod val="50000"/>
+              </a:schemeClr>
+            </a:solidFill>
+          </a:ln>
+        </p:spPr>
+        <p:style>
+          <a:lnRef idx="2">
+            <a:schemeClr val="accent1">
+              <a:shade val="50000"/>
+            </a:schemeClr>
+          </a:lnRef>
+          <a:fillRef idx="1">
+            <a:schemeClr val="accent1"/>
+          </a:fillRef>
+          <a:effectRef idx="0">
+            <a:schemeClr val="accent1"/>
+          </a:effectRef>
+          <a:fontRef idx="minor">
+            <a:schemeClr val="lt1"/>
+          </a:fontRef>
+        </p:style>
+        <p:txBody>
+          <a:bodyPr rtlCol="0" anchor="ctr"/>
+          <a:lstStyle/>
+          <a:p>
+            <a:pPr algn="ctr"/>
+            <a:endParaRPr lang="ko-KR" altLang="en-US"/>
+          </a:p>
+        </p:txBody>
+      </p:sp>
+      <p:pic>
+        <p:nvPicPr>
+          <p:cNvPr id="23" name="그림 22" descr="옅은이(가) 표시된 사진&#10;&#10;자동 생성된 설명">
+            <a:extLst>
+              <a:ext uri="{FF2B5EF4-FFF2-40B4-BE49-F238E27FC236}">
+                <a16:creationId xmlns:a16="http://schemas.microsoft.com/office/drawing/2014/main" id="{E3223B02-1791-3530-0C46-E523A28FC8B9}"/>
+              </a:ext>
+            </a:extLst>
+          </p:cNvPr>
+          <p:cNvPicPr>
+            <a:picLocks noChangeAspect="1"/>
+          </p:cNvPicPr>
+          <p:nvPr/>
+        </p:nvPicPr>
+        <p:blipFill>
+          <a:blip r:embed="rId4">
+            <a:extLst>
+              <a:ext uri="{28A0092B-C50C-407E-A947-70E740481C1C}">
+                <a14:useLocalDpi xmlns:a14="http://schemas.microsoft.com/office/drawing/2010/main" val="0"/>
+              </a:ext>
+            </a:extLst>
+          </a:blip>
+          <a:stretch>
+            <a:fillRect/>
+          </a:stretch>
+        </p:blipFill>
+        <p:spPr>
+          <a:xfrm>
+            <a:off x="752174" y="1845657"/>
+            <a:ext cx="192646" cy="192646"/>
+          </a:xfrm>
+          <a:prstGeom prst="rect">
+            <a:avLst/>
+          </a:prstGeom>
+        </p:spPr>
+      </p:pic>
+      <p:pic>
+        <p:nvPicPr>
+          <p:cNvPr id="31" name="그림 30" descr="옅은이(가) 표시된 사진&#10;&#10;자동 생성된 설명">
+            <a:extLst>
+              <a:ext uri="{FF2B5EF4-FFF2-40B4-BE49-F238E27FC236}">
+                <a16:creationId xmlns:a16="http://schemas.microsoft.com/office/drawing/2014/main" id="{C15D4DED-8B86-B13D-FD90-7B44D466A2E5}"/>
+              </a:ext>
+            </a:extLst>
+          </p:cNvPr>
+          <p:cNvPicPr>
+            <a:picLocks noChangeAspect="1"/>
+          </p:cNvPicPr>
+          <p:nvPr/>
+        </p:nvPicPr>
+        <p:blipFill>
+          <a:blip r:embed="rId4">
+            <a:extLst>
+              <a:ext uri="{28A0092B-C50C-407E-A947-70E740481C1C}">
+                <a14:useLocalDpi xmlns:a14="http://schemas.microsoft.com/office/drawing/2010/main" val="0"/>
+              </a:ext>
+            </a:extLst>
+          </a:blip>
+          <a:stretch>
+            <a:fillRect/>
+          </a:stretch>
+        </p:blipFill>
+        <p:spPr>
+          <a:xfrm>
+            <a:off x="848497" y="1855451"/>
+            <a:ext cx="192646" cy="192646"/>
+          </a:xfrm>
+          <a:prstGeom prst="rect">
+            <a:avLst/>
+          </a:prstGeom>
+        </p:spPr>
+      </p:pic>
+      <p:sp>
+        <p:nvSpPr>
+          <p:cNvPr id="32" name="직사각형 31">
+            <a:extLst>
+              <a:ext uri="{FF2B5EF4-FFF2-40B4-BE49-F238E27FC236}">
+                <a16:creationId xmlns:a16="http://schemas.microsoft.com/office/drawing/2014/main" id="{21B6D2FC-B3D7-8619-6735-FA11581CF8E2}"/>
+              </a:ext>
+            </a:extLst>
+          </p:cNvPr>
+          <p:cNvSpPr/>
+          <p:nvPr/>
+        </p:nvSpPr>
+        <p:spPr>
+          <a:xfrm>
+            <a:off x="954960" y="1877958"/>
+            <a:ext cx="137118" cy="137118"/>
+          </a:xfrm>
+          <a:prstGeom prst="rect">
+            <a:avLst/>
+          </a:prstGeom>
+          <a:noFill/>
+          <a:ln>
+            <a:solidFill>
+              <a:schemeClr val="tx1"/>
+            </a:solidFill>
+          </a:ln>
+        </p:spPr>
+        <p:style>
+          <a:lnRef idx="2">
+            <a:schemeClr val="accent1">
+              <a:shade val="50000"/>
+            </a:schemeClr>
+          </a:lnRef>
+          <a:fillRef idx="1">
+            <a:schemeClr val="accent1"/>
+          </a:fillRef>
+          <a:effectRef idx="0">
+            <a:schemeClr val="accent1"/>
+          </a:effectRef>
+          <a:fontRef idx="minor">
+            <a:schemeClr val="lt1"/>
+          </a:fontRef>
+        </p:style>
+        <p:txBody>
+          <a:bodyPr rtlCol="0" anchor="ctr"/>
+          <a:lstStyle/>
+          <a:p>
+            <a:pPr algn="ctr"/>
+            <a:endParaRPr lang="ko-KR" altLang="en-US"/>
+          </a:p>
+        </p:txBody>
+      </p:sp>
+      <p:pic>
+        <p:nvPicPr>
+          <p:cNvPr id="33" name="그림 32" descr="옅은이(가) 표시된 사진&#10;&#10;자동 생성된 설명">
+            <a:extLst>
+              <a:ext uri="{FF2B5EF4-FFF2-40B4-BE49-F238E27FC236}">
+                <a16:creationId xmlns:a16="http://schemas.microsoft.com/office/drawing/2014/main" id="{406329C7-B4F6-56F1-D969-B59577E11213}"/>
+              </a:ext>
+            </a:extLst>
+          </p:cNvPr>
+          <p:cNvPicPr>
+            <a:picLocks noChangeAspect="1"/>
+          </p:cNvPicPr>
+          <p:nvPr/>
+        </p:nvPicPr>
+        <p:blipFill>
+          <a:blip r:embed="rId4">
+            <a:extLst>
+              <a:ext uri="{28A0092B-C50C-407E-A947-70E740481C1C}">
+                <a14:useLocalDpi xmlns:a14="http://schemas.microsoft.com/office/drawing/2010/main" val="0"/>
+              </a:ext>
+            </a:extLst>
+          </a:blip>
+          <a:stretch>
+            <a:fillRect/>
+          </a:stretch>
+        </p:blipFill>
+        <p:spPr>
+          <a:xfrm>
+            <a:off x="691793" y="2340143"/>
+            <a:ext cx="192646" cy="192646"/>
+          </a:xfrm>
+          <a:prstGeom prst="rect">
+            <a:avLst/>
+          </a:prstGeom>
+        </p:spPr>
+      </p:pic>
+      <p:cxnSp>
+        <p:nvCxnSpPr>
+          <p:cNvPr id="38" name="직선 화살표 연결선 37">
+            <a:extLst>
+              <a:ext uri="{FF2B5EF4-FFF2-40B4-BE49-F238E27FC236}">
+                <a16:creationId xmlns:a16="http://schemas.microsoft.com/office/drawing/2014/main" id="{CD05F9F0-AFC0-B4F1-9048-115FB3D181B7}"/>
+              </a:ext>
+            </a:extLst>
+          </p:cNvPr>
+          <p:cNvCxnSpPr>
+            <a:stCxn id="33" idx="0"/>
+            <a:endCxn id="32" idx="2"/>
+          </p:cNvCxnSpPr>
+          <p:nvPr/>
+        </p:nvCxnSpPr>
+        <p:spPr>
+          <a:xfrm flipV="1">
+            <a:off x="788116" y="2015076"/>
+            <a:ext cx="235403" cy="325067"/>
+          </a:xfrm>
+          <a:prstGeom prst="straightConnector1">
+            <a:avLst/>
+          </a:prstGeom>
+          <a:ln>
+            <a:tailEnd type="triangle"/>
+          </a:ln>
+        </p:spPr>
+        <p:style>
+          <a:lnRef idx="1">
+            <a:schemeClr val="dk1"/>
+          </a:lnRef>
+          <a:fillRef idx="0">
+            <a:schemeClr val="dk1"/>
+          </a:fillRef>
+          <a:effectRef idx="0">
+            <a:schemeClr val="dk1"/>
+          </a:effectRef>
+          <a:fontRef idx="minor">
+            <a:schemeClr val="tx1"/>
+          </a:fontRef>
+        </p:style>
+      </p:cxnSp>
+      <p:sp>
+        <p:nvSpPr>
+          <p:cNvPr id="39" name="TextBox 38">
+            <a:extLst>
+              <a:ext uri="{FF2B5EF4-FFF2-40B4-BE49-F238E27FC236}">
+                <a16:creationId xmlns:a16="http://schemas.microsoft.com/office/drawing/2014/main" id="{ADFA1188-4B6E-08E0-1C18-5EF00812CFDB}"/>
+              </a:ext>
+            </a:extLst>
+          </p:cNvPr>
+          <p:cNvSpPr txBox="1"/>
+          <p:nvPr/>
+        </p:nvSpPr>
+        <p:spPr>
+          <a:xfrm>
+            <a:off x="3052646" y="1181786"/>
+            <a:ext cx="2392001" cy="1077218"/>
+          </a:xfrm>
+          <a:prstGeom prst="rect">
+            <a:avLst/>
+          </a:prstGeom>
+          <a:noFill/>
+        </p:spPr>
+        <p:txBody>
+          <a:bodyPr wrap="none" rtlCol="0">
+            <a:spAutoFit/>
+          </a:bodyPr>
+          <a:lstStyle/>
+          <a:p>
+            <a:r>
+              <a:rPr lang="ko-KR" altLang="en-US" sz="800" dirty="0"/>
+              <a:t>코코넛과 베리를 표시된 다음 놓을 곳에</a:t>
+            </a:r>
+            <a:endParaRPr lang="en-US" altLang="ko-KR" sz="800" dirty="0"/>
+          </a:p>
+          <a:p>
+            <a:r>
+              <a:rPr lang="ko-KR" altLang="en-US" sz="800" dirty="0"/>
+              <a:t>놓습니다</a:t>
+            </a:r>
+            <a:r>
+              <a:rPr lang="en-US" altLang="ko-KR" sz="800" dirty="0"/>
+              <a:t>.</a:t>
+            </a:r>
+          </a:p>
+          <a:p>
+            <a:endParaRPr lang="en-US" altLang="ko-KR" sz="800" dirty="0"/>
+          </a:p>
+          <a:p>
+            <a:r>
+              <a:rPr lang="ko-KR" altLang="en-US" sz="800" dirty="0"/>
+              <a:t>모아야하는 코코넛</a:t>
+            </a:r>
+            <a:r>
+              <a:rPr lang="en-US" altLang="ko-KR" sz="800" dirty="0"/>
+              <a:t>, </a:t>
+            </a:r>
+            <a:r>
+              <a:rPr lang="ko-KR" altLang="en-US" sz="800" dirty="0"/>
+              <a:t>베리의 양을 모두</a:t>
+            </a:r>
+            <a:endParaRPr lang="en-US" altLang="ko-KR" sz="800" dirty="0"/>
+          </a:p>
+          <a:p>
+            <a:r>
+              <a:rPr lang="ko-KR" altLang="en-US" sz="800" dirty="0"/>
+              <a:t>채우면 옆에 있는 뚜껑이 활성화됩니다</a:t>
+            </a:r>
+            <a:r>
+              <a:rPr lang="en-US" altLang="ko-KR" sz="800" dirty="0"/>
+              <a:t>.</a:t>
+            </a:r>
+          </a:p>
+          <a:p>
+            <a:endParaRPr lang="en-US" altLang="ko-KR" sz="800" dirty="0"/>
+          </a:p>
+          <a:p>
+            <a:r>
+              <a:rPr lang="ko-KR" altLang="en-US" sz="800" dirty="0"/>
+              <a:t>뚜껑을 닫으면 코코넛</a:t>
+            </a:r>
+            <a:r>
+              <a:rPr lang="en-US" altLang="ko-KR" sz="800" dirty="0"/>
+              <a:t>, </a:t>
+            </a:r>
+            <a:r>
+              <a:rPr lang="ko-KR" altLang="en-US" sz="800" dirty="0"/>
+              <a:t>베리 모으는 미션 완료로 </a:t>
+            </a:r>
+            <a:endParaRPr lang="en-US" altLang="ko-KR" sz="800" dirty="0"/>
+          </a:p>
+          <a:p>
+            <a:r>
+              <a:rPr lang="ko-KR" altLang="en-US" sz="800" dirty="0"/>
+              <a:t>상호작용이 되지 않습니다</a:t>
+            </a:r>
+            <a:r>
+              <a:rPr lang="en-US" altLang="ko-KR" sz="800" dirty="0"/>
+              <a:t>.</a:t>
+            </a:r>
+          </a:p>
+        </p:txBody>
+      </p:sp>
+      <p:graphicFrame>
+        <p:nvGraphicFramePr>
+          <p:cNvPr id="51" name="표 35">
+            <a:extLst>
+              <a:ext uri="{FF2B5EF4-FFF2-40B4-BE49-F238E27FC236}">
+                <a16:creationId xmlns:a16="http://schemas.microsoft.com/office/drawing/2014/main" id="{44A69BAE-4E20-D2FB-BA8E-0A162DCCD1E3}"/>
+              </a:ext>
+            </a:extLst>
+          </p:cNvPr>
+          <p:cNvGraphicFramePr>
+            <a:graphicFrameLocks noGrp="1"/>
+          </p:cNvGraphicFramePr>
+          <p:nvPr>
+            <p:extLst>
+              <p:ext uri="{D42A27DB-BD31-4B8C-83A1-F6EECF244321}">
+                <p14:modId xmlns:p14="http://schemas.microsoft.com/office/powerpoint/2010/main" val="3248352512"/>
+              </p:ext>
+            </p:extLst>
+          </p:nvPr>
+        </p:nvGraphicFramePr>
+        <p:xfrm>
+          <a:off x="5788498" y="2263285"/>
+          <a:ext cx="1792294" cy="272419"/>
+        </p:xfrm>
+        <a:graphic>
+          <a:graphicData uri="http://schemas.openxmlformats.org/drawingml/2006/table">
+            <a:tbl>
+              <a:tblPr firstRow="1" bandRow="1">
+                <a:tableStyleId>{5C22544A-7EE6-4342-B048-85BDC9FD1C3A}</a:tableStyleId>
+              </a:tblPr>
+              <a:tblGrid>
+                <a:gridCol w="256042">
+                  <a:extLst>
+                    <a:ext uri="{9D8B030D-6E8A-4147-A177-3AD203B41FA5}">
+                      <a16:colId xmlns:a16="http://schemas.microsoft.com/office/drawing/2014/main" val="4259070184"/>
+                    </a:ext>
+                  </a:extLst>
+                </a:gridCol>
+                <a:gridCol w="256042">
+                  <a:extLst>
+                    <a:ext uri="{9D8B030D-6E8A-4147-A177-3AD203B41FA5}">
+                      <a16:colId xmlns:a16="http://schemas.microsoft.com/office/drawing/2014/main" val="3870245060"/>
+                    </a:ext>
+                  </a:extLst>
+                </a:gridCol>
+                <a:gridCol w="256042">
+                  <a:extLst>
+                    <a:ext uri="{9D8B030D-6E8A-4147-A177-3AD203B41FA5}">
+                      <a16:colId xmlns:a16="http://schemas.microsoft.com/office/drawing/2014/main" val="4267028519"/>
+                    </a:ext>
+                  </a:extLst>
+                </a:gridCol>
+                <a:gridCol w="256042">
+                  <a:extLst>
+                    <a:ext uri="{9D8B030D-6E8A-4147-A177-3AD203B41FA5}">
+                      <a16:colId xmlns:a16="http://schemas.microsoft.com/office/drawing/2014/main" val="1587214746"/>
+                    </a:ext>
+                  </a:extLst>
+                </a:gridCol>
+                <a:gridCol w="256042">
+                  <a:extLst>
+                    <a:ext uri="{9D8B030D-6E8A-4147-A177-3AD203B41FA5}">
+                      <a16:colId xmlns:a16="http://schemas.microsoft.com/office/drawing/2014/main" val="2766605012"/>
+                    </a:ext>
+                  </a:extLst>
+                </a:gridCol>
+                <a:gridCol w="256042">
+                  <a:extLst>
+                    <a:ext uri="{9D8B030D-6E8A-4147-A177-3AD203B41FA5}">
+                      <a16:colId xmlns:a16="http://schemas.microsoft.com/office/drawing/2014/main" val="1633053370"/>
+                    </a:ext>
+                  </a:extLst>
+                </a:gridCol>
+                <a:gridCol w="256042">
+                  <a:extLst>
+                    <a:ext uri="{9D8B030D-6E8A-4147-A177-3AD203B41FA5}">
+                      <a16:colId xmlns:a16="http://schemas.microsoft.com/office/drawing/2014/main" val="1862262683"/>
+                    </a:ext>
+                  </a:extLst>
+                </a:gridCol>
+              </a:tblGrid>
+              <a:tr h="272419">
+                <a:tc>
+                  <a:txBody>
+                    <a:bodyPr/>
+                    <a:lstStyle/>
+                    <a:p>
+                      <a:pPr latinLnBrk="1"/>
+                      <a:endParaRPr lang="ko-KR" altLang="en-US" sz="100" dirty="0"/>
+                    </a:p>
+                  </a:txBody>
+                  <a:tcPr>
+                    <a:lnL w="12700" cap="flat" cmpd="sng" algn="ctr">
+                      <a:solidFill>
+                        <a:schemeClr val="tx1"/>
+                      </a:solidFill>
+                      <a:prstDash val="solid"/>
+                      <a:round/>
+                      <a:headEnd type="none" w="med" len="med"/>
+                      <a:tailEnd type="none" w="med" len="med"/>
+                    </a:lnL>
+                    <a:lnR w="12700" cap="flat" cmpd="sng" algn="ctr">
+                      <a:solidFill>
+                        <a:schemeClr val="tx1"/>
+                      </a:solidFill>
+                      <a:prstDash val="solid"/>
+                      <a:round/>
+                      <a:headEnd type="none" w="med" len="med"/>
+                      <a:tailEnd type="none" w="med" len="med"/>
+                    </a:lnR>
+                    <a:lnT w="12700" cap="flat" cmpd="sng" algn="ctr">
+                      <a:solidFill>
+                        <a:schemeClr val="tx1"/>
+                      </a:solidFill>
+                      <a:prstDash val="solid"/>
+                      <a:round/>
+                      <a:headEnd type="none" w="med" len="med"/>
+                      <a:tailEnd type="none" w="med" len="med"/>
+                    </a:lnT>
+                    <a:lnB w="12700" cap="flat" cmpd="sng" algn="ctr">
+                      <a:solidFill>
+                        <a:schemeClr val="tx1"/>
+                      </a:solidFill>
+                      <a:prstDash val="solid"/>
+                      <a:round/>
+                      <a:headEnd type="none" w="med" len="med"/>
+                      <a:tailEnd type="none" w="med" len="med"/>
+                    </a:lnB>
+                    <a:noFill/>
+                  </a:tcPr>
+                </a:tc>
+                <a:tc>
+                  <a:txBody>
+                    <a:bodyPr/>
+                    <a:lstStyle/>
+                    <a:p>
+                      <a:pPr latinLnBrk="1"/>
+                      <a:endParaRPr lang="ko-KR" altLang="en-US" sz="100" dirty="0"/>
+                    </a:p>
+                  </a:txBody>
+                  <a:tcPr>
+                    <a:lnL w="12700" cap="flat" cmpd="sng" algn="ctr">
+                      <a:solidFill>
+                        <a:schemeClr val="tx1"/>
+                      </a:solidFill>
+                      <a:prstDash val="solid"/>
+                      <a:round/>
+                      <a:headEnd type="none" w="med" len="med"/>
+                      <a:tailEnd type="none" w="med" len="med"/>
+                    </a:lnL>
+                    <a:lnR w="12700" cap="flat" cmpd="sng" algn="ctr">
+                      <a:solidFill>
+                        <a:schemeClr val="tx1"/>
+                      </a:solidFill>
+                      <a:prstDash val="solid"/>
+                      <a:round/>
+                      <a:headEnd type="none" w="med" len="med"/>
+                      <a:tailEnd type="none" w="med" len="med"/>
+                    </a:lnR>
+                    <a:lnT w="12700" cap="flat" cmpd="sng" algn="ctr">
+                      <a:solidFill>
+                        <a:schemeClr val="tx1"/>
+                      </a:solidFill>
+                      <a:prstDash val="solid"/>
+                      <a:round/>
+                      <a:headEnd type="none" w="med" len="med"/>
+                      <a:tailEnd type="none" w="med" len="med"/>
+                    </a:lnT>
+                    <a:lnB w="12700" cap="flat" cmpd="sng" algn="ctr">
+                      <a:solidFill>
+                        <a:schemeClr val="tx1"/>
+                      </a:solidFill>
+                      <a:prstDash val="solid"/>
+                      <a:round/>
+                      <a:headEnd type="none" w="med" len="med"/>
+                      <a:tailEnd type="none" w="med" len="med"/>
+                    </a:lnB>
+                    <a:noFill/>
+                  </a:tcPr>
+                </a:tc>
+                <a:tc>
+                  <a:txBody>
+                    <a:bodyPr/>
+                    <a:lstStyle/>
+                    <a:p>
+                      <a:pPr latinLnBrk="1"/>
+                      <a:endParaRPr lang="ko-KR" altLang="en-US" sz="100"/>
+                    </a:p>
+                  </a:txBody>
+                  <a:tcPr>
+                    <a:lnL w="12700" cap="flat" cmpd="sng" algn="ctr">
+                      <a:solidFill>
+                        <a:schemeClr val="tx1"/>
+                      </a:solidFill>
+                      <a:prstDash val="solid"/>
+                      <a:round/>
+                      <a:headEnd type="none" w="med" len="med"/>
+                      <a:tailEnd type="none" w="med" len="med"/>
+                    </a:lnL>
+                    <a:lnR w="12700" cap="flat" cmpd="sng" algn="ctr">
+                      <a:solidFill>
+                        <a:schemeClr val="tx1"/>
+                      </a:solidFill>
+                      <a:prstDash val="solid"/>
+                      <a:round/>
+                      <a:headEnd type="none" w="med" len="med"/>
+                      <a:tailEnd type="none" w="med" len="med"/>
+                    </a:lnR>
+                    <a:lnT w="12700" cap="flat" cmpd="sng" algn="ctr">
+                      <a:solidFill>
+                        <a:schemeClr val="tx1"/>
+                      </a:solidFill>
+                      <a:prstDash val="solid"/>
+                      <a:round/>
+                      <a:headEnd type="none" w="med" len="med"/>
+                      <a:tailEnd type="none" w="med" len="med"/>
+                    </a:lnT>
+                    <a:lnB w="12700" cap="flat" cmpd="sng" algn="ctr">
+                      <a:solidFill>
+                        <a:schemeClr val="tx1"/>
+                      </a:solidFill>
+                      <a:prstDash val="solid"/>
+                      <a:round/>
+                      <a:headEnd type="none" w="med" len="med"/>
+                      <a:tailEnd type="none" w="med" len="med"/>
+                    </a:lnB>
+                    <a:noFill/>
+                  </a:tcPr>
+                </a:tc>
+                <a:tc>
+                  <a:txBody>
+                    <a:bodyPr/>
+                    <a:lstStyle/>
+                    <a:p>
+                      <a:pPr latinLnBrk="1"/>
+                      <a:endParaRPr lang="ko-KR" altLang="en-US" sz="100"/>
+                    </a:p>
+                  </a:txBody>
+                  <a:tcPr>
+                    <a:lnL w="12700" cap="flat" cmpd="sng" algn="ctr">
+                      <a:solidFill>
+                        <a:schemeClr val="tx1"/>
+                      </a:solidFill>
+                      <a:prstDash val="solid"/>
+                      <a:round/>
+                      <a:headEnd type="none" w="med" len="med"/>
+                      <a:tailEnd type="none" w="med" len="med"/>
+                    </a:lnL>
+                    <a:lnR w="12700" cap="flat" cmpd="sng" algn="ctr">
+                      <a:solidFill>
+                        <a:schemeClr val="tx1"/>
+                      </a:solidFill>
+                      <a:prstDash val="solid"/>
+                      <a:round/>
+                      <a:headEnd type="none" w="med" len="med"/>
+                      <a:tailEnd type="none" w="med" len="med"/>
+                    </a:lnR>
+                    <a:lnT w="12700" cap="flat" cmpd="sng" algn="ctr">
+                      <a:solidFill>
+                        <a:schemeClr val="tx1"/>
+                      </a:solidFill>
+                      <a:prstDash val="solid"/>
+                      <a:round/>
+                      <a:headEnd type="none" w="med" len="med"/>
+                      <a:tailEnd type="none" w="med" len="med"/>
+                    </a:lnT>
+                    <a:lnB w="12700" cap="flat" cmpd="sng" algn="ctr">
+                      <a:solidFill>
+                        <a:schemeClr val="tx1"/>
+                      </a:solidFill>
+                      <a:prstDash val="solid"/>
+                      <a:round/>
+                      <a:headEnd type="none" w="med" len="med"/>
+                      <a:tailEnd type="none" w="med" len="med"/>
+                    </a:lnB>
+                    <a:noFill/>
+                  </a:tcPr>
+                </a:tc>
+                <a:tc>
+                  <a:txBody>
+                    <a:bodyPr/>
+                    <a:lstStyle/>
+                    <a:p>
+                      <a:pPr latinLnBrk="1"/>
+                      <a:endParaRPr lang="ko-KR" altLang="en-US" sz="100"/>
+                    </a:p>
+                  </a:txBody>
+                  <a:tcPr>
+                    <a:lnL w="12700" cap="flat" cmpd="sng" algn="ctr">
+                      <a:solidFill>
+                        <a:schemeClr val="tx1"/>
+                      </a:solidFill>
+                      <a:prstDash val="solid"/>
+                      <a:round/>
+                      <a:headEnd type="none" w="med" len="med"/>
+                      <a:tailEnd type="none" w="med" len="med"/>
+                    </a:lnL>
+                    <a:lnR w="12700" cap="flat" cmpd="sng" algn="ctr">
+                      <a:solidFill>
+                        <a:schemeClr val="tx1"/>
+                      </a:solidFill>
+                      <a:prstDash val="solid"/>
+                      <a:round/>
+                      <a:headEnd type="none" w="med" len="med"/>
+                      <a:tailEnd type="none" w="med" len="med"/>
+                    </a:lnR>
+                    <a:lnT w="12700" cap="flat" cmpd="sng" algn="ctr">
+                      <a:solidFill>
+                        <a:schemeClr val="tx1"/>
+                      </a:solidFill>
+                      <a:prstDash val="solid"/>
+                      <a:round/>
+                      <a:headEnd type="none" w="med" len="med"/>
+                      <a:tailEnd type="none" w="med" len="med"/>
+                    </a:lnT>
+                    <a:lnB w="12700" cap="flat" cmpd="sng" algn="ctr">
+                      <a:solidFill>
+                        <a:schemeClr val="tx1"/>
+                      </a:solidFill>
+                      <a:prstDash val="solid"/>
+                      <a:round/>
+                      <a:headEnd type="none" w="med" len="med"/>
+                      <a:tailEnd type="none" w="med" len="med"/>
+                    </a:lnB>
+                    <a:noFill/>
+                  </a:tcPr>
+                </a:tc>
+                <a:tc>
+                  <a:txBody>
+                    <a:bodyPr/>
+                    <a:lstStyle/>
+                    <a:p>
+                      <a:endParaRPr lang="ko-KR" altLang="en-US" sz="100" dirty="0"/>
+                    </a:p>
+                  </a:txBody>
+                  <a:tcPr>
+                    <a:lnL w="12700" cap="flat" cmpd="sng" algn="ctr">
+                      <a:solidFill>
+                        <a:schemeClr val="tx1"/>
+                      </a:solidFill>
+                      <a:prstDash val="solid"/>
+                      <a:round/>
+                      <a:headEnd type="none" w="med" len="med"/>
+                      <a:tailEnd type="none" w="med" len="med"/>
+                    </a:lnL>
+                    <a:lnR w="12700" cap="flat" cmpd="sng" algn="ctr">
+                      <a:solidFill>
+                        <a:schemeClr val="tx1"/>
+                      </a:solidFill>
+                      <a:prstDash val="solid"/>
+                      <a:round/>
+                      <a:headEnd type="none" w="med" len="med"/>
+                      <a:tailEnd type="none" w="med" len="med"/>
+                    </a:lnR>
+                    <a:lnT w="12700" cap="flat" cmpd="sng" algn="ctr">
+                      <a:solidFill>
+                        <a:schemeClr val="tx1"/>
+                      </a:solidFill>
+                      <a:prstDash val="solid"/>
+                      <a:round/>
+                      <a:headEnd type="none" w="med" len="med"/>
+                      <a:tailEnd type="none" w="med" len="med"/>
+                    </a:lnT>
+                    <a:lnB w="12700" cap="flat" cmpd="sng" algn="ctr">
+                      <a:solidFill>
+                        <a:schemeClr val="tx1"/>
+                      </a:solidFill>
+                      <a:prstDash val="solid"/>
+                      <a:round/>
+                      <a:headEnd type="none" w="med" len="med"/>
+                      <a:tailEnd type="none" w="med" len="med"/>
+                    </a:lnB>
+                    <a:noFill/>
+                  </a:tcPr>
+                </a:tc>
+                <a:tc>
+                  <a:txBody>
+                    <a:bodyPr/>
+                    <a:lstStyle/>
+                    <a:p>
+                      <a:endParaRPr lang="ko-KR" altLang="en-US" sz="100" dirty="0"/>
+                    </a:p>
+                  </a:txBody>
+                  <a:tcPr>
+                    <a:lnL w="12700" cap="flat" cmpd="sng" algn="ctr">
+                      <a:solidFill>
+                        <a:schemeClr val="tx1"/>
+                      </a:solidFill>
+                      <a:prstDash val="solid"/>
+                      <a:round/>
+                      <a:headEnd type="none" w="med" len="med"/>
+                      <a:tailEnd type="none" w="med" len="med"/>
+                    </a:lnL>
+                    <a:lnR w="12700" cap="flat" cmpd="sng" algn="ctr">
+                      <a:solidFill>
+                        <a:schemeClr val="tx1"/>
+                      </a:solidFill>
+                      <a:prstDash val="solid"/>
+                      <a:round/>
+                      <a:headEnd type="none" w="med" len="med"/>
+                      <a:tailEnd type="none" w="med" len="med"/>
+                    </a:lnR>
+                    <a:lnT w="12700" cap="flat" cmpd="sng" algn="ctr">
+                      <a:solidFill>
+                        <a:schemeClr val="tx1"/>
+                      </a:solidFill>
+                      <a:prstDash val="solid"/>
+                      <a:round/>
+                      <a:headEnd type="none" w="med" len="med"/>
+                      <a:tailEnd type="none" w="med" len="med"/>
+                    </a:lnT>
+                    <a:lnB w="12700" cap="flat" cmpd="sng" algn="ctr">
+                      <a:solidFill>
+                        <a:schemeClr val="tx1"/>
+                      </a:solidFill>
+                      <a:prstDash val="solid"/>
+                      <a:round/>
+                      <a:headEnd type="none" w="med" len="med"/>
+                      <a:tailEnd type="none" w="med" len="med"/>
+                    </a:lnB>
+                    <a:noFill/>
+                  </a:tcPr>
+                </a:tc>
+                <a:extLst>
+                  <a:ext uri="{0D108BD9-81ED-4DB2-BD59-A6C34878D82A}">
+                    <a16:rowId xmlns:a16="http://schemas.microsoft.com/office/drawing/2014/main" val="975047287"/>
+                  </a:ext>
+                </a:extLst>
+              </a:tr>
+            </a:tbl>
+          </a:graphicData>
+        </a:graphic>
+      </p:graphicFrame>
+      <p:sp>
+        <p:nvSpPr>
+          <p:cNvPr id="52" name="직사각형 51">
+            <a:extLst>
+              <a:ext uri="{FF2B5EF4-FFF2-40B4-BE49-F238E27FC236}">
+                <a16:creationId xmlns:a16="http://schemas.microsoft.com/office/drawing/2014/main" id="{499E8143-05C3-AF2E-3023-E5482A420D3F}"/>
+              </a:ext>
+            </a:extLst>
+          </p:cNvPr>
+          <p:cNvSpPr/>
+          <p:nvPr/>
+        </p:nvSpPr>
+        <p:spPr>
+          <a:xfrm>
+            <a:off x="5524708" y="1157236"/>
+            <a:ext cx="2407298" cy="1034474"/>
+          </a:xfrm>
+          <a:prstGeom prst="rect">
+            <a:avLst/>
+          </a:prstGeom>
+          <a:solidFill>
+            <a:schemeClr val="bg1"/>
+          </a:solidFill>
+          <a:ln w="28575">
+            <a:solidFill>
+              <a:schemeClr val="tx1"/>
+            </a:solidFill>
+          </a:ln>
+        </p:spPr>
+        <p:style>
+          <a:lnRef idx="2">
+            <a:schemeClr val="accent1">
+              <a:shade val="50000"/>
+            </a:schemeClr>
+          </a:lnRef>
+          <a:fillRef idx="1">
+            <a:schemeClr val="accent1"/>
+          </a:fillRef>
+          <a:effectRef idx="0">
+            <a:schemeClr val="accent1"/>
+          </a:effectRef>
+          <a:fontRef idx="minor">
+            <a:schemeClr val="lt1"/>
+          </a:fontRef>
+        </p:style>
+        <p:txBody>
+          <a:bodyPr rtlCol="0" anchor="ctr"/>
+          <a:lstStyle/>
+          <a:p>
+            <a:pPr algn="ctr"/>
+            <a:endParaRPr lang="ko-KR" altLang="en-US" sz="1100" dirty="0"/>
+          </a:p>
+        </p:txBody>
+      </p:sp>
+      <p:sp>
+        <p:nvSpPr>
+          <p:cNvPr id="53" name="직사각형 52">
+            <a:extLst>
+              <a:ext uri="{FF2B5EF4-FFF2-40B4-BE49-F238E27FC236}">
+                <a16:creationId xmlns:a16="http://schemas.microsoft.com/office/drawing/2014/main" id="{C9DFB68A-D48D-6361-1DCE-45040FB71828}"/>
+              </a:ext>
+            </a:extLst>
+          </p:cNvPr>
+          <p:cNvSpPr/>
+          <p:nvPr/>
+        </p:nvSpPr>
+        <p:spPr>
+          <a:xfrm>
+            <a:off x="5876608" y="1345348"/>
+            <a:ext cx="658249" cy="658249"/>
+          </a:xfrm>
+          <a:prstGeom prst="rect">
+            <a:avLst/>
+          </a:prstGeom>
+          <a:solidFill>
+            <a:schemeClr val="accent2">
+              <a:lumMod val="75000"/>
+            </a:schemeClr>
+          </a:solidFill>
+          <a:ln>
+            <a:solidFill>
+              <a:schemeClr val="accent2">
+                <a:lumMod val="50000"/>
+              </a:schemeClr>
+            </a:solidFill>
+          </a:ln>
+        </p:spPr>
+        <p:style>
+          <a:lnRef idx="2">
+            <a:schemeClr val="accent1">
+              <a:shade val="50000"/>
+            </a:schemeClr>
+          </a:lnRef>
+          <a:fillRef idx="1">
+            <a:schemeClr val="accent1"/>
+          </a:fillRef>
+          <a:effectRef idx="0">
+            <a:schemeClr val="accent1"/>
+          </a:effectRef>
+          <a:fontRef idx="minor">
+            <a:schemeClr val="lt1"/>
+          </a:fontRef>
+        </p:style>
+        <p:txBody>
+          <a:bodyPr rtlCol="0" anchor="ctr"/>
+          <a:lstStyle/>
+          <a:p>
+            <a:pPr algn="ctr"/>
+            <a:endParaRPr lang="ko-KR" altLang="en-US"/>
+          </a:p>
+        </p:txBody>
+      </p:sp>
+      <p:cxnSp>
+        <p:nvCxnSpPr>
+          <p:cNvPr id="54" name="직선 연결선 53">
+            <a:extLst>
+              <a:ext uri="{FF2B5EF4-FFF2-40B4-BE49-F238E27FC236}">
+                <a16:creationId xmlns:a16="http://schemas.microsoft.com/office/drawing/2014/main" id="{5676B0C2-833F-312A-80B4-39623A6895BE}"/>
+              </a:ext>
+            </a:extLst>
+          </p:cNvPr>
+          <p:cNvCxnSpPr/>
+          <p:nvPr/>
+        </p:nvCxnSpPr>
+        <p:spPr>
+          <a:xfrm>
+            <a:off x="6961227" y="1157236"/>
+            <a:ext cx="0" cy="1034474"/>
+          </a:xfrm>
+          <a:prstGeom prst="line">
+            <a:avLst/>
+          </a:prstGeom>
+        </p:spPr>
+        <p:style>
+          <a:lnRef idx="1">
+            <a:schemeClr val="accent1"/>
+          </a:lnRef>
+          <a:fillRef idx="0">
+            <a:schemeClr val="accent1"/>
+          </a:fillRef>
+          <a:effectRef idx="0">
+            <a:schemeClr val="accent1"/>
+          </a:effectRef>
+          <a:fontRef idx="minor">
+            <a:schemeClr val="tx1"/>
+          </a:fontRef>
+        </p:style>
+      </p:cxnSp>
+      <p:sp>
+        <p:nvSpPr>
+          <p:cNvPr id="55" name="직사각형 54">
+            <a:extLst>
+              <a:ext uri="{FF2B5EF4-FFF2-40B4-BE49-F238E27FC236}">
+                <a16:creationId xmlns:a16="http://schemas.microsoft.com/office/drawing/2014/main" id="{9CF35D15-771B-E39E-B41B-930D1232028A}"/>
+              </a:ext>
+            </a:extLst>
+          </p:cNvPr>
+          <p:cNvSpPr/>
+          <p:nvPr/>
+        </p:nvSpPr>
+        <p:spPr>
+          <a:xfrm>
+            <a:off x="7203343" y="1442235"/>
+            <a:ext cx="513436" cy="513436"/>
+          </a:xfrm>
+          <a:prstGeom prst="rect">
+            <a:avLst/>
+          </a:prstGeom>
+          <a:solidFill>
+            <a:schemeClr val="accent2">
+              <a:lumMod val="75000"/>
+            </a:schemeClr>
+          </a:solidFill>
+          <a:ln>
+            <a:solidFill>
+              <a:schemeClr val="accent2">
+                <a:lumMod val="50000"/>
+              </a:schemeClr>
+            </a:solidFill>
+          </a:ln>
+        </p:spPr>
+        <p:style>
+          <a:lnRef idx="2">
+            <a:schemeClr val="accent1">
+              <a:shade val="50000"/>
+            </a:schemeClr>
+          </a:lnRef>
+          <a:fillRef idx="1">
+            <a:schemeClr val="accent1"/>
+          </a:fillRef>
+          <a:effectRef idx="0">
+            <a:schemeClr val="accent1"/>
+          </a:effectRef>
+          <a:fontRef idx="minor">
+            <a:schemeClr val="lt1"/>
+          </a:fontRef>
+        </p:style>
+        <p:txBody>
+          <a:bodyPr rtlCol="0" anchor="ctr"/>
+          <a:lstStyle/>
+          <a:p>
+            <a:pPr algn="ctr"/>
+            <a:endParaRPr lang="ko-KR" altLang="en-US"/>
+          </a:p>
+        </p:txBody>
+      </p:sp>
+      <p:cxnSp>
+        <p:nvCxnSpPr>
+          <p:cNvPr id="60" name="직선 화살표 연결선 59">
+            <a:extLst>
+              <a:ext uri="{FF2B5EF4-FFF2-40B4-BE49-F238E27FC236}">
+                <a16:creationId xmlns:a16="http://schemas.microsoft.com/office/drawing/2014/main" id="{2FD9BC72-8833-1214-28F8-FED295059674}"/>
+              </a:ext>
+            </a:extLst>
+          </p:cNvPr>
+          <p:cNvCxnSpPr>
+            <a:cxnSpLocks/>
+            <a:endCxn id="58" idx="2"/>
+          </p:cNvCxnSpPr>
+          <p:nvPr/>
+        </p:nvCxnSpPr>
+        <p:spPr>
+          <a:xfrm flipV="1">
+            <a:off x="5927996" y="1993329"/>
+            <a:ext cx="213526" cy="325067"/>
+          </a:xfrm>
+          <a:prstGeom prst="straightConnector1">
+            <a:avLst/>
+          </a:prstGeom>
+          <a:ln>
+            <a:tailEnd type="triangle"/>
+          </a:ln>
+        </p:spPr>
+        <p:style>
+          <a:lnRef idx="1">
+            <a:schemeClr val="dk1"/>
+          </a:lnRef>
+          <a:fillRef idx="0">
+            <a:schemeClr val="dk1"/>
+          </a:fillRef>
+          <a:effectRef idx="0">
+            <a:schemeClr val="dk1"/>
+          </a:effectRef>
+          <a:fontRef idx="minor">
+            <a:schemeClr val="tx1"/>
+          </a:fontRef>
+        </p:style>
+      </p:cxnSp>
+      <p:pic>
+        <p:nvPicPr>
+          <p:cNvPr id="62" name="그림 61" descr="텍스트이(가) 표시된 사진&#10;&#10;자동 생성된 설명">
+            <a:extLst>
+              <a:ext uri="{FF2B5EF4-FFF2-40B4-BE49-F238E27FC236}">
+                <a16:creationId xmlns:a16="http://schemas.microsoft.com/office/drawing/2014/main" id="{5A845323-1DF5-E4BC-FEE7-3850C7D6C23D}"/>
+              </a:ext>
+            </a:extLst>
+          </p:cNvPr>
+          <p:cNvPicPr>
+            <a:picLocks noChangeAspect="1"/>
+          </p:cNvPicPr>
+          <p:nvPr/>
+        </p:nvPicPr>
+        <p:blipFill>
+          <a:blip r:embed="rId5">
+            <a:extLst>
+              <a:ext uri="{28A0092B-C50C-407E-A947-70E740481C1C}">
+                <a14:useLocalDpi xmlns:a14="http://schemas.microsoft.com/office/drawing/2010/main" val="0"/>
+              </a:ext>
+            </a:extLst>
+          </a:blip>
+          <a:stretch>
+            <a:fillRect/>
+          </a:stretch>
+        </p:blipFill>
+        <p:spPr>
+          <a:xfrm>
+            <a:off x="5811614" y="2271607"/>
+            <a:ext cx="241544" cy="241544"/>
+          </a:xfrm>
+          <a:prstGeom prst="rect">
+            <a:avLst/>
+          </a:prstGeom>
+        </p:spPr>
+      </p:pic>
+      <p:pic>
+        <p:nvPicPr>
+          <p:cNvPr id="63" name="그림 62" descr="텍스트이(가) 표시된 사진&#10;&#10;자동 생성된 설명">
+            <a:extLst>
+              <a:ext uri="{FF2B5EF4-FFF2-40B4-BE49-F238E27FC236}">
+                <a16:creationId xmlns:a16="http://schemas.microsoft.com/office/drawing/2014/main" id="{2A322605-5DAE-2082-423E-9219D6C2806B}"/>
+              </a:ext>
+            </a:extLst>
+          </p:cNvPr>
+          <p:cNvPicPr>
+            <a:picLocks noChangeAspect="1"/>
+          </p:cNvPicPr>
+          <p:nvPr/>
+        </p:nvPicPr>
+        <p:blipFill>
+          <a:blip r:embed="rId5">
+            <a:extLst>
+              <a:ext uri="{28A0092B-C50C-407E-A947-70E740481C1C}">
+                <a14:useLocalDpi xmlns:a14="http://schemas.microsoft.com/office/drawing/2010/main" val="0"/>
+              </a:ext>
+            </a:extLst>
+          </a:blip>
+          <a:stretch>
+            <a:fillRect/>
+          </a:stretch>
+        </p:blipFill>
+        <p:spPr>
+          <a:xfrm>
+            <a:off x="5850007" y="1795866"/>
+            <a:ext cx="241544" cy="241544"/>
+          </a:xfrm>
+          <a:prstGeom prst="rect">
+            <a:avLst/>
+          </a:prstGeom>
+        </p:spPr>
+      </p:pic>
+      <p:sp>
+        <p:nvSpPr>
+          <p:cNvPr id="58" name="직사각형 57">
+            <a:extLst>
+              <a:ext uri="{FF2B5EF4-FFF2-40B4-BE49-F238E27FC236}">
+                <a16:creationId xmlns:a16="http://schemas.microsoft.com/office/drawing/2014/main" id="{9A27512A-89B6-D939-95A0-11F2F3409323}"/>
+              </a:ext>
+            </a:extLst>
+          </p:cNvPr>
+          <p:cNvSpPr/>
+          <p:nvPr/>
+        </p:nvSpPr>
+        <p:spPr>
+          <a:xfrm>
+            <a:off x="6051086" y="1811091"/>
+            <a:ext cx="180872" cy="182238"/>
+          </a:xfrm>
+          <a:prstGeom prst="rect">
+            <a:avLst/>
+          </a:prstGeom>
+          <a:noFill/>
+          <a:ln>
+            <a:solidFill>
+              <a:schemeClr val="tx1"/>
+            </a:solidFill>
+          </a:ln>
+        </p:spPr>
+        <p:style>
+          <a:lnRef idx="2">
+            <a:schemeClr val="accent1">
+              <a:shade val="50000"/>
+            </a:schemeClr>
+          </a:lnRef>
+          <a:fillRef idx="1">
+            <a:schemeClr val="accent1"/>
+          </a:fillRef>
+          <a:effectRef idx="0">
+            <a:schemeClr val="accent1"/>
+          </a:effectRef>
+          <a:fontRef idx="minor">
+            <a:schemeClr val="lt1"/>
+          </a:fontRef>
+        </p:style>
+        <p:txBody>
+          <a:bodyPr rtlCol="0" anchor="ctr"/>
+          <a:lstStyle/>
+          <a:p>
+            <a:pPr algn="ctr"/>
+            <a:endParaRPr lang="ko-KR" altLang="en-US"/>
+          </a:p>
+        </p:txBody>
+      </p:sp>
+      <p:pic>
+        <p:nvPicPr>
+          <p:cNvPr id="67" name="그림 66">
+            <a:extLst>
+              <a:ext uri="{FF2B5EF4-FFF2-40B4-BE49-F238E27FC236}">
+                <a16:creationId xmlns:a16="http://schemas.microsoft.com/office/drawing/2014/main" id="{248B4C60-AAF2-62D1-9503-2C462277B009}"/>
+              </a:ext>
+            </a:extLst>
+          </p:cNvPr>
+          <p:cNvPicPr>
+            <a:picLocks noChangeAspect="1"/>
+          </p:cNvPicPr>
+          <p:nvPr/>
+        </p:nvPicPr>
+        <p:blipFill>
+          <a:blip r:embed="rId6">
+            <a:extLst>
+              <a:ext uri="{28A0092B-C50C-407E-A947-70E740481C1C}">
+                <a14:useLocalDpi xmlns:a14="http://schemas.microsoft.com/office/drawing/2010/main" val="0"/>
+              </a:ext>
+            </a:extLst>
+          </a:blip>
+          <a:stretch>
+            <a:fillRect/>
+          </a:stretch>
+        </p:blipFill>
+        <p:spPr>
+          <a:xfrm>
+            <a:off x="9054495" y="6020837"/>
+            <a:ext cx="440308" cy="440308"/>
+          </a:xfrm>
+          <a:prstGeom prst="rect">
+            <a:avLst/>
+          </a:prstGeom>
+        </p:spPr>
+      </p:pic>
+      <p:pic>
+        <p:nvPicPr>
+          <p:cNvPr id="68" name="그림 67">
+            <a:extLst>
+              <a:ext uri="{FF2B5EF4-FFF2-40B4-BE49-F238E27FC236}">
+                <a16:creationId xmlns:a16="http://schemas.microsoft.com/office/drawing/2014/main" id="{D366F487-A0A6-557D-7200-3609E1D8D1FA}"/>
+              </a:ext>
+            </a:extLst>
+          </p:cNvPr>
+          <p:cNvPicPr>
+            <a:picLocks noChangeAspect="1"/>
+          </p:cNvPicPr>
+          <p:nvPr/>
+        </p:nvPicPr>
+        <p:blipFill>
+          <a:blip r:embed="rId6">
+            <a:extLst>
+              <a:ext uri="{28A0092B-C50C-407E-A947-70E740481C1C}">
+                <a14:useLocalDpi xmlns:a14="http://schemas.microsoft.com/office/drawing/2010/main" val="0"/>
+              </a:ext>
+            </a:extLst>
+          </a:blip>
+          <a:stretch>
+            <a:fillRect/>
+          </a:stretch>
+        </p:blipFill>
+        <p:spPr>
+          <a:xfrm>
+            <a:off x="9332422" y="6020837"/>
+            <a:ext cx="440308" cy="440308"/>
+          </a:xfrm>
+          <a:prstGeom prst="rect">
+            <a:avLst/>
+          </a:prstGeom>
+        </p:spPr>
+      </p:pic>
+      <p:pic>
+        <p:nvPicPr>
+          <p:cNvPr id="69" name="그림 68">
+            <a:extLst>
+              <a:ext uri="{FF2B5EF4-FFF2-40B4-BE49-F238E27FC236}">
+                <a16:creationId xmlns:a16="http://schemas.microsoft.com/office/drawing/2014/main" id="{5271EA00-88C4-34DD-B2F4-0D5AF047C111}"/>
+              </a:ext>
+            </a:extLst>
+          </p:cNvPr>
+          <p:cNvPicPr>
+            <a:picLocks noChangeAspect="1"/>
+          </p:cNvPicPr>
+          <p:nvPr/>
+        </p:nvPicPr>
+        <p:blipFill>
+          <a:blip r:embed="rId6">
+            <a:extLst>
+              <a:ext uri="{28A0092B-C50C-407E-A947-70E740481C1C}">
+                <a14:useLocalDpi xmlns:a14="http://schemas.microsoft.com/office/drawing/2010/main" val="0"/>
+              </a:ext>
+            </a:extLst>
+          </a:blip>
+          <a:stretch>
+            <a:fillRect/>
+          </a:stretch>
+        </p:blipFill>
+        <p:spPr>
+          <a:xfrm>
+            <a:off x="9193459" y="5824314"/>
+            <a:ext cx="440308" cy="440308"/>
+          </a:xfrm>
+          <a:prstGeom prst="rect">
+            <a:avLst/>
+          </a:prstGeom>
+        </p:spPr>
+      </p:pic>
+      <p:pic>
+        <p:nvPicPr>
+          <p:cNvPr id="70" name="그림 69">
+            <a:extLst>
+              <a:ext uri="{FF2B5EF4-FFF2-40B4-BE49-F238E27FC236}">
+                <a16:creationId xmlns:a16="http://schemas.microsoft.com/office/drawing/2014/main" id="{453B240A-8A60-92CB-A3B2-F0A49FF3763C}"/>
+              </a:ext>
+            </a:extLst>
+          </p:cNvPr>
+          <p:cNvPicPr>
+            <a:picLocks noChangeAspect="1"/>
+          </p:cNvPicPr>
+          <p:nvPr/>
+        </p:nvPicPr>
+        <p:blipFill>
+          <a:blip r:embed="rId6">
+            <a:extLst>
+              <a:ext uri="{28A0092B-C50C-407E-A947-70E740481C1C}">
+                <a14:useLocalDpi xmlns:a14="http://schemas.microsoft.com/office/drawing/2010/main" val="0"/>
+              </a:ext>
+            </a:extLst>
+          </a:blip>
+          <a:stretch>
+            <a:fillRect/>
+          </a:stretch>
+        </p:blipFill>
+        <p:spPr>
+          <a:xfrm>
+            <a:off x="9633766" y="6021446"/>
+            <a:ext cx="440308" cy="440308"/>
+          </a:xfrm>
+          <a:prstGeom prst="rect">
+            <a:avLst/>
+          </a:prstGeom>
+        </p:spPr>
+      </p:pic>
+      <p:pic>
+        <p:nvPicPr>
+          <p:cNvPr id="71" name="그림 70">
+            <a:extLst>
+              <a:ext uri="{FF2B5EF4-FFF2-40B4-BE49-F238E27FC236}">
+                <a16:creationId xmlns:a16="http://schemas.microsoft.com/office/drawing/2014/main" id="{E7FBBCF6-0C11-2CDB-6921-2243612D3EA0}"/>
+              </a:ext>
+            </a:extLst>
+          </p:cNvPr>
+          <p:cNvPicPr>
+            <a:picLocks noChangeAspect="1"/>
+          </p:cNvPicPr>
+          <p:nvPr/>
+        </p:nvPicPr>
+        <p:blipFill>
+          <a:blip r:embed="rId6">
+            <a:extLst>
+              <a:ext uri="{28A0092B-C50C-407E-A947-70E740481C1C}">
+                <a14:useLocalDpi xmlns:a14="http://schemas.microsoft.com/office/drawing/2010/main" val="0"/>
+              </a:ext>
+            </a:extLst>
+          </a:blip>
+          <a:stretch>
+            <a:fillRect/>
+          </a:stretch>
+        </p:blipFill>
+        <p:spPr>
+          <a:xfrm>
+            <a:off x="9935111" y="6044468"/>
+            <a:ext cx="440308" cy="440308"/>
+          </a:xfrm>
+          <a:prstGeom prst="rect">
+            <a:avLst/>
+          </a:prstGeom>
+        </p:spPr>
+      </p:pic>
+      <p:pic>
+        <p:nvPicPr>
+          <p:cNvPr id="72" name="그림 71">
+            <a:extLst>
+              <a:ext uri="{FF2B5EF4-FFF2-40B4-BE49-F238E27FC236}">
+                <a16:creationId xmlns:a16="http://schemas.microsoft.com/office/drawing/2014/main" id="{8F55A7F5-8EA2-D567-C09A-1010765F66A9}"/>
+              </a:ext>
+            </a:extLst>
+          </p:cNvPr>
+          <p:cNvPicPr>
+            <a:picLocks noChangeAspect="1"/>
+          </p:cNvPicPr>
+          <p:nvPr/>
+        </p:nvPicPr>
+        <p:blipFill>
+          <a:blip r:embed="rId6">
+            <a:extLst>
+              <a:ext uri="{28A0092B-C50C-407E-A947-70E740481C1C}">
+                <a14:useLocalDpi xmlns:a14="http://schemas.microsoft.com/office/drawing/2010/main" val="0"/>
+              </a:ext>
+            </a:extLst>
+          </a:blip>
+          <a:stretch>
+            <a:fillRect/>
+          </a:stretch>
+        </p:blipFill>
+        <p:spPr>
+          <a:xfrm>
+            <a:off x="9471385" y="5822134"/>
+            <a:ext cx="440308" cy="440308"/>
+          </a:xfrm>
+          <a:prstGeom prst="rect">
+            <a:avLst/>
+          </a:prstGeom>
+        </p:spPr>
+      </p:pic>
+      <p:pic>
+        <p:nvPicPr>
+          <p:cNvPr id="73" name="그림 72">
+            <a:extLst>
+              <a:ext uri="{FF2B5EF4-FFF2-40B4-BE49-F238E27FC236}">
+                <a16:creationId xmlns:a16="http://schemas.microsoft.com/office/drawing/2014/main" id="{D18AB3E4-E903-2B83-4F32-ED095CCED550}"/>
+              </a:ext>
+            </a:extLst>
+          </p:cNvPr>
+          <p:cNvPicPr>
+            <a:picLocks noChangeAspect="1"/>
+          </p:cNvPicPr>
+          <p:nvPr/>
+        </p:nvPicPr>
+        <p:blipFill>
+          <a:blip r:embed="rId6">
+            <a:extLst>
+              <a:ext uri="{28A0092B-C50C-407E-A947-70E740481C1C}">
+                <a14:useLocalDpi xmlns:a14="http://schemas.microsoft.com/office/drawing/2010/main" val="0"/>
+              </a:ext>
+            </a:extLst>
+          </a:blip>
+          <a:stretch>
+            <a:fillRect/>
+          </a:stretch>
+        </p:blipFill>
+        <p:spPr>
+          <a:xfrm>
+            <a:off x="9784439" y="5829284"/>
+            <a:ext cx="440308" cy="440308"/>
+          </a:xfrm>
+          <a:prstGeom prst="rect">
+            <a:avLst/>
+          </a:prstGeom>
+        </p:spPr>
+      </p:pic>
+      <p:pic>
+        <p:nvPicPr>
+          <p:cNvPr id="77" name="그림 76">
+            <a:extLst>
+              <a:ext uri="{FF2B5EF4-FFF2-40B4-BE49-F238E27FC236}">
+                <a16:creationId xmlns:a16="http://schemas.microsoft.com/office/drawing/2014/main" id="{7D3E0419-739E-C290-A2E3-8E6AF41E34E1}"/>
+              </a:ext>
+            </a:extLst>
+          </p:cNvPr>
+          <p:cNvPicPr>
+            <a:picLocks noChangeAspect="1"/>
+          </p:cNvPicPr>
+          <p:nvPr/>
+        </p:nvPicPr>
+        <p:blipFill>
+          <a:blip r:embed="rId6">
+            <a:extLst>
+              <a:ext uri="{28A0092B-C50C-407E-A947-70E740481C1C}">
+                <a14:useLocalDpi xmlns:a14="http://schemas.microsoft.com/office/drawing/2010/main" val="0"/>
+              </a:ext>
+            </a:extLst>
+          </a:blip>
+          <a:stretch>
+            <a:fillRect/>
+          </a:stretch>
+        </p:blipFill>
+        <p:spPr>
+          <a:xfrm>
+            <a:off x="10244182" y="6034321"/>
+            <a:ext cx="440308" cy="440308"/>
+          </a:xfrm>
+          <a:prstGeom prst="rect">
+            <a:avLst/>
+          </a:prstGeom>
+        </p:spPr>
+      </p:pic>
+      <p:pic>
+        <p:nvPicPr>
+          <p:cNvPr id="78" name="그림 77">
+            <a:extLst>
+              <a:ext uri="{FF2B5EF4-FFF2-40B4-BE49-F238E27FC236}">
+                <a16:creationId xmlns:a16="http://schemas.microsoft.com/office/drawing/2014/main" id="{61A3488B-DF15-912B-BE33-27CC87C55420}"/>
+              </a:ext>
+            </a:extLst>
+          </p:cNvPr>
+          <p:cNvPicPr>
+            <a:picLocks noChangeAspect="1"/>
+          </p:cNvPicPr>
+          <p:nvPr/>
+        </p:nvPicPr>
+        <p:blipFill>
+          <a:blip r:embed="rId6">
+            <a:extLst>
+              <a:ext uri="{28A0092B-C50C-407E-A947-70E740481C1C}">
+                <a14:useLocalDpi xmlns:a14="http://schemas.microsoft.com/office/drawing/2010/main" val="0"/>
+              </a:ext>
+            </a:extLst>
+          </a:blip>
+          <a:stretch>
+            <a:fillRect/>
+          </a:stretch>
+        </p:blipFill>
+        <p:spPr>
+          <a:xfrm>
+            <a:off x="10545527" y="6034321"/>
+            <a:ext cx="440308" cy="440308"/>
+          </a:xfrm>
+          <a:prstGeom prst="rect">
+            <a:avLst/>
+          </a:prstGeom>
+        </p:spPr>
+      </p:pic>
+      <p:pic>
+        <p:nvPicPr>
+          <p:cNvPr id="79" name="그림 78">
+            <a:extLst>
+              <a:ext uri="{FF2B5EF4-FFF2-40B4-BE49-F238E27FC236}">
+                <a16:creationId xmlns:a16="http://schemas.microsoft.com/office/drawing/2014/main" id="{E1FAD85D-7F58-095B-CA29-D85D68BA9981}"/>
+              </a:ext>
+            </a:extLst>
+          </p:cNvPr>
+          <p:cNvPicPr>
+            <a:picLocks noChangeAspect="1"/>
+          </p:cNvPicPr>
+          <p:nvPr/>
+        </p:nvPicPr>
+        <p:blipFill>
+          <a:blip r:embed="rId6">
+            <a:extLst>
+              <a:ext uri="{28A0092B-C50C-407E-A947-70E740481C1C}">
+                <a14:useLocalDpi xmlns:a14="http://schemas.microsoft.com/office/drawing/2010/main" val="0"/>
+              </a:ext>
+            </a:extLst>
+          </a:blip>
+          <a:stretch>
+            <a:fillRect/>
+          </a:stretch>
+        </p:blipFill>
+        <p:spPr>
+          <a:xfrm>
+            <a:off x="10062365" y="5851490"/>
+            <a:ext cx="440308" cy="440308"/>
+          </a:xfrm>
+          <a:prstGeom prst="rect">
+            <a:avLst/>
+          </a:prstGeom>
+        </p:spPr>
+      </p:pic>
+      <p:pic>
+        <p:nvPicPr>
+          <p:cNvPr id="80" name="그림 79">
+            <a:extLst>
+              <a:ext uri="{FF2B5EF4-FFF2-40B4-BE49-F238E27FC236}">
+                <a16:creationId xmlns:a16="http://schemas.microsoft.com/office/drawing/2014/main" id="{FF9401CB-EA8F-7846-BD90-496463A98CC8}"/>
+              </a:ext>
+            </a:extLst>
+          </p:cNvPr>
+          <p:cNvPicPr>
+            <a:picLocks noChangeAspect="1"/>
+          </p:cNvPicPr>
+          <p:nvPr/>
+        </p:nvPicPr>
+        <p:blipFill>
+          <a:blip r:embed="rId6">
+            <a:extLst>
+              <a:ext uri="{28A0092B-C50C-407E-A947-70E740481C1C}">
+                <a14:useLocalDpi xmlns:a14="http://schemas.microsoft.com/office/drawing/2010/main" val="0"/>
+              </a:ext>
+            </a:extLst>
+          </a:blip>
+          <a:stretch>
+            <a:fillRect/>
+          </a:stretch>
+        </p:blipFill>
+        <p:spPr>
+          <a:xfrm>
+            <a:off x="10333812" y="5840764"/>
+            <a:ext cx="440308" cy="440308"/>
+          </a:xfrm>
+          <a:prstGeom prst="rect">
+            <a:avLst/>
+          </a:prstGeom>
+        </p:spPr>
+      </p:pic>
+      <p:sp>
+        <p:nvSpPr>
+          <p:cNvPr id="81" name="TextBox 80">
+            <a:extLst>
+              <a:ext uri="{FF2B5EF4-FFF2-40B4-BE49-F238E27FC236}">
+                <a16:creationId xmlns:a16="http://schemas.microsoft.com/office/drawing/2014/main" id="{F924A21E-4433-BD4B-3473-0D5C68D52F6C}"/>
+              </a:ext>
+            </a:extLst>
+          </p:cNvPr>
+          <p:cNvSpPr txBox="1"/>
+          <p:nvPr/>
+        </p:nvSpPr>
+        <p:spPr>
+          <a:xfrm>
+            <a:off x="5389322" y="4927341"/>
+            <a:ext cx="3143809" cy="430887"/>
+          </a:xfrm>
+          <a:prstGeom prst="rect">
+            <a:avLst/>
+          </a:prstGeom>
+          <a:noFill/>
+        </p:spPr>
+        <p:txBody>
+          <a:bodyPr wrap="none" rtlCol="0">
+            <a:spAutoFit/>
+          </a:bodyPr>
+          <a:lstStyle/>
+          <a:p>
+            <a:r>
+              <a:rPr lang="ko-KR" altLang="en-US" sz="1100" dirty="0"/>
+              <a:t>맨 밑에 있어야하는 나무의 개수를 알려줍니다</a:t>
+            </a:r>
+            <a:r>
+              <a:rPr lang="en-US" altLang="ko-KR" sz="1100" dirty="0"/>
+              <a:t>.</a:t>
+            </a:r>
+          </a:p>
+          <a:p>
+            <a:r>
+              <a:rPr lang="en-US" altLang="ko-KR" sz="1100" dirty="0"/>
+              <a:t>(5</a:t>
+            </a:r>
+            <a:r>
+              <a:rPr lang="ko-KR" altLang="en-US" sz="1100" dirty="0"/>
+              <a:t>개 </a:t>
+            </a:r>
+            <a:r>
+              <a:rPr lang="en-US" altLang="ko-KR" sz="1100" dirty="0"/>
+              <a:t>~ 7</a:t>
+            </a:r>
+            <a:r>
+              <a:rPr lang="ko-KR" altLang="en-US" sz="1100" dirty="0"/>
+              <a:t>개</a:t>
+            </a:r>
+            <a:r>
+              <a:rPr lang="en-US" altLang="ko-KR" sz="1100" dirty="0"/>
+              <a:t>)</a:t>
+            </a:r>
+            <a:endParaRPr lang="ko-KR" altLang="en-US" sz="1100" dirty="0"/>
+          </a:p>
+        </p:txBody>
+      </p:sp>
+      <p:sp>
+        <p:nvSpPr>
+          <p:cNvPr id="82" name="TextBox 81">
+            <a:extLst>
+              <a:ext uri="{FF2B5EF4-FFF2-40B4-BE49-F238E27FC236}">
+                <a16:creationId xmlns:a16="http://schemas.microsoft.com/office/drawing/2014/main" id="{C1BBADE5-911D-E217-0A3C-5F97D6A20154}"/>
+              </a:ext>
+            </a:extLst>
+          </p:cNvPr>
+          <p:cNvSpPr txBox="1"/>
+          <p:nvPr/>
+        </p:nvSpPr>
+        <p:spPr>
+          <a:xfrm>
+            <a:off x="9802281" y="4958903"/>
+            <a:ext cx="317716" cy="369332"/>
+          </a:xfrm>
+          <a:prstGeom prst="rect">
+            <a:avLst/>
+          </a:prstGeom>
+          <a:noFill/>
+        </p:spPr>
+        <p:txBody>
+          <a:bodyPr wrap="none" rtlCol="0">
+            <a:spAutoFit/>
+          </a:bodyPr>
+          <a:lstStyle/>
+          <a:p>
+            <a:r>
+              <a:rPr lang="en-US" altLang="ko-KR" b="1" dirty="0"/>
+              <a:t>6</a:t>
+            </a:r>
+            <a:endParaRPr lang="ko-KR" altLang="en-US" b="1" dirty="0"/>
+          </a:p>
+        </p:txBody>
+      </p:sp>
+      <p:sp>
+        <p:nvSpPr>
+          <p:cNvPr id="83" name="직사각형 82">
+            <a:extLst>
+              <a:ext uri="{FF2B5EF4-FFF2-40B4-BE49-F238E27FC236}">
+                <a16:creationId xmlns:a16="http://schemas.microsoft.com/office/drawing/2014/main" id="{2B38248E-B043-B5FE-E35A-E9F1264C0D6C}"/>
+              </a:ext>
+            </a:extLst>
+          </p:cNvPr>
+          <p:cNvSpPr/>
+          <p:nvPr/>
+        </p:nvSpPr>
+        <p:spPr>
+          <a:xfrm>
+            <a:off x="9740985" y="4958903"/>
+            <a:ext cx="440308" cy="391538"/>
+          </a:xfrm>
+          <a:prstGeom prst="rect">
+            <a:avLst/>
+          </a:prstGeom>
+          <a:noFill/>
+          <a:ln w="38100">
+            <a:solidFill>
+              <a:schemeClr val="tx1"/>
+            </a:solidFill>
+          </a:ln>
+        </p:spPr>
+        <p:style>
+          <a:lnRef idx="2">
+            <a:schemeClr val="accent1">
+              <a:shade val="50000"/>
+            </a:schemeClr>
+          </a:lnRef>
+          <a:fillRef idx="1">
+            <a:schemeClr val="accent1"/>
+          </a:fillRef>
+          <a:effectRef idx="0">
+            <a:schemeClr val="accent1"/>
+          </a:effectRef>
+          <a:fontRef idx="minor">
+            <a:schemeClr val="lt1"/>
+          </a:fontRef>
+        </p:style>
+        <p:txBody>
+          <a:bodyPr rtlCol="0" anchor="ctr"/>
+          <a:lstStyle/>
+          <a:p>
+            <a:pPr algn="ctr"/>
+            <a:endParaRPr lang="ko-KR" altLang="en-US" dirty="0"/>
+          </a:p>
+        </p:txBody>
+      </p:sp>
+      <p:cxnSp>
+        <p:nvCxnSpPr>
+          <p:cNvPr id="85" name="직선 화살표 연결선 84">
+            <a:extLst>
+              <a:ext uri="{FF2B5EF4-FFF2-40B4-BE49-F238E27FC236}">
+                <a16:creationId xmlns:a16="http://schemas.microsoft.com/office/drawing/2014/main" id="{C6E934F9-7981-A199-132D-47B22990EF97}"/>
+              </a:ext>
+            </a:extLst>
+          </p:cNvPr>
+          <p:cNvCxnSpPr>
+            <a:stCxn id="83" idx="1"/>
+            <a:endCxn id="81" idx="3"/>
+          </p:cNvCxnSpPr>
+          <p:nvPr/>
+        </p:nvCxnSpPr>
+        <p:spPr>
+          <a:xfrm flipH="1" flipV="1">
+            <a:off x="8533131" y="5142785"/>
+            <a:ext cx="1207854" cy="11887"/>
+          </a:xfrm>
+          <a:prstGeom prst="straightConnector1">
+            <a:avLst/>
+          </a:prstGeom>
+          <a:ln>
+            <a:tailEnd type="triangle"/>
+          </a:ln>
+        </p:spPr>
+        <p:style>
+          <a:lnRef idx="1">
+            <a:schemeClr val="dk1"/>
+          </a:lnRef>
+          <a:fillRef idx="0">
+            <a:schemeClr val="dk1"/>
+          </a:fillRef>
+          <a:effectRef idx="0">
+            <a:schemeClr val="dk1"/>
+          </a:effectRef>
+          <a:fontRef idx="minor">
+            <a:schemeClr val="tx1"/>
+          </a:fontRef>
+        </p:style>
+      </p:cxnSp>
+      <p:sp>
+        <p:nvSpPr>
+          <p:cNvPr id="86" name="TextBox 85">
+            <a:extLst>
+              <a:ext uri="{FF2B5EF4-FFF2-40B4-BE49-F238E27FC236}">
+                <a16:creationId xmlns:a16="http://schemas.microsoft.com/office/drawing/2014/main" id="{DE2DCD1A-DF07-6B62-34B1-040D0C3A802E}"/>
+              </a:ext>
+            </a:extLst>
+          </p:cNvPr>
+          <p:cNvSpPr txBox="1"/>
+          <p:nvPr/>
+        </p:nvSpPr>
+        <p:spPr>
+          <a:xfrm>
+            <a:off x="5426044" y="5618822"/>
+            <a:ext cx="3355406" cy="830997"/>
+          </a:xfrm>
+          <a:prstGeom prst="rect">
+            <a:avLst/>
+          </a:prstGeom>
+          <a:noFill/>
+        </p:spPr>
+        <p:txBody>
+          <a:bodyPr wrap="none" rtlCol="0">
+            <a:spAutoFit/>
+          </a:bodyPr>
+          <a:lstStyle/>
+          <a:p>
+            <a:r>
+              <a:rPr lang="ko-KR" altLang="en-US" sz="1200" dirty="0"/>
+              <a:t>그 뒤로 한층 씩 올릴 때마다 </a:t>
+            </a:r>
+            <a:endParaRPr lang="en-US" altLang="ko-KR" sz="1200" dirty="0"/>
+          </a:p>
+          <a:p>
+            <a:r>
+              <a:rPr lang="ko-KR" altLang="en-US" sz="1200" dirty="0"/>
+              <a:t>그 전 층 개수보다 </a:t>
+            </a:r>
+            <a:r>
+              <a:rPr lang="en-US" altLang="ko-KR" sz="1200" dirty="0"/>
+              <a:t>1</a:t>
+            </a:r>
+            <a:r>
+              <a:rPr lang="ko-KR" altLang="en-US" sz="1200" dirty="0"/>
+              <a:t>개 더 적게 올리면 됩니다</a:t>
+            </a:r>
+            <a:r>
+              <a:rPr lang="en-US" altLang="ko-KR" sz="1200" dirty="0"/>
+              <a:t>.</a:t>
+            </a:r>
+          </a:p>
+          <a:p>
+            <a:r>
+              <a:rPr lang="ko-KR" altLang="en-US" sz="1200" dirty="0"/>
+              <a:t>맨 위가 </a:t>
+            </a:r>
+            <a:r>
+              <a:rPr lang="en-US" altLang="ko-KR" sz="1200" dirty="0"/>
+              <a:t>1</a:t>
+            </a:r>
+            <a:r>
+              <a:rPr lang="ko-KR" altLang="en-US" sz="1200" dirty="0"/>
+              <a:t>개가 될 때까지 나무를 모읍니다</a:t>
+            </a:r>
+            <a:r>
+              <a:rPr lang="en-US" altLang="ko-KR" sz="1200" dirty="0"/>
+              <a:t>.</a:t>
+            </a:r>
+          </a:p>
+          <a:p>
+            <a:endParaRPr lang="ko-KR" altLang="en-US" sz="1200" dirty="0"/>
+          </a:p>
+        </p:txBody>
+      </p:sp>
+    </p:spTree>
+    <p:extLst>
+      <p:ext uri="{BB962C8B-B14F-4D97-AF65-F5344CB8AC3E}">
+        <p14:creationId xmlns:p14="http://schemas.microsoft.com/office/powerpoint/2010/main" val="2839818244"/>
+      </p:ext>
+    </p:extLst>
+  </p:cSld>
+  <p:clrMapOvr>
+    <a:masterClrMapping/>
+  </p:clrMapOvr>
+</p:sld>
+</file>
+
+<file path=ppt/slides/slide6.xml><?xml version="1.0" encoding="utf-8"?>
+<p:sld xmlns:a="http://schemas.openxmlformats.org/drawingml/2006/main" xmlns:r="http://schemas.openxmlformats.org/officeDocument/2006/relationships" xmlns:p="http://schemas.openxmlformats.org/presentationml/2006/main">
+  <p:cSld>
+    <p:spTree>
+      <p:nvGrpSpPr>
+        <p:cNvPr id="1" name=""/>
+        <p:cNvGrpSpPr/>
+        <p:nvPr/>
+      </p:nvGrpSpPr>
+      <p:grpSpPr>
+        <a:xfrm>
+          <a:off x="0" y="0"/>
+          <a:ext cx="0" cy="0"/>
+          <a:chOff x="0" y="0"/>
+          <a:chExt cx="0" cy="0"/>
+        </a:xfrm>
+      </p:grpSpPr>
       <p:sp>
         <p:nvSpPr>
           <p:cNvPr id="4" name="직사각형 3">
@@ -24385,7 +27160,7 @@
 </p:sld>
 </file>
 
-<file path=ppt/slides/slide6.xml><?xml version="1.0" encoding="utf-8"?>
+<file path=ppt/slides/slide7.xml><?xml version="1.0" encoding="utf-8"?>
 <p:sld xmlns:a="http://schemas.openxmlformats.org/drawingml/2006/main" xmlns:r="http://schemas.openxmlformats.org/officeDocument/2006/relationships" xmlns:p="http://schemas.openxmlformats.org/presentationml/2006/main">
   <p:cSld>
     <p:spTree>
